--- a/lezioni/PASW03d - C++ funzioni.pptx
+++ b/lezioni/PASW03d - C++ funzioni.pptx
@@ -5,7 +5,7 @@
     <p:sldMasterId id="2147483649" r:id="rId1"/>
   </p:sldMasterIdLst>
   <p:notesMasterIdLst>
-    <p:notesMasterId r:id="rId13"/>
+    <p:notesMasterId r:id="rId16"/>
   </p:notesMasterIdLst>
   <p:sldIdLst>
     <p:sldId id="258" r:id="rId2"/>
@@ -13,12 +13,15 @@
     <p:sldId id="263" r:id="rId4"/>
     <p:sldId id="264" r:id="rId5"/>
     <p:sldId id="265" r:id="rId6"/>
-    <p:sldId id="266" r:id="rId7"/>
-    <p:sldId id="267" r:id="rId8"/>
-    <p:sldId id="268" r:id="rId9"/>
-    <p:sldId id="259" r:id="rId10"/>
-    <p:sldId id="261" r:id="rId11"/>
-    <p:sldId id="260" r:id="rId12"/>
+    <p:sldId id="269" r:id="rId7"/>
+    <p:sldId id="270" r:id="rId8"/>
+    <p:sldId id="266" r:id="rId9"/>
+    <p:sldId id="267" r:id="rId10"/>
+    <p:sldId id="268" r:id="rId11"/>
+    <p:sldId id="259" r:id="rId12"/>
+    <p:sldId id="261" r:id="rId13"/>
+    <p:sldId id="260" r:id="rId14"/>
+    <p:sldId id="271" r:id="rId15"/>
   </p:sldIdLst>
   <p:sldSz cx="12192000" cy="6858000"/>
   <p:notesSz cx="6858000" cy="9144000"/>
@@ -248,7 +251,7 @@
           <a:p>
             <a:fld id="{537EE30C-6FCC-4D68-889C-61DBBB4BBB87}" type="datetimeFigureOut">
               <a:rPr lang="it-IT" smtClean="0"/>
-              <a:t>25/02/2018</a:t>
+              <a:t>04/03/2018</a:t>
             </a:fld>
             <a:endParaRPr lang="it-IT"/>
           </a:p>
@@ -5134,6 +5137,1082 @@
           <p:cNvPr id="2" name="Titolo 1">
             <a:extLst>
               <a:ext uri="{FF2B5EF4-FFF2-40B4-BE49-F238E27FC236}">
+                <a16:creationId xmlns:a16="http://schemas.microsoft.com/office/drawing/2014/main" id="{79C660ED-C729-4FBA-B1DC-B3D008B55DE5}"/>
+              </a:ext>
+            </a:extLst>
+          </p:cNvPr>
+          <p:cNvSpPr>
+            <a:spLocks noGrp="1"/>
+          </p:cNvSpPr>
+          <p:nvPr>
+            <p:ph type="title"/>
+          </p:nvPr>
+        </p:nvSpPr>
+        <p:spPr/>
+        <p:txBody>
+          <a:bodyPr/>
+          <a:lstStyle/>
+          <a:p>
+            <a:r>
+              <a:rPr lang="it-IT" dirty="0"/>
+              <a:t>passaggio dei parametri</a:t>
+            </a:r>
+          </a:p>
+        </p:txBody>
+      </p:sp>
+      <p:sp>
+        <p:nvSpPr>
+          <p:cNvPr id="3" name="Segnaposto contenuto 2">
+            <a:extLst>
+              <a:ext uri="{FF2B5EF4-FFF2-40B4-BE49-F238E27FC236}">
+                <a16:creationId xmlns:a16="http://schemas.microsoft.com/office/drawing/2014/main" id="{84FB5860-8AA7-4726-94DC-44C63B022497}"/>
+              </a:ext>
+            </a:extLst>
+          </p:cNvPr>
+          <p:cNvSpPr>
+            <a:spLocks noGrp="1"/>
+          </p:cNvSpPr>
+          <p:nvPr>
+            <p:ph idx="1"/>
+          </p:nvPr>
+        </p:nvSpPr>
+        <p:spPr/>
+        <p:txBody>
+          <a:bodyPr/>
+          <a:lstStyle/>
+          <a:p>
+            <a:r>
+              <a:rPr lang="it-IT" b="1" i="1" dirty="0"/>
+              <a:t>call-by-pointer</a:t>
+            </a:r>
+          </a:p>
+          <a:p>
+            <a:pPr lvl="1"/>
+            <a:r>
+              <a:rPr lang="en-US" dirty="0" err="1"/>
+              <a:t>l’</a:t>
+            </a:r>
+            <a:r>
+              <a:rPr lang="en-US" b="1" i="1" dirty="0" err="1"/>
+              <a:t>indirizzo</a:t>
+            </a:r>
+            <a:r>
+              <a:rPr lang="en-US" dirty="0"/>
+              <a:t> del </a:t>
+            </a:r>
+            <a:r>
+              <a:rPr lang="en-US" dirty="0" err="1"/>
+              <a:t>parametro</a:t>
+            </a:r>
+            <a:r>
+              <a:rPr lang="en-US" dirty="0"/>
+              <a:t> </a:t>
+            </a:r>
+            <a:r>
+              <a:rPr lang="en-US" dirty="0" err="1"/>
+              <a:t>attuale</a:t>
+            </a:r>
+            <a:r>
+              <a:rPr lang="en-US" dirty="0"/>
+              <a:t> </a:t>
+            </a:r>
+            <a:r>
+              <a:rPr lang="en-US" dirty="0" err="1"/>
+              <a:t>viene</a:t>
+            </a:r>
+            <a:r>
+              <a:rPr lang="en-US" dirty="0"/>
+              <a:t> </a:t>
+            </a:r>
+            <a:r>
+              <a:rPr lang="en-US" dirty="0" err="1"/>
+              <a:t>copiato</a:t>
+            </a:r>
+            <a:r>
+              <a:rPr lang="en-US" dirty="0"/>
+              <a:t> </a:t>
+            </a:r>
+            <a:r>
+              <a:rPr lang="en-US" dirty="0" err="1"/>
+              <a:t>nel</a:t>
+            </a:r>
+            <a:r>
+              <a:rPr lang="en-US" dirty="0"/>
+              <a:t> </a:t>
+            </a:r>
+            <a:r>
+              <a:rPr lang="en-US" dirty="0" err="1"/>
+              <a:t>parametro</a:t>
+            </a:r>
+            <a:r>
+              <a:rPr lang="en-US" dirty="0"/>
+              <a:t> </a:t>
+            </a:r>
+            <a:r>
+              <a:rPr lang="en-US" dirty="0" err="1"/>
+              <a:t>formale</a:t>
+            </a:r>
+            <a:endParaRPr lang="en-US" dirty="0"/>
+          </a:p>
+          <a:p>
+            <a:pPr lvl="1"/>
+            <a:r>
+              <a:rPr lang="en-US" dirty="0" err="1"/>
+              <a:t>all’interno</a:t>
+            </a:r>
+            <a:r>
+              <a:rPr lang="en-US" dirty="0"/>
+              <a:t> </a:t>
+            </a:r>
+            <a:r>
+              <a:rPr lang="en-US" dirty="0" err="1"/>
+              <a:t>della</a:t>
+            </a:r>
+            <a:r>
+              <a:rPr lang="en-US" dirty="0"/>
+              <a:t> </a:t>
+            </a:r>
+            <a:r>
+              <a:rPr lang="en-US" dirty="0" err="1"/>
+              <a:t>funzione</a:t>
+            </a:r>
+            <a:r>
+              <a:rPr lang="en-US" dirty="0"/>
+              <a:t> </a:t>
+            </a:r>
+            <a:r>
+              <a:rPr lang="en-US" dirty="0" err="1"/>
+              <a:t>l’indirizzo</a:t>
+            </a:r>
+            <a:r>
+              <a:rPr lang="en-US" dirty="0"/>
+              <a:t> è </a:t>
+            </a:r>
+            <a:r>
+              <a:rPr lang="en-US" dirty="0" err="1"/>
+              <a:t>utilizzato</a:t>
+            </a:r>
+            <a:r>
+              <a:rPr lang="en-US" dirty="0"/>
+              <a:t> per </a:t>
+            </a:r>
+            <a:r>
+              <a:rPr lang="en-US" dirty="0" err="1"/>
+              <a:t>accedere</a:t>
+            </a:r>
+            <a:r>
+              <a:rPr lang="en-US" dirty="0"/>
+              <a:t> al </a:t>
+            </a:r>
+            <a:r>
+              <a:rPr lang="en-US" dirty="0" err="1"/>
+              <a:t>dato</a:t>
+            </a:r>
+            <a:r>
+              <a:rPr lang="en-US" dirty="0"/>
+              <a:t> “</a:t>
+            </a:r>
+            <a:r>
+              <a:rPr lang="en-US" dirty="0" err="1"/>
+              <a:t>puntato</a:t>
+            </a:r>
+            <a:r>
+              <a:rPr lang="en-US" dirty="0"/>
+              <a:t>” dal parametron </a:t>
+            </a:r>
+            <a:r>
+              <a:rPr lang="en-US" dirty="0" err="1"/>
+              <a:t>attuale</a:t>
+            </a:r>
+            <a:endParaRPr lang="en-US" dirty="0"/>
+          </a:p>
+          <a:p>
+            <a:pPr lvl="1"/>
+            <a:r>
+              <a:rPr lang="en-US" dirty="0" err="1"/>
+              <a:t>i</a:t>
+            </a:r>
+            <a:r>
+              <a:rPr lang="en-US" dirty="0"/>
+              <a:t> </a:t>
+            </a:r>
+            <a:r>
+              <a:rPr lang="en-US" b="1" i="1" dirty="0" err="1"/>
+              <a:t>parametri</a:t>
+            </a:r>
+            <a:r>
+              <a:rPr lang="en-US" b="1" i="1" dirty="0"/>
+              <a:t> </a:t>
+            </a:r>
+            <a:r>
+              <a:rPr lang="en-US" b="1" i="1" dirty="0" err="1"/>
+              <a:t>formali</a:t>
+            </a:r>
+            <a:r>
+              <a:rPr lang="en-US" b="1" i="1" dirty="0"/>
+              <a:t> </a:t>
+            </a:r>
+            <a:r>
+              <a:rPr lang="en-US" dirty="0" err="1"/>
+              <a:t>devono</a:t>
+            </a:r>
+            <a:r>
+              <a:rPr lang="en-US" dirty="0"/>
+              <a:t> </a:t>
+            </a:r>
+            <a:r>
+              <a:rPr lang="en-US" dirty="0" err="1"/>
+              <a:t>essere</a:t>
+            </a:r>
+            <a:r>
+              <a:rPr lang="en-US" dirty="0"/>
+              <a:t> </a:t>
+            </a:r>
+            <a:r>
+              <a:rPr lang="en-US" dirty="0" err="1"/>
+              <a:t>definiti</a:t>
+            </a:r>
+            <a:r>
+              <a:rPr lang="en-US" dirty="0"/>
+              <a:t> come </a:t>
+            </a:r>
+            <a:r>
+              <a:rPr lang="en-US" b="1" i="1" dirty="0" err="1"/>
+              <a:t>puntatori</a:t>
+            </a:r>
+            <a:r>
+              <a:rPr lang="en-US" dirty="0"/>
+              <a:t> </a:t>
+            </a:r>
+            <a:r>
+              <a:rPr lang="en-US" dirty="0" err="1"/>
+              <a:t>ai</a:t>
+            </a:r>
+            <a:r>
+              <a:rPr lang="en-US" dirty="0"/>
+              <a:t> </a:t>
+            </a:r>
+            <a:r>
+              <a:rPr lang="en-US" dirty="0" err="1"/>
+              <a:t>quali</a:t>
+            </a:r>
+            <a:r>
+              <a:rPr lang="en-US" dirty="0"/>
+              <a:t> </a:t>
+            </a:r>
+            <a:r>
+              <a:rPr lang="en-US" dirty="0" err="1"/>
+              <a:t>assegnare</a:t>
+            </a:r>
+            <a:r>
+              <a:rPr lang="en-US" dirty="0"/>
+              <a:t> </a:t>
+            </a:r>
+            <a:r>
+              <a:rPr lang="en-US" dirty="0" err="1"/>
+              <a:t>gli</a:t>
+            </a:r>
+            <a:r>
+              <a:rPr lang="en-US" dirty="0"/>
+              <a:t> </a:t>
+            </a:r>
+            <a:r>
+              <a:rPr lang="en-US" b="1" i="1" dirty="0" err="1"/>
+              <a:t>indirizzi</a:t>
+            </a:r>
+            <a:r>
+              <a:rPr lang="en-US" dirty="0"/>
+              <a:t> </a:t>
+            </a:r>
+            <a:r>
+              <a:rPr lang="en-US" dirty="0" err="1"/>
+              <a:t>dei</a:t>
+            </a:r>
+            <a:r>
+              <a:rPr lang="en-US" dirty="0"/>
+              <a:t> </a:t>
+            </a:r>
+            <a:r>
+              <a:rPr lang="en-US" dirty="0" err="1"/>
+              <a:t>parametri</a:t>
+            </a:r>
+            <a:r>
+              <a:rPr lang="en-US" dirty="0"/>
+              <a:t> </a:t>
+            </a:r>
+            <a:r>
+              <a:rPr lang="en-US" b="1" i="1" dirty="0" err="1"/>
+              <a:t>attuali</a:t>
+            </a:r>
+            <a:endParaRPr lang="en-US" b="1" i="1" dirty="0"/>
+          </a:p>
+          <a:p>
+            <a:pPr lvl="1"/>
+            <a:r>
+              <a:rPr lang="en-US" dirty="0"/>
+              <a:t>le </a:t>
+            </a:r>
+            <a:r>
+              <a:rPr lang="en-US" dirty="0" err="1"/>
+              <a:t>azioni</a:t>
+            </a:r>
+            <a:r>
+              <a:rPr lang="en-US" dirty="0"/>
+              <a:t> sui </a:t>
+            </a:r>
+            <a:r>
+              <a:rPr lang="en-US" dirty="0" err="1"/>
+              <a:t>parametri</a:t>
+            </a:r>
+            <a:r>
+              <a:rPr lang="en-US" dirty="0"/>
+              <a:t> </a:t>
+            </a:r>
+            <a:r>
+              <a:rPr lang="en-US" dirty="0" err="1"/>
+              <a:t>formali</a:t>
+            </a:r>
+            <a:r>
+              <a:rPr lang="en-US" dirty="0"/>
+              <a:t> </a:t>
+            </a:r>
+            <a:r>
+              <a:rPr lang="en-US" b="1" i="1" dirty="0" err="1"/>
+              <a:t>si</a:t>
+            </a:r>
+            <a:r>
+              <a:rPr lang="en-US" b="1" i="1" dirty="0"/>
+              <a:t> </a:t>
+            </a:r>
+            <a:r>
+              <a:rPr lang="en-US" b="1" i="1" dirty="0" err="1"/>
+              <a:t>ripercuotono</a:t>
+            </a:r>
+            <a:r>
+              <a:rPr lang="en-US" b="1" i="1" dirty="0"/>
+              <a:t> </a:t>
+            </a:r>
+            <a:r>
+              <a:rPr lang="en-US" dirty="0"/>
+              <a:t>sui </a:t>
+            </a:r>
+            <a:r>
+              <a:rPr lang="en-US" dirty="0" err="1"/>
+              <a:t>parametri</a:t>
+            </a:r>
+            <a:r>
+              <a:rPr lang="en-US" dirty="0"/>
+              <a:t> </a:t>
+            </a:r>
+            <a:r>
+              <a:rPr lang="en-US" dirty="0" err="1"/>
+              <a:t>attuali</a:t>
+            </a:r>
+            <a:endParaRPr lang="en-US" dirty="0"/>
+          </a:p>
+        </p:txBody>
+      </p:sp>
+      <p:sp>
+        <p:nvSpPr>
+          <p:cNvPr id="4" name="Segnaposto piè di pagina 3">
+            <a:extLst>
+              <a:ext uri="{FF2B5EF4-FFF2-40B4-BE49-F238E27FC236}">
+                <a16:creationId xmlns:a16="http://schemas.microsoft.com/office/drawing/2014/main" id="{73F09564-C14F-44A0-B6D6-0AD91D6007EB}"/>
+              </a:ext>
+            </a:extLst>
+          </p:cNvPr>
+          <p:cNvSpPr>
+            <a:spLocks noGrp="1"/>
+          </p:cNvSpPr>
+          <p:nvPr>
+            <p:ph type="ftr" sz="quarter" idx="11"/>
+          </p:nvPr>
+        </p:nvSpPr>
+        <p:spPr/>
+        <p:txBody>
+          <a:bodyPr/>
+          <a:lstStyle/>
+          <a:p>
+            <a:pPr>
+              <a:defRPr/>
+            </a:pPr>
+            <a:r>
+              <a:rPr lang="it-IT"/>
+              <a:t>Alberto Ferrari – Programmazione di applicazioni SW</a:t>
+            </a:r>
+            <a:endParaRPr lang="it-IT" dirty="0"/>
+          </a:p>
+        </p:txBody>
+      </p:sp>
+    </p:spTree>
+    <p:extLst>
+      <p:ext uri="{BB962C8B-B14F-4D97-AF65-F5344CB8AC3E}">
+        <p14:creationId xmlns:p14="http://schemas.microsoft.com/office/powerpoint/2010/main" val="2090098336"/>
+      </p:ext>
+    </p:extLst>
+  </p:cSld>
+  <p:clrMapOvr>
+    <a:masterClrMapping/>
+  </p:clrMapOvr>
+</p:sld>
+</file>
+
+<file path=ppt/slides/slide11.xml><?xml version="1.0" encoding="utf-8"?>
+<p:sld xmlns:a="http://schemas.openxmlformats.org/drawingml/2006/main" xmlns:r="http://schemas.openxmlformats.org/officeDocument/2006/relationships" xmlns:p="http://schemas.openxmlformats.org/presentationml/2006/main">
+  <p:cSld>
+    <p:spTree>
+      <p:nvGrpSpPr>
+        <p:cNvPr id="1" name=""/>
+        <p:cNvGrpSpPr/>
+        <p:nvPr/>
+      </p:nvGrpSpPr>
+      <p:grpSpPr>
+        <a:xfrm>
+          <a:off x="0" y="0"/>
+          <a:ext cx="0" cy="0"/>
+          <a:chOff x="0" y="0"/>
+          <a:chExt cx="0" cy="0"/>
+        </a:xfrm>
+      </p:grpSpPr>
+      <p:sp>
+        <p:nvSpPr>
+          <p:cNvPr id="2" name="Titolo 1">
+            <a:extLst>
+              <a:ext uri="{FF2B5EF4-FFF2-40B4-BE49-F238E27FC236}">
+                <a16:creationId xmlns:a16="http://schemas.microsoft.com/office/drawing/2014/main" id="{9BDEFDCD-0917-4A5B-B4AA-34A8FC389E57}"/>
+              </a:ext>
+            </a:extLst>
+          </p:cNvPr>
+          <p:cNvSpPr>
+            <a:spLocks noGrp="1"/>
+          </p:cNvSpPr>
+          <p:nvPr>
+            <p:ph type="title"/>
+          </p:nvPr>
+        </p:nvSpPr>
+        <p:spPr/>
+        <p:txBody>
+          <a:bodyPr/>
+          <a:lstStyle/>
+          <a:p>
+            <a:r>
+              <a:rPr lang="it-IT" dirty="0"/>
+              <a:t>call by </a:t>
+            </a:r>
+            <a:r>
+              <a:rPr lang="it-IT" dirty="0" err="1"/>
+              <a:t>value</a:t>
+            </a:r>
+            <a:endParaRPr lang="it-IT" dirty="0"/>
+          </a:p>
+        </p:txBody>
+      </p:sp>
+      <p:sp>
+        <p:nvSpPr>
+          <p:cNvPr id="3" name="Segnaposto contenuto 2">
+            <a:extLst>
+              <a:ext uri="{FF2B5EF4-FFF2-40B4-BE49-F238E27FC236}">
+                <a16:creationId xmlns:a16="http://schemas.microsoft.com/office/drawing/2014/main" id="{A20D3106-169C-4B2C-9D8C-A154EEC3CA7F}"/>
+              </a:ext>
+            </a:extLst>
+          </p:cNvPr>
+          <p:cNvSpPr>
+            <a:spLocks noGrp="1"/>
+          </p:cNvSpPr>
+          <p:nvPr>
+            <p:ph idx="1"/>
+          </p:nvPr>
+        </p:nvSpPr>
+        <p:spPr/>
+        <p:txBody>
+          <a:bodyPr/>
+          <a:lstStyle/>
+          <a:p>
+            <a:pPr marL="0" indent="0">
+              <a:buNone/>
+            </a:pPr>
+            <a:r>
+              <a:rPr lang="en-US" sz="1600" b="1" dirty="0">
+                <a:latin typeface="Courier New" panose="02070309020205020404" pitchFamily="49" charset="0"/>
+                <a:cs typeface="Courier New" panose="02070309020205020404" pitchFamily="49" charset="0"/>
+              </a:rPr>
+              <a:t>void </a:t>
+            </a:r>
+            <a:r>
+              <a:rPr lang="en-US" sz="1600" b="1" dirty="0" err="1">
+                <a:latin typeface="Courier New" panose="02070309020205020404" pitchFamily="49" charset="0"/>
+                <a:cs typeface="Courier New" panose="02070309020205020404" pitchFamily="49" charset="0"/>
+              </a:rPr>
+              <a:t>scambiaVal</a:t>
+            </a:r>
+            <a:r>
+              <a:rPr lang="en-US" sz="1600" b="1" dirty="0">
+                <a:latin typeface="Courier New" panose="02070309020205020404" pitchFamily="49" charset="0"/>
+                <a:cs typeface="Courier New" panose="02070309020205020404" pitchFamily="49" charset="0"/>
+              </a:rPr>
+              <a:t>(</a:t>
+            </a:r>
+            <a:r>
+              <a:rPr lang="en-US" sz="1600" b="1" dirty="0" err="1">
+                <a:solidFill>
+                  <a:srgbClr val="FF0000"/>
+                </a:solidFill>
+                <a:latin typeface="Courier New" panose="02070309020205020404" pitchFamily="49" charset="0"/>
+                <a:cs typeface="Courier New" panose="02070309020205020404" pitchFamily="49" charset="0"/>
+              </a:rPr>
+              <a:t>int</a:t>
+            </a:r>
+            <a:r>
+              <a:rPr lang="en-US" sz="1600" b="1" dirty="0">
+                <a:solidFill>
+                  <a:srgbClr val="FF0000"/>
+                </a:solidFill>
+                <a:latin typeface="Courier New" panose="02070309020205020404" pitchFamily="49" charset="0"/>
+                <a:cs typeface="Courier New" panose="02070309020205020404" pitchFamily="49" charset="0"/>
+              </a:rPr>
+              <a:t> a</a:t>
+            </a:r>
+            <a:r>
+              <a:rPr lang="en-US" sz="1600" b="1" dirty="0">
+                <a:latin typeface="Courier New" panose="02070309020205020404" pitchFamily="49" charset="0"/>
+                <a:cs typeface="Courier New" panose="02070309020205020404" pitchFamily="49" charset="0"/>
+              </a:rPr>
+              <a:t>, </a:t>
+            </a:r>
+            <a:r>
+              <a:rPr lang="en-US" sz="1600" b="1" dirty="0" err="1">
+                <a:solidFill>
+                  <a:srgbClr val="FF0000"/>
+                </a:solidFill>
+                <a:latin typeface="Courier New" panose="02070309020205020404" pitchFamily="49" charset="0"/>
+                <a:cs typeface="Courier New" panose="02070309020205020404" pitchFamily="49" charset="0"/>
+              </a:rPr>
+              <a:t>int</a:t>
+            </a:r>
+            <a:r>
+              <a:rPr lang="en-US" sz="1600" b="1" dirty="0">
+                <a:solidFill>
+                  <a:srgbClr val="FF0000"/>
+                </a:solidFill>
+                <a:latin typeface="Courier New" panose="02070309020205020404" pitchFamily="49" charset="0"/>
+                <a:cs typeface="Courier New" panose="02070309020205020404" pitchFamily="49" charset="0"/>
+              </a:rPr>
+              <a:t> b</a:t>
+            </a:r>
+            <a:r>
+              <a:rPr lang="en-US" sz="1600" b="1" dirty="0">
+                <a:latin typeface="Courier New" panose="02070309020205020404" pitchFamily="49" charset="0"/>
+                <a:cs typeface="Courier New" panose="02070309020205020404" pitchFamily="49" charset="0"/>
+              </a:rPr>
+              <a:t>) {</a:t>
+            </a:r>
+          </a:p>
+          <a:p>
+            <a:pPr marL="0" indent="0">
+              <a:buNone/>
+            </a:pPr>
+            <a:r>
+              <a:rPr lang="en-US" sz="1600" b="1" dirty="0">
+                <a:latin typeface="Courier New" panose="02070309020205020404" pitchFamily="49" charset="0"/>
+                <a:cs typeface="Courier New" panose="02070309020205020404" pitchFamily="49" charset="0"/>
+              </a:rPr>
+              <a:t>	</a:t>
+            </a:r>
+            <a:r>
+              <a:rPr lang="en-US" sz="1600" b="1" dirty="0" err="1">
+                <a:latin typeface="Courier New" panose="02070309020205020404" pitchFamily="49" charset="0"/>
+                <a:cs typeface="Courier New" panose="02070309020205020404" pitchFamily="49" charset="0"/>
+              </a:rPr>
+              <a:t>int</a:t>
+            </a:r>
+            <a:r>
+              <a:rPr lang="en-US" sz="1600" b="1" dirty="0">
+                <a:latin typeface="Courier New" panose="02070309020205020404" pitchFamily="49" charset="0"/>
+                <a:cs typeface="Courier New" panose="02070309020205020404" pitchFamily="49" charset="0"/>
+              </a:rPr>
+              <a:t> temp;</a:t>
+            </a:r>
+          </a:p>
+          <a:p>
+            <a:pPr marL="0" indent="0">
+              <a:buNone/>
+            </a:pPr>
+            <a:r>
+              <a:rPr lang="en-US" sz="1600" b="1" dirty="0">
+                <a:latin typeface="Courier New" panose="02070309020205020404" pitchFamily="49" charset="0"/>
+                <a:cs typeface="Courier New" panose="02070309020205020404" pitchFamily="49" charset="0"/>
+              </a:rPr>
+              <a:t>	temp = a;</a:t>
+            </a:r>
+          </a:p>
+          <a:p>
+            <a:pPr marL="0" indent="0">
+              <a:buNone/>
+            </a:pPr>
+            <a:r>
+              <a:rPr lang="en-US" sz="1600" b="1" dirty="0">
+                <a:latin typeface="Courier New" panose="02070309020205020404" pitchFamily="49" charset="0"/>
+                <a:cs typeface="Courier New" panose="02070309020205020404" pitchFamily="49" charset="0"/>
+              </a:rPr>
+              <a:t>	a = b;</a:t>
+            </a:r>
+          </a:p>
+          <a:p>
+            <a:pPr marL="0" indent="0">
+              <a:buNone/>
+            </a:pPr>
+            <a:r>
+              <a:rPr lang="en-US" sz="1600" b="1" dirty="0">
+                <a:latin typeface="Courier New" panose="02070309020205020404" pitchFamily="49" charset="0"/>
+                <a:cs typeface="Courier New" panose="02070309020205020404" pitchFamily="49" charset="0"/>
+              </a:rPr>
+              <a:t>	b= temp;</a:t>
+            </a:r>
+          </a:p>
+          <a:p>
+            <a:pPr marL="0" indent="0">
+              <a:buNone/>
+            </a:pPr>
+            <a:r>
+              <a:rPr lang="en-US" sz="1600" b="1" dirty="0">
+                <a:latin typeface="Courier New" panose="02070309020205020404" pitchFamily="49" charset="0"/>
+                <a:cs typeface="Courier New" panose="02070309020205020404" pitchFamily="49" charset="0"/>
+              </a:rPr>
+              <a:t>}</a:t>
+            </a:r>
+          </a:p>
+          <a:p>
+            <a:pPr marL="0" indent="0">
+              <a:buNone/>
+            </a:pPr>
+            <a:r>
+              <a:rPr lang="en-US" sz="1600" b="1" dirty="0" err="1">
+                <a:latin typeface="Courier New" panose="02070309020205020404" pitchFamily="49" charset="0"/>
+                <a:cs typeface="Courier New" panose="02070309020205020404" pitchFamily="49" charset="0"/>
+              </a:rPr>
+              <a:t>int</a:t>
+            </a:r>
+            <a:r>
+              <a:rPr lang="en-US" sz="1600" b="1" dirty="0">
+                <a:latin typeface="Courier New" panose="02070309020205020404" pitchFamily="49" charset="0"/>
+                <a:cs typeface="Courier New" panose="02070309020205020404" pitchFamily="49" charset="0"/>
+              </a:rPr>
+              <a:t> main() {</a:t>
+            </a:r>
+          </a:p>
+          <a:p>
+            <a:pPr marL="0" indent="0">
+              <a:buNone/>
+            </a:pPr>
+            <a:r>
+              <a:rPr lang="en-US" sz="1600" b="1" dirty="0">
+                <a:latin typeface="Courier New" panose="02070309020205020404" pitchFamily="49" charset="0"/>
+                <a:cs typeface="Courier New" panose="02070309020205020404" pitchFamily="49" charset="0"/>
+              </a:rPr>
+              <a:t>	…</a:t>
+            </a:r>
+          </a:p>
+          <a:p>
+            <a:pPr marL="0" indent="0">
+              <a:buNone/>
+            </a:pPr>
+            <a:r>
+              <a:rPr lang="en-US" sz="1600" b="1" dirty="0">
+                <a:latin typeface="Courier New" panose="02070309020205020404" pitchFamily="49" charset="0"/>
+                <a:cs typeface="Courier New" panose="02070309020205020404" pitchFamily="49" charset="0"/>
+              </a:rPr>
+              <a:t>	</a:t>
+            </a:r>
+            <a:r>
+              <a:rPr lang="en-US" sz="1600" b="1" dirty="0" err="1">
+                <a:latin typeface="Courier New" panose="02070309020205020404" pitchFamily="49" charset="0"/>
+                <a:cs typeface="Courier New" panose="02070309020205020404" pitchFamily="49" charset="0"/>
+              </a:rPr>
+              <a:t>int</a:t>
+            </a:r>
+            <a:r>
+              <a:rPr lang="en-US" sz="1600" b="1" dirty="0">
+                <a:latin typeface="Courier New" panose="02070309020205020404" pitchFamily="49" charset="0"/>
+                <a:cs typeface="Courier New" panose="02070309020205020404" pitchFamily="49" charset="0"/>
+              </a:rPr>
+              <a:t> </a:t>
+            </a:r>
+            <a:r>
+              <a:rPr lang="en-US" sz="1600" b="1" dirty="0" err="1">
+                <a:latin typeface="Courier New" panose="02070309020205020404" pitchFamily="49" charset="0"/>
+                <a:cs typeface="Courier New" panose="02070309020205020404" pitchFamily="49" charset="0"/>
+              </a:rPr>
+              <a:t>x,y</a:t>
+            </a:r>
+            <a:r>
+              <a:rPr lang="en-US" sz="1600" b="1" dirty="0">
+                <a:latin typeface="Courier New" panose="02070309020205020404" pitchFamily="49" charset="0"/>
+                <a:cs typeface="Courier New" panose="02070309020205020404" pitchFamily="49" charset="0"/>
+              </a:rPr>
+              <a:t>; x = 7; y = 5;</a:t>
+            </a:r>
+          </a:p>
+          <a:p>
+            <a:pPr marL="0" indent="0">
+              <a:buNone/>
+            </a:pPr>
+            <a:r>
+              <a:rPr lang="en-US" sz="1600" b="1" dirty="0">
+                <a:latin typeface="Courier New" panose="02070309020205020404" pitchFamily="49" charset="0"/>
+                <a:cs typeface="Courier New" panose="02070309020205020404" pitchFamily="49" charset="0"/>
+              </a:rPr>
+              <a:t>	</a:t>
+            </a:r>
+            <a:r>
+              <a:rPr lang="en-US" sz="1600" b="1" dirty="0" err="1">
+                <a:latin typeface="Courier New" panose="02070309020205020404" pitchFamily="49" charset="0"/>
+                <a:cs typeface="Courier New" panose="02070309020205020404" pitchFamily="49" charset="0"/>
+              </a:rPr>
+              <a:t>cout</a:t>
+            </a:r>
+            <a:r>
+              <a:rPr lang="en-US" sz="1600" b="1" dirty="0">
+                <a:latin typeface="Courier New" panose="02070309020205020404" pitchFamily="49" charset="0"/>
+                <a:cs typeface="Courier New" panose="02070309020205020404" pitchFamily="49" charset="0"/>
+              </a:rPr>
+              <a:t> &lt;&lt; "</a:t>
+            </a:r>
+            <a:r>
+              <a:rPr lang="en-US" sz="1600" b="1" dirty="0" err="1">
+                <a:latin typeface="Courier New" panose="02070309020205020404" pitchFamily="49" charset="0"/>
+                <a:cs typeface="Courier New" panose="02070309020205020404" pitchFamily="49" charset="0"/>
+              </a:rPr>
+              <a:t>scambio</a:t>
+            </a:r>
+            <a:r>
+              <a:rPr lang="en-US" sz="1600" b="1" dirty="0">
+                <a:latin typeface="Courier New" panose="02070309020205020404" pitchFamily="49" charset="0"/>
+                <a:cs typeface="Courier New" panose="02070309020205020404" pitchFamily="49" charset="0"/>
+              </a:rPr>
+              <a:t> </a:t>
+            </a:r>
+            <a:r>
+              <a:rPr lang="en-US" sz="1600" b="1" dirty="0" err="1">
+                <a:latin typeface="Courier New" panose="02070309020205020404" pitchFamily="49" charset="0"/>
+                <a:cs typeface="Courier New" panose="02070309020205020404" pitchFamily="49" charset="0"/>
+              </a:rPr>
+              <a:t>i</a:t>
+            </a:r>
+            <a:r>
+              <a:rPr lang="en-US" sz="1600" b="1" dirty="0">
+                <a:latin typeface="Courier New" panose="02070309020205020404" pitchFamily="49" charset="0"/>
+                <a:cs typeface="Courier New" panose="02070309020205020404" pitchFamily="49" charset="0"/>
+              </a:rPr>
+              <a:t> </a:t>
+            </a:r>
+            <a:r>
+              <a:rPr lang="en-US" sz="1600" b="1" dirty="0" err="1">
+                <a:latin typeface="Courier New" panose="02070309020205020404" pitchFamily="49" charset="0"/>
+                <a:cs typeface="Courier New" panose="02070309020205020404" pitchFamily="49" charset="0"/>
+              </a:rPr>
+              <a:t>valori</a:t>
+            </a:r>
+            <a:r>
+              <a:rPr lang="en-US" sz="1600" b="1" dirty="0">
+                <a:latin typeface="Courier New" panose="02070309020205020404" pitchFamily="49" charset="0"/>
+                <a:cs typeface="Courier New" panose="02070309020205020404" pitchFamily="49" charset="0"/>
+              </a:rPr>
+              <a:t> x = " &lt;&lt; x &lt;&lt; " y = " &lt;&lt; y &lt;&lt; </a:t>
+            </a:r>
+            <a:r>
+              <a:rPr lang="en-US" sz="1600" b="1" dirty="0" err="1">
+                <a:latin typeface="Courier New" panose="02070309020205020404" pitchFamily="49" charset="0"/>
+                <a:cs typeface="Courier New" panose="02070309020205020404" pitchFamily="49" charset="0"/>
+              </a:rPr>
+              <a:t>endl</a:t>
+            </a:r>
+            <a:r>
+              <a:rPr lang="en-US" sz="1600" b="1" dirty="0">
+                <a:latin typeface="Courier New" panose="02070309020205020404" pitchFamily="49" charset="0"/>
+                <a:cs typeface="Courier New" panose="02070309020205020404" pitchFamily="49" charset="0"/>
+              </a:rPr>
+              <a:t>;</a:t>
+            </a:r>
+          </a:p>
+          <a:p>
+            <a:pPr marL="0" indent="0">
+              <a:buNone/>
+            </a:pPr>
+            <a:r>
+              <a:rPr lang="en-US" sz="1600" b="1" dirty="0">
+                <a:latin typeface="Courier New" panose="02070309020205020404" pitchFamily="49" charset="0"/>
+                <a:cs typeface="Courier New" panose="02070309020205020404" pitchFamily="49" charset="0"/>
+              </a:rPr>
+              <a:t>	</a:t>
+            </a:r>
+            <a:r>
+              <a:rPr lang="en-US" sz="1600" b="1" dirty="0" err="1">
+                <a:latin typeface="Courier New" panose="02070309020205020404" pitchFamily="49" charset="0"/>
+                <a:cs typeface="Courier New" panose="02070309020205020404" pitchFamily="49" charset="0"/>
+              </a:rPr>
+              <a:t>cout</a:t>
+            </a:r>
+            <a:r>
+              <a:rPr lang="en-US" sz="1600" b="1" dirty="0">
+                <a:latin typeface="Courier New" panose="02070309020205020404" pitchFamily="49" charset="0"/>
+                <a:cs typeface="Courier New" panose="02070309020205020404" pitchFamily="49" charset="0"/>
+              </a:rPr>
+              <a:t> &lt;&lt; "</a:t>
+            </a:r>
+            <a:r>
+              <a:rPr lang="en-US" sz="1600" b="1" dirty="0" err="1">
+                <a:latin typeface="Courier New" panose="02070309020205020404" pitchFamily="49" charset="0"/>
+                <a:cs typeface="Courier New" panose="02070309020205020404" pitchFamily="49" charset="0"/>
+              </a:rPr>
+              <a:t>passaggio</a:t>
+            </a:r>
+            <a:r>
+              <a:rPr lang="en-US" sz="1600" b="1" dirty="0">
+                <a:latin typeface="Courier New" panose="02070309020205020404" pitchFamily="49" charset="0"/>
+                <a:cs typeface="Courier New" panose="02070309020205020404" pitchFamily="49" charset="0"/>
+              </a:rPr>
+              <a:t> per </a:t>
+            </a:r>
+            <a:r>
+              <a:rPr lang="en-US" sz="1600" b="1" dirty="0" err="1">
+                <a:latin typeface="Courier New" panose="02070309020205020404" pitchFamily="49" charset="0"/>
+                <a:cs typeface="Courier New" panose="02070309020205020404" pitchFamily="49" charset="0"/>
+              </a:rPr>
+              <a:t>valore</a:t>
+            </a:r>
+            <a:r>
+              <a:rPr lang="en-US" sz="1600" b="1" dirty="0">
+                <a:latin typeface="Courier New" panose="02070309020205020404" pitchFamily="49" charset="0"/>
+                <a:cs typeface="Courier New" panose="02070309020205020404" pitchFamily="49" charset="0"/>
+              </a:rPr>
+              <a:t> : ";</a:t>
+            </a:r>
+          </a:p>
+          <a:p>
+            <a:pPr marL="0" indent="0">
+              <a:buNone/>
+            </a:pPr>
+            <a:r>
+              <a:rPr lang="en-US" sz="1600" b="1" dirty="0">
+                <a:latin typeface="Courier New" panose="02070309020205020404" pitchFamily="49" charset="0"/>
+                <a:cs typeface="Courier New" panose="02070309020205020404" pitchFamily="49" charset="0"/>
+              </a:rPr>
+              <a:t>	</a:t>
+            </a:r>
+            <a:r>
+              <a:rPr lang="en-US" sz="1600" b="1" dirty="0" err="1">
+                <a:latin typeface="Courier New" panose="02070309020205020404" pitchFamily="49" charset="0"/>
+                <a:cs typeface="Courier New" panose="02070309020205020404" pitchFamily="49" charset="0"/>
+              </a:rPr>
+              <a:t>scambiaVal</a:t>
+            </a:r>
+            <a:r>
+              <a:rPr lang="en-US" sz="1600" b="1" dirty="0">
+                <a:latin typeface="Courier New" panose="02070309020205020404" pitchFamily="49" charset="0"/>
+                <a:cs typeface="Courier New" panose="02070309020205020404" pitchFamily="49" charset="0"/>
+              </a:rPr>
+              <a:t>(</a:t>
+            </a:r>
+            <a:r>
+              <a:rPr lang="en-US" sz="1600" b="1" dirty="0" err="1">
+                <a:solidFill>
+                  <a:srgbClr val="FF0000"/>
+                </a:solidFill>
+                <a:latin typeface="Courier New" panose="02070309020205020404" pitchFamily="49" charset="0"/>
+                <a:cs typeface="Courier New" panose="02070309020205020404" pitchFamily="49" charset="0"/>
+              </a:rPr>
+              <a:t>x,y</a:t>
+            </a:r>
+            <a:r>
+              <a:rPr lang="en-US" sz="1600" b="1" dirty="0">
+                <a:latin typeface="Courier New" panose="02070309020205020404" pitchFamily="49" charset="0"/>
+                <a:cs typeface="Courier New" panose="02070309020205020404" pitchFamily="49" charset="0"/>
+              </a:rPr>
+              <a:t>);</a:t>
+            </a:r>
+          </a:p>
+          <a:p>
+            <a:pPr marL="0" indent="0">
+              <a:buNone/>
+            </a:pPr>
+            <a:r>
+              <a:rPr lang="en-US" sz="1600" b="1" dirty="0">
+                <a:latin typeface="Courier New" panose="02070309020205020404" pitchFamily="49" charset="0"/>
+                <a:cs typeface="Courier New" panose="02070309020205020404" pitchFamily="49" charset="0"/>
+              </a:rPr>
+              <a:t>	</a:t>
+            </a:r>
+            <a:r>
+              <a:rPr lang="en-US" sz="1600" b="1" dirty="0" err="1">
+                <a:latin typeface="Courier New" panose="02070309020205020404" pitchFamily="49" charset="0"/>
+                <a:cs typeface="Courier New" panose="02070309020205020404" pitchFamily="49" charset="0"/>
+              </a:rPr>
+              <a:t>cout</a:t>
+            </a:r>
+            <a:r>
+              <a:rPr lang="en-US" sz="1600" b="1" dirty="0">
+                <a:latin typeface="Courier New" panose="02070309020205020404" pitchFamily="49" charset="0"/>
+                <a:cs typeface="Courier New" panose="02070309020205020404" pitchFamily="49" charset="0"/>
+              </a:rPr>
+              <a:t> &lt;&lt; "x = " &lt;&lt; x &lt;&lt; " y = " &lt;&lt; y &lt;&lt; </a:t>
+            </a:r>
+            <a:r>
+              <a:rPr lang="en-US" sz="1600" b="1" dirty="0" err="1">
+                <a:latin typeface="Courier New" panose="02070309020205020404" pitchFamily="49" charset="0"/>
+                <a:cs typeface="Courier New" panose="02070309020205020404" pitchFamily="49" charset="0"/>
+              </a:rPr>
+              <a:t>endl</a:t>
+            </a:r>
+            <a:r>
+              <a:rPr lang="en-US" sz="1600" b="1" dirty="0">
+                <a:latin typeface="Courier New" panose="02070309020205020404" pitchFamily="49" charset="0"/>
+                <a:cs typeface="Courier New" panose="02070309020205020404" pitchFamily="49" charset="0"/>
+              </a:rPr>
+              <a:t>;</a:t>
+            </a:r>
+          </a:p>
+          <a:p>
+            <a:pPr marL="0" indent="0">
+              <a:buNone/>
+            </a:pPr>
+            <a:r>
+              <a:rPr lang="en-US" sz="1600" b="1" dirty="0">
+                <a:latin typeface="Courier New" panose="02070309020205020404" pitchFamily="49" charset="0"/>
+                <a:cs typeface="Courier New" panose="02070309020205020404" pitchFamily="49" charset="0"/>
+              </a:rPr>
+              <a:t>	…</a:t>
+            </a:r>
+          </a:p>
+          <a:p>
+            <a:pPr marL="0" indent="0">
+              <a:buNone/>
+            </a:pPr>
+            <a:r>
+              <a:rPr lang="en-US" sz="1600" b="1" dirty="0">
+                <a:latin typeface="Courier New" panose="02070309020205020404" pitchFamily="49" charset="0"/>
+                <a:cs typeface="Courier New" panose="02070309020205020404" pitchFamily="49" charset="0"/>
+              </a:rPr>
+              <a:t>}</a:t>
+            </a:r>
+          </a:p>
+          <a:p>
+            <a:pPr marL="0" indent="0">
+              <a:buNone/>
+            </a:pPr>
+            <a:endParaRPr lang="it-IT" sz="1600" b="1" dirty="0">
+              <a:latin typeface="Courier New" panose="02070309020205020404" pitchFamily="49" charset="0"/>
+              <a:cs typeface="Courier New" panose="02070309020205020404" pitchFamily="49" charset="0"/>
+            </a:endParaRPr>
+          </a:p>
+        </p:txBody>
+      </p:sp>
+      <p:sp>
+        <p:nvSpPr>
+          <p:cNvPr id="4" name="Segnaposto piè di pagina 3">
+            <a:extLst>
+              <a:ext uri="{FF2B5EF4-FFF2-40B4-BE49-F238E27FC236}">
+                <a16:creationId xmlns:a16="http://schemas.microsoft.com/office/drawing/2014/main" id="{DDD48873-0DC3-439B-93DA-CFBA1B4F57B3}"/>
+              </a:ext>
+            </a:extLst>
+          </p:cNvPr>
+          <p:cNvSpPr>
+            <a:spLocks noGrp="1"/>
+          </p:cNvSpPr>
+          <p:nvPr>
+            <p:ph type="ftr" sz="quarter" idx="11"/>
+          </p:nvPr>
+        </p:nvSpPr>
+        <p:spPr/>
+        <p:txBody>
+          <a:bodyPr/>
+          <a:lstStyle/>
+          <a:p>
+            <a:pPr>
+              <a:defRPr/>
+            </a:pPr>
+            <a:r>
+              <a:rPr lang="it-IT"/>
+              <a:t>Alberto Ferrari – Programmazione di applicazioni SW</a:t>
+            </a:r>
+            <a:endParaRPr lang="it-IT" dirty="0"/>
+          </a:p>
+        </p:txBody>
+      </p:sp>
+      <p:pic>
+        <p:nvPicPr>
+          <p:cNvPr id="6" name="Immagine 5">
+            <a:extLst>
+              <a:ext uri="{FF2B5EF4-FFF2-40B4-BE49-F238E27FC236}">
+                <a16:creationId xmlns:a16="http://schemas.microsoft.com/office/drawing/2014/main" id="{BD1CE5FC-9E01-451D-B0EF-63F3039EBE8B}"/>
+              </a:ext>
+            </a:extLst>
+          </p:cNvPr>
+          <p:cNvPicPr>
+            <a:picLocks noChangeAspect="1"/>
+          </p:cNvPicPr>
+          <p:nvPr/>
+        </p:nvPicPr>
+        <p:blipFill>
+          <a:blip r:embed="rId2"/>
+          <a:stretch>
+            <a:fillRect/>
+          </a:stretch>
+        </p:blipFill>
+        <p:spPr>
+          <a:xfrm>
+            <a:off x="7176120" y="1772816"/>
+            <a:ext cx="3724275" cy="504825"/>
+          </a:xfrm>
+          <a:prstGeom prst="rect">
+            <a:avLst/>
+          </a:prstGeom>
+          <a:ln>
+            <a:noFill/>
+          </a:ln>
+          <a:effectLst>
+            <a:outerShdw blurRad="292100" dist="139700" dir="2700000" algn="tl" rotWithShape="0">
+              <a:srgbClr val="333333">
+                <a:alpha val="65000"/>
+              </a:srgbClr>
+            </a:outerShdw>
+          </a:effectLst>
+        </p:spPr>
+      </p:pic>
+    </p:spTree>
+    <p:extLst>
+      <p:ext uri="{BB962C8B-B14F-4D97-AF65-F5344CB8AC3E}">
+        <p14:creationId xmlns:p14="http://schemas.microsoft.com/office/powerpoint/2010/main" val="1526847974"/>
+      </p:ext>
+    </p:extLst>
+  </p:cSld>
+  <p:clrMapOvr>
+    <a:masterClrMapping/>
+  </p:clrMapOvr>
+</p:sld>
+</file>
+
+<file path=ppt/slides/slide12.xml><?xml version="1.0" encoding="utf-8"?>
+<p:sld xmlns:a="http://schemas.openxmlformats.org/drawingml/2006/main" xmlns:r="http://schemas.openxmlformats.org/officeDocument/2006/relationships" xmlns:p="http://schemas.openxmlformats.org/presentationml/2006/main">
+  <p:cSld>
+    <p:spTree>
+      <p:nvGrpSpPr>
+        <p:cNvPr id="1" name=""/>
+        <p:cNvGrpSpPr/>
+        <p:nvPr/>
+      </p:nvGrpSpPr>
+      <p:grpSpPr>
+        <a:xfrm>
+          <a:off x="0" y="0"/>
+          <a:ext cx="0" cy="0"/>
+          <a:chOff x="0" y="0"/>
+          <a:chExt cx="0" cy="0"/>
+        </a:xfrm>
+      </p:grpSpPr>
+      <p:sp>
+        <p:nvSpPr>
+          <p:cNvPr id="2" name="Titolo 1">
+            <a:extLst>
+              <a:ext uri="{FF2B5EF4-FFF2-40B4-BE49-F238E27FC236}">
                 <a16:creationId xmlns:a16="http://schemas.microsoft.com/office/drawing/2014/main" id="{9BDEFDCD-0917-4A5B-B4AA-34A8FC389E57}"/>
               </a:ext>
             </a:extLst>
@@ -5687,7 +6766,7 @@
 </p:sld>
 </file>
 
-<file path=ppt/slides/slide11.xml><?xml version="1.0" encoding="utf-8"?>
+<file path=ppt/slides/slide13.xml><?xml version="1.0" encoding="utf-8"?>
 <p:sld xmlns:a="http://schemas.openxmlformats.org/drawingml/2006/main" xmlns:r="http://schemas.openxmlformats.org/officeDocument/2006/relationships" xmlns:p="http://schemas.openxmlformats.org/presentationml/2006/main">
   <p:cSld>
     <p:spTree>
@@ -6270,6 +7349,260 @@
     <p:extLst>
       <p:ext uri="{BB962C8B-B14F-4D97-AF65-F5344CB8AC3E}">
         <p14:creationId xmlns:p14="http://schemas.microsoft.com/office/powerpoint/2010/main" val="4258146185"/>
+      </p:ext>
+    </p:extLst>
+  </p:cSld>
+  <p:clrMapOvr>
+    <a:masterClrMapping/>
+  </p:clrMapOvr>
+</p:sld>
+</file>
+
+<file path=ppt/slides/slide14.xml><?xml version="1.0" encoding="utf-8"?>
+<p:sld xmlns:a="http://schemas.openxmlformats.org/drawingml/2006/main" xmlns:r="http://schemas.openxmlformats.org/officeDocument/2006/relationships" xmlns:p="http://schemas.openxmlformats.org/presentationml/2006/main">
+  <p:cSld>
+    <p:spTree>
+      <p:nvGrpSpPr>
+        <p:cNvPr id="1" name=""/>
+        <p:cNvGrpSpPr/>
+        <p:nvPr/>
+      </p:nvGrpSpPr>
+      <p:grpSpPr>
+        <a:xfrm>
+          <a:off x="0" y="0"/>
+          <a:ext cx="0" cy="0"/>
+          <a:chOff x="0" y="0"/>
+          <a:chExt cx="0" cy="0"/>
+        </a:xfrm>
+      </p:grpSpPr>
+      <p:sp>
+        <p:nvSpPr>
+          <p:cNvPr id="2" name="Titolo 1">
+            <a:extLst>
+              <a:ext uri="{FF2B5EF4-FFF2-40B4-BE49-F238E27FC236}">
+                <a16:creationId xmlns:a16="http://schemas.microsoft.com/office/drawing/2014/main" id="{176405F7-5544-4743-BC81-A394B247B4E1}"/>
+              </a:ext>
+            </a:extLst>
+          </p:cNvPr>
+          <p:cNvSpPr>
+            <a:spLocks noGrp="1"/>
+          </p:cNvSpPr>
+          <p:nvPr>
+            <p:ph type="title"/>
+          </p:nvPr>
+        </p:nvSpPr>
+        <p:spPr/>
+        <p:txBody>
+          <a:bodyPr/>
+          <a:lstStyle/>
+          <a:p>
+            <a:r>
+              <a:rPr lang="it-IT" dirty="0" err="1"/>
+              <a:t>overloading</a:t>
+            </a:r>
+            <a:endParaRPr lang="it-IT" dirty="0"/>
+          </a:p>
+        </p:txBody>
+      </p:sp>
+      <p:sp>
+        <p:nvSpPr>
+          <p:cNvPr id="3" name="Segnaposto contenuto 2">
+            <a:extLst>
+              <a:ext uri="{FF2B5EF4-FFF2-40B4-BE49-F238E27FC236}">
+                <a16:creationId xmlns:a16="http://schemas.microsoft.com/office/drawing/2014/main" id="{6ED7EE81-E223-462F-B663-FEDEE6FDE5EE}"/>
+              </a:ext>
+            </a:extLst>
+          </p:cNvPr>
+          <p:cNvSpPr>
+            <a:spLocks noGrp="1"/>
+          </p:cNvSpPr>
+          <p:nvPr>
+            <p:ph idx="1"/>
+          </p:nvPr>
+        </p:nvSpPr>
+        <p:spPr/>
+        <p:txBody>
+          <a:bodyPr/>
+          <a:lstStyle/>
+          <a:p>
+            <a:r>
+              <a:rPr lang="it-IT" b="1" i="1" dirty="0" err="1"/>
+              <a:t>overloading</a:t>
+            </a:r>
+            <a:r>
+              <a:rPr lang="it-IT" dirty="0"/>
+              <a:t> (</a:t>
+            </a:r>
+            <a:r>
+              <a:rPr lang="it-IT" i="1" dirty="0"/>
+              <a:t>sovraccarico</a:t>
+            </a:r>
+            <a:r>
+              <a:rPr lang="it-IT" dirty="0"/>
+              <a:t>)</a:t>
+            </a:r>
+          </a:p>
+          <a:p>
+            <a:r>
+              <a:rPr lang="it-IT" dirty="0"/>
+              <a:t>all’interno di uno stesso programma è possibile definire più funzioni aventi lo </a:t>
+            </a:r>
+            <a:r>
+              <a:rPr lang="it-IT" b="1" i="1" dirty="0"/>
+              <a:t>stesso nome </a:t>
+            </a:r>
+            <a:r>
+              <a:rPr lang="it-IT" dirty="0"/>
+              <a:t>purché sia </a:t>
+            </a:r>
+            <a:r>
+              <a:rPr lang="it-IT" b="1" i="1" dirty="0"/>
+              <a:t>differente</a:t>
+            </a:r>
+            <a:r>
+              <a:rPr lang="it-IT" dirty="0"/>
+              <a:t> la </a:t>
+            </a:r>
+            <a:r>
+              <a:rPr lang="it-IT" b="1" i="1" dirty="0"/>
+              <a:t>lista</a:t>
+            </a:r>
+            <a:r>
+              <a:rPr lang="it-IT" dirty="0"/>
+              <a:t> dei tipi dei </a:t>
+            </a:r>
+            <a:r>
+              <a:rPr lang="it-IT" b="1" i="1" dirty="0"/>
+              <a:t>parametri</a:t>
+            </a:r>
+          </a:p>
+          <a:p>
+            <a:r>
+              <a:rPr lang="it-IT" dirty="0"/>
+              <a:t>es</a:t>
+            </a:r>
+          </a:p>
+          <a:p>
+            <a:pPr lvl="1"/>
+            <a:r>
+              <a:rPr lang="it-IT" b="1" dirty="0">
+                <a:latin typeface="Courier New" panose="02070309020205020404" pitchFamily="49" charset="0"/>
+                <a:cs typeface="Courier New" panose="02070309020205020404" pitchFamily="49" charset="0"/>
+              </a:rPr>
+              <a:t>double </a:t>
+            </a:r>
+            <a:r>
+              <a:rPr lang="it-IT" b="1" dirty="0" err="1">
+                <a:latin typeface="Courier New" panose="02070309020205020404" pitchFamily="49" charset="0"/>
+                <a:cs typeface="Courier New" panose="02070309020205020404" pitchFamily="49" charset="0"/>
+              </a:rPr>
+              <a:t>max</a:t>
+            </a:r>
+            <a:r>
+              <a:rPr lang="it-IT" b="1" dirty="0">
+                <a:latin typeface="Courier New" panose="02070309020205020404" pitchFamily="49" charset="0"/>
+                <a:cs typeface="Courier New" panose="02070309020205020404" pitchFamily="49" charset="0"/>
+              </a:rPr>
+              <a:t>(double, double);</a:t>
+            </a:r>
+          </a:p>
+          <a:p>
+            <a:pPr lvl="1"/>
+            <a:r>
+              <a:rPr lang="it-IT" b="1" dirty="0" err="1">
+                <a:latin typeface="Courier New" panose="02070309020205020404" pitchFamily="49" charset="0"/>
+                <a:cs typeface="Courier New" panose="02070309020205020404" pitchFamily="49" charset="0"/>
+              </a:rPr>
+              <a:t>int</a:t>
+            </a:r>
+            <a:r>
+              <a:rPr lang="it-IT" b="1" dirty="0">
+                <a:latin typeface="Courier New" panose="02070309020205020404" pitchFamily="49" charset="0"/>
+                <a:cs typeface="Courier New" panose="02070309020205020404" pitchFamily="49" charset="0"/>
+              </a:rPr>
+              <a:t> </a:t>
+            </a:r>
+            <a:r>
+              <a:rPr lang="it-IT" b="1" dirty="0" err="1">
+                <a:latin typeface="Courier New" panose="02070309020205020404" pitchFamily="49" charset="0"/>
+                <a:cs typeface="Courier New" panose="02070309020205020404" pitchFamily="49" charset="0"/>
+              </a:rPr>
+              <a:t>max</a:t>
+            </a:r>
+            <a:r>
+              <a:rPr lang="it-IT" b="1" dirty="0">
+                <a:latin typeface="Courier New" panose="02070309020205020404" pitchFamily="49" charset="0"/>
+                <a:cs typeface="Courier New" panose="02070309020205020404" pitchFamily="49" charset="0"/>
+              </a:rPr>
+              <a:t>(</a:t>
+            </a:r>
+            <a:r>
+              <a:rPr lang="it-IT" b="1" dirty="0" err="1">
+                <a:latin typeface="Courier New" panose="02070309020205020404" pitchFamily="49" charset="0"/>
+                <a:cs typeface="Courier New" panose="02070309020205020404" pitchFamily="49" charset="0"/>
+              </a:rPr>
+              <a:t>int</a:t>
+            </a:r>
+            <a:r>
+              <a:rPr lang="it-IT" b="1" dirty="0">
+                <a:latin typeface="Courier New" panose="02070309020205020404" pitchFamily="49" charset="0"/>
+                <a:cs typeface="Courier New" panose="02070309020205020404" pitchFamily="49" charset="0"/>
+              </a:rPr>
+              <a:t>, </a:t>
+            </a:r>
+            <a:r>
+              <a:rPr lang="it-IT" b="1" dirty="0" err="1">
+                <a:latin typeface="Courier New" panose="02070309020205020404" pitchFamily="49" charset="0"/>
+                <a:cs typeface="Courier New" panose="02070309020205020404" pitchFamily="49" charset="0"/>
+              </a:rPr>
+              <a:t>int</a:t>
+            </a:r>
+            <a:r>
+              <a:rPr lang="it-IT" b="1" dirty="0">
+                <a:latin typeface="Courier New" panose="02070309020205020404" pitchFamily="49" charset="0"/>
+                <a:cs typeface="Courier New" panose="02070309020205020404" pitchFamily="49" charset="0"/>
+              </a:rPr>
+              <a:t>);</a:t>
+            </a:r>
+          </a:p>
+        </p:txBody>
+      </p:sp>
+      <p:sp>
+        <p:nvSpPr>
+          <p:cNvPr id="4" name="Segnaposto piè di pagina 3">
+            <a:extLst>
+              <a:ext uri="{FF2B5EF4-FFF2-40B4-BE49-F238E27FC236}">
+                <a16:creationId xmlns:a16="http://schemas.microsoft.com/office/drawing/2014/main" id="{52196DD5-9322-4D00-A103-62EC44090138}"/>
+              </a:ext>
+            </a:extLst>
+          </p:cNvPr>
+          <p:cNvSpPr>
+            <a:spLocks noGrp="1"/>
+          </p:cNvSpPr>
+          <p:nvPr>
+            <p:ph type="ftr" sz="quarter" idx="11"/>
+          </p:nvPr>
+        </p:nvSpPr>
+        <p:spPr/>
+        <p:txBody>
+          <a:bodyPr/>
+          <a:lstStyle/>
+          <a:p>
+            <a:pPr>
+              <a:defRPr/>
+            </a:pPr>
+            <a:r>
+              <a:rPr lang="it-IT"/>
+              <a:t>Alberto Ferrari – Programmazione di applicazioni SW</a:t>
+            </a:r>
+            <a:endParaRPr lang="it-IT" dirty="0"/>
+          </a:p>
+        </p:txBody>
+      </p:sp>
+    </p:spTree>
+    <p:extLst>
+      <p:ext uri="{BB962C8B-B14F-4D97-AF65-F5344CB8AC3E}">
+        <p14:creationId xmlns:p14="http://schemas.microsoft.com/office/powerpoint/2010/main" val="3180313879"/>
       </p:ext>
     </p:extLst>
   </p:cSld>
@@ -7475,7 +8808,7 @@
           <p:cNvPr id="2" name="Titolo 1">
             <a:extLst>
               <a:ext uri="{FF2B5EF4-FFF2-40B4-BE49-F238E27FC236}">
-                <a16:creationId xmlns:a16="http://schemas.microsoft.com/office/drawing/2014/main" id="{812657A7-C30B-4F2E-90B8-962780810D1A}"/>
+                <a16:creationId xmlns:a16="http://schemas.microsoft.com/office/drawing/2014/main" id="{1BEA462F-1596-4FA8-ABA3-49CFFEBF7CEE}"/>
               </a:ext>
             </a:extLst>
           </p:cNvPr>
@@ -7493,7 +8826,7 @@
           <a:p>
             <a:r>
               <a:rPr lang="it-IT" dirty="0"/>
-              <a:t>esempio: funzione utente</a:t>
+              <a:t>funzioni: prototipo e definizione</a:t>
             </a:r>
           </a:p>
         </p:txBody>
@@ -7503,7 +8836,7 @@
           <p:cNvPr id="3" name="Segnaposto contenuto 2">
             <a:extLst>
               <a:ext uri="{FF2B5EF4-FFF2-40B4-BE49-F238E27FC236}">
-                <a16:creationId xmlns:a16="http://schemas.microsoft.com/office/drawing/2014/main" id="{063E6E3B-6033-4176-84DD-BA9F99C7CA72}"/>
+                <a16:creationId xmlns:a16="http://schemas.microsoft.com/office/drawing/2014/main" id="{855B0BA0-B539-4664-AE47-87B24F7EEF7D}"/>
               </a:ext>
             </a:extLst>
           </p:cNvPr>
@@ -7519,448 +8852,198 @@
           <a:bodyPr/>
           <a:lstStyle/>
           <a:p>
-            <a:pPr marL="0" indent="0">
-              <a:buNone/>
-            </a:pPr>
+            <a:r>
+              <a:rPr lang="it-IT" sz="2000" b="1" i="1" dirty="0"/>
+              <a:t>prototipo</a:t>
+            </a:r>
+            <a:r>
+              <a:rPr lang="it-IT" sz="2000" dirty="0"/>
+              <a:t> (firma) di una funzione</a:t>
+            </a:r>
+          </a:p>
+          <a:p>
+            <a:pPr lvl="1"/>
             <a:r>
               <a:rPr lang="it-IT" sz="1600" b="1" dirty="0">
                 <a:latin typeface="Courier New" panose="02070309020205020404" pitchFamily="49" charset="0"/>
                 <a:cs typeface="Courier New" panose="02070309020205020404" pitchFamily="49" charset="0"/>
               </a:rPr>
-              <a:t>#include &lt;</a:t>
-            </a:r>
-            <a:r>
-              <a:rPr lang="it-IT" sz="1600" b="1" dirty="0" err="1">
-                <a:latin typeface="Courier New" panose="02070309020205020404" pitchFamily="49" charset="0"/>
-                <a:cs typeface="Courier New" panose="02070309020205020404" pitchFamily="49" charset="0"/>
-              </a:rPr>
-              <a:t>iostream</a:t>
-            </a:r>
-            <a:r>
-              <a:rPr lang="it-IT" sz="1600" b="1" dirty="0">
-                <a:latin typeface="Courier New" panose="02070309020205020404" pitchFamily="49" charset="0"/>
-                <a:cs typeface="Courier New" panose="02070309020205020404" pitchFamily="49" charset="0"/>
-              </a:rPr>
-              <a:t>&gt;</a:t>
-            </a:r>
-          </a:p>
-          <a:p>
-            <a:pPr marL="0" indent="0">
-              <a:buNone/>
-            </a:pPr>
-            <a:r>
-              <a:rPr lang="it-IT" sz="1600" b="1" dirty="0" err="1">
-                <a:latin typeface="Courier New" panose="02070309020205020404" pitchFamily="49" charset="0"/>
-                <a:cs typeface="Courier New" panose="02070309020205020404" pitchFamily="49" charset="0"/>
-              </a:rPr>
-              <a:t>using</a:t>
-            </a:r>
-            <a:r>
-              <a:rPr lang="it-IT" sz="1600" b="1" dirty="0">
-                <a:latin typeface="Courier New" panose="02070309020205020404" pitchFamily="49" charset="0"/>
-                <a:cs typeface="Courier New" panose="02070309020205020404" pitchFamily="49" charset="0"/>
-              </a:rPr>
+              <a:t>&lt;tipo-funzione&gt; &lt;nome-funzione&gt;(&lt;tipo-1&gt;,&lt;tipo-2&gt;,…);</a:t>
+            </a:r>
+          </a:p>
+          <a:p>
+            <a:pPr lvl="1"/>
+            <a:r>
+              <a:rPr lang="it-IT" sz="1800" b="1" dirty="0">
+                <a:latin typeface="Courier New" panose="02070309020205020404" pitchFamily="49" charset="0"/>
+                <a:cs typeface="Courier New" panose="02070309020205020404" pitchFamily="49" charset="0"/>
+              </a:rPr>
+              <a:t>&lt;tipo-funzione&gt; </a:t>
+            </a:r>
+            <a:r>
+              <a:rPr lang="it-IT" sz="1800" dirty="0"/>
+              <a:t>è il tipo del valore restituito dalla funzione</a:t>
+            </a:r>
+          </a:p>
+          <a:p>
+            <a:pPr lvl="2"/>
+            <a:r>
+              <a:rPr lang="it-IT" sz="1600" b="1" i="1" dirty="0" err="1"/>
+              <a:t>void</a:t>
+            </a:r>
+            <a:r>
+              <a:rPr lang="it-IT" sz="1600" dirty="0"/>
+              <a:t> se la funzione non restituisce valori</a:t>
+            </a:r>
+          </a:p>
+          <a:p>
+            <a:pPr lvl="1"/>
+            <a:r>
+              <a:rPr lang="it-IT" sz="1800" b="1" dirty="0">
+                <a:latin typeface="Courier New" panose="02070309020205020404" pitchFamily="49" charset="0"/>
+                <a:cs typeface="Courier New" panose="02070309020205020404" pitchFamily="49" charset="0"/>
+              </a:rPr>
+              <a:t>&lt;nome-funzione&gt;</a:t>
+            </a:r>
+            <a:r>
+              <a:rPr lang="it-IT" sz="1800" dirty="0"/>
+              <a:t> è il nome (</a:t>
+            </a:r>
+            <a:r>
+              <a:rPr lang="it-IT" sz="1800" b="1" i="1" dirty="0"/>
+              <a:t>identificatore</a:t>
+            </a:r>
+            <a:r>
+              <a:rPr lang="it-IT" sz="1800" dirty="0"/>
+              <a:t>) della funzione</a:t>
+            </a:r>
+          </a:p>
+          <a:p>
+            <a:pPr lvl="1"/>
+            <a:r>
+              <a:rPr lang="it-IT" sz="1800" b="1" dirty="0">
+                <a:latin typeface="Courier New" panose="02070309020205020404" pitchFamily="49" charset="0"/>
+                <a:cs typeface="Courier New" panose="02070309020205020404" pitchFamily="49" charset="0"/>
+              </a:rPr>
+              <a:t>&lt;tipo-1&gt; &lt;tipo-2&gt; </a:t>
+            </a:r>
+            <a:r>
+              <a:rPr lang="it-IT" sz="1800" dirty="0"/>
+              <a:t>sono i tipi dei </a:t>
+            </a:r>
+            <a:r>
+              <a:rPr lang="it-IT" sz="1800" b="1" i="1" dirty="0"/>
+              <a:t>parametri</a:t>
+            </a:r>
+            <a:r>
+              <a:rPr lang="it-IT" sz="1800" dirty="0"/>
               <a:t> </a:t>
             </a:r>
-            <a:r>
-              <a:rPr lang="it-IT" sz="1600" b="1" dirty="0" err="1">
-                <a:latin typeface="Courier New" panose="02070309020205020404" pitchFamily="49" charset="0"/>
-                <a:cs typeface="Courier New" panose="02070309020205020404" pitchFamily="49" charset="0"/>
-              </a:rPr>
-              <a:t>namespace</a:t>
-            </a:r>
-            <a:r>
-              <a:rPr lang="it-IT" sz="1600" b="1" dirty="0">
-                <a:latin typeface="Courier New" panose="02070309020205020404" pitchFamily="49" charset="0"/>
-                <a:cs typeface="Courier New" panose="02070309020205020404" pitchFamily="49" charset="0"/>
-              </a:rPr>
+          </a:p>
+          <a:p>
+            <a:pPr lvl="2"/>
+            <a:r>
+              <a:rPr lang="it-IT" sz="1600" dirty="0"/>
+              <a:t>possono mancare in funzioni senza parametri</a:t>
+            </a:r>
+          </a:p>
+          <a:p>
+            <a:pPr lvl="2"/>
+            <a:r>
+              <a:rPr lang="it-IT" sz="1600" dirty="0"/>
+              <a:t>oltre al tipo è possibile specificare il nome del parametro</a:t>
+            </a:r>
+          </a:p>
+          <a:p>
+            <a:r>
+              <a:rPr lang="it-IT" sz="2000" b="1" i="1" dirty="0"/>
+              <a:t>definizione</a:t>
+            </a:r>
+            <a:r>
+              <a:rPr lang="it-IT" sz="2000" dirty="0"/>
+              <a:t> di una funzione</a:t>
+            </a:r>
+          </a:p>
+          <a:p>
+            <a:pPr lvl="1"/>
+            <a:r>
+              <a:rPr lang="it-IT" sz="1800" dirty="0"/>
+              <a:t>analogo al prototipo</a:t>
+            </a:r>
+          </a:p>
+          <a:p>
+            <a:pPr lvl="1"/>
+            <a:r>
+              <a:rPr lang="it-IT" sz="1800" dirty="0"/>
+              <a:t>è obbligatorio specificare i </a:t>
+            </a:r>
+            <a:r>
+              <a:rPr lang="it-IT" sz="1800" b="1" i="1" dirty="0"/>
+              <a:t>nomi</a:t>
+            </a:r>
+            <a:r>
+              <a:rPr lang="it-IT" sz="1800" dirty="0"/>
+              <a:t> dei parametri (</a:t>
+            </a:r>
+            <a:r>
+              <a:rPr lang="it-IT" sz="1800" b="1" i="1" dirty="0"/>
+              <a:t>formali</a:t>
+            </a:r>
+            <a:r>
+              <a:rPr lang="it-IT" sz="1800" dirty="0"/>
+              <a:t>)</a:t>
+            </a:r>
+          </a:p>
+          <a:p>
+            <a:pPr lvl="1"/>
+            <a:r>
+              <a:rPr lang="it-IT" sz="1800" dirty="0"/>
+              <a:t>è obbligatorio specificare il </a:t>
+            </a:r>
+            <a:r>
+              <a:rPr lang="it-IT" sz="1800" b="1" i="1" dirty="0"/>
+              <a:t>corpo</a:t>
+            </a:r>
+            <a:r>
+              <a:rPr lang="it-IT" sz="1800" dirty="0"/>
+              <a:t> della funzione</a:t>
+            </a:r>
+          </a:p>
+          <a:p>
+            <a:pPr lvl="1"/>
+            <a:r>
+              <a:rPr lang="it-IT" sz="1800" dirty="0"/>
+              <a:t>è obbligatorio specificare il valore di ritorno mediante l’istruzione </a:t>
+            </a:r>
+            <a:r>
+              <a:rPr lang="it-IT" sz="1800" b="1" i="1" dirty="0" err="1"/>
+              <a:t>return</a:t>
+            </a:r>
+            <a:r>
+              <a:rPr lang="it-IT" sz="1800" b="1" i="1" dirty="0"/>
               <a:t> </a:t>
             </a:r>
             <a:r>
-              <a:rPr lang="it-IT" sz="1600" b="1" dirty="0" err="1">
-                <a:latin typeface="Courier New" panose="02070309020205020404" pitchFamily="49" charset="0"/>
-                <a:cs typeface="Courier New" panose="02070309020205020404" pitchFamily="49" charset="0"/>
-              </a:rPr>
-              <a:t>std</a:t>
-            </a:r>
-            <a:r>
-              <a:rPr lang="it-IT" sz="1600" b="1" dirty="0">
-                <a:latin typeface="Courier New" panose="02070309020205020404" pitchFamily="49" charset="0"/>
-                <a:cs typeface="Courier New" panose="02070309020205020404" pitchFamily="49" charset="0"/>
-              </a:rPr>
-              <a:t>;</a:t>
-            </a:r>
-          </a:p>
-          <a:p>
-            <a:pPr marL="0" indent="0">
-              <a:buNone/>
-            </a:pPr>
-            <a:r>
-              <a:rPr lang="it-IT" sz="1600" b="1" dirty="0">
-                <a:latin typeface="Courier New" panose="02070309020205020404" pitchFamily="49" charset="0"/>
-                <a:cs typeface="Courier New" panose="02070309020205020404" pitchFamily="49" charset="0"/>
-              </a:rPr>
-              <a:t>double media(</a:t>
-            </a:r>
-            <a:r>
-              <a:rPr lang="it-IT" sz="1600" b="1" dirty="0" err="1">
-                <a:latin typeface="Courier New" panose="02070309020205020404" pitchFamily="49" charset="0"/>
-                <a:cs typeface="Courier New" panose="02070309020205020404" pitchFamily="49" charset="0"/>
-              </a:rPr>
-              <a:t>int</a:t>
-            </a:r>
-            <a:r>
-              <a:rPr lang="it-IT" sz="1600" b="1" dirty="0">
-                <a:latin typeface="Courier New" panose="02070309020205020404" pitchFamily="49" charset="0"/>
-                <a:cs typeface="Courier New" panose="02070309020205020404" pitchFamily="49" charset="0"/>
-              </a:rPr>
-              <a:t> v1, </a:t>
-            </a:r>
-            <a:r>
-              <a:rPr lang="it-IT" sz="1600" b="1" dirty="0" err="1">
-                <a:latin typeface="Courier New" panose="02070309020205020404" pitchFamily="49" charset="0"/>
-                <a:cs typeface="Courier New" panose="02070309020205020404" pitchFamily="49" charset="0"/>
-              </a:rPr>
-              <a:t>int</a:t>
-            </a:r>
-            <a:r>
-              <a:rPr lang="it-IT" sz="1600" b="1" dirty="0">
-                <a:latin typeface="Courier New" panose="02070309020205020404" pitchFamily="49" charset="0"/>
-                <a:cs typeface="Courier New" panose="02070309020205020404" pitchFamily="49" charset="0"/>
-              </a:rPr>
-              <a:t> v2);</a:t>
-            </a:r>
-          </a:p>
-          <a:p>
-            <a:pPr marL="0" indent="0">
-              <a:buNone/>
-            </a:pPr>
-            <a:r>
-              <a:rPr lang="it-IT" sz="1600" b="1" dirty="0" err="1">
-                <a:latin typeface="Courier New" panose="02070309020205020404" pitchFamily="49" charset="0"/>
-                <a:cs typeface="Courier New" panose="02070309020205020404" pitchFamily="49" charset="0"/>
-              </a:rPr>
-              <a:t>int</a:t>
-            </a:r>
-            <a:r>
-              <a:rPr lang="it-IT" sz="1600" b="1" dirty="0">
-                <a:latin typeface="Courier New" panose="02070309020205020404" pitchFamily="49" charset="0"/>
-                <a:cs typeface="Courier New" panose="02070309020205020404" pitchFamily="49" charset="0"/>
-              </a:rPr>
-              <a:t> </a:t>
-            </a:r>
-            <a:r>
-              <a:rPr lang="it-IT" sz="1600" b="1" dirty="0" err="1">
-                <a:latin typeface="Courier New" panose="02070309020205020404" pitchFamily="49" charset="0"/>
-                <a:cs typeface="Courier New" panose="02070309020205020404" pitchFamily="49" charset="0"/>
-              </a:rPr>
-              <a:t>main</a:t>
-            </a:r>
-            <a:r>
-              <a:rPr lang="it-IT" sz="1600" b="1" dirty="0">
-                <a:latin typeface="Courier New" panose="02070309020205020404" pitchFamily="49" charset="0"/>
-                <a:cs typeface="Courier New" panose="02070309020205020404" pitchFamily="49" charset="0"/>
-              </a:rPr>
-              <a:t>() {</a:t>
-            </a:r>
-          </a:p>
-          <a:p>
-            <a:pPr marL="0" indent="0">
-              <a:buNone/>
-            </a:pPr>
-            <a:r>
-              <a:rPr lang="it-IT" sz="1600" b="1" dirty="0">
-                <a:latin typeface="Courier New" panose="02070309020205020404" pitchFamily="49" charset="0"/>
-                <a:cs typeface="Courier New" panose="02070309020205020404" pitchFamily="49" charset="0"/>
-              </a:rPr>
-              <a:t>    </a:t>
-            </a:r>
-            <a:r>
-              <a:rPr lang="it-IT" sz="1600" b="1" dirty="0" err="1">
-                <a:latin typeface="Courier New" panose="02070309020205020404" pitchFamily="49" charset="0"/>
-                <a:cs typeface="Courier New" panose="02070309020205020404" pitchFamily="49" charset="0"/>
-              </a:rPr>
-              <a:t>int</a:t>
-            </a:r>
-            <a:r>
-              <a:rPr lang="it-IT" sz="1600" b="1" dirty="0">
-                <a:latin typeface="Courier New" panose="02070309020205020404" pitchFamily="49" charset="0"/>
-                <a:cs typeface="Courier New" panose="02070309020205020404" pitchFamily="49" charset="0"/>
-              </a:rPr>
-              <a:t> val1, val2;</a:t>
-            </a:r>
-          </a:p>
-          <a:p>
-            <a:pPr marL="0" indent="0">
-              <a:buNone/>
-            </a:pPr>
-            <a:r>
-              <a:rPr lang="it-IT" sz="1600" b="1" dirty="0">
-                <a:latin typeface="Courier New" panose="02070309020205020404" pitchFamily="49" charset="0"/>
-                <a:cs typeface="Courier New" panose="02070309020205020404" pitchFamily="49" charset="0"/>
-              </a:rPr>
-              <a:t>    </a:t>
-            </a:r>
-            <a:r>
-              <a:rPr lang="it-IT" sz="1600" b="1" dirty="0" err="1">
-                <a:latin typeface="Courier New" panose="02070309020205020404" pitchFamily="49" charset="0"/>
-                <a:cs typeface="Courier New" panose="02070309020205020404" pitchFamily="49" charset="0"/>
-              </a:rPr>
-              <a:t>cout</a:t>
-            </a:r>
-            <a:r>
-              <a:rPr lang="it-IT" sz="1600" b="1" dirty="0">
-                <a:latin typeface="Courier New" panose="02070309020205020404" pitchFamily="49" charset="0"/>
-                <a:cs typeface="Courier New" panose="02070309020205020404" pitchFamily="49" charset="0"/>
-              </a:rPr>
-              <a:t> &lt;&lt; "Inserire due valori interi separati da spazio ";</a:t>
-            </a:r>
-          </a:p>
-          <a:p>
-            <a:pPr marL="0" indent="0">
-              <a:buNone/>
-            </a:pPr>
-            <a:r>
-              <a:rPr lang="it-IT" sz="1600" b="1" dirty="0">
-                <a:latin typeface="Courier New" panose="02070309020205020404" pitchFamily="49" charset="0"/>
-                <a:cs typeface="Courier New" panose="02070309020205020404" pitchFamily="49" charset="0"/>
-              </a:rPr>
-              <a:t>    cin &gt;&gt; val1 &gt;&gt; val2;</a:t>
-            </a:r>
-          </a:p>
-          <a:p>
-            <a:pPr marL="0" indent="0">
-              <a:buNone/>
-            </a:pPr>
-            <a:r>
-              <a:rPr lang="it-IT" sz="1600" b="1" dirty="0">
-                <a:latin typeface="Courier New" panose="02070309020205020404" pitchFamily="49" charset="0"/>
-                <a:cs typeface="Courier New" panose="02070309020205020404" pitchFamily="49" charset="0"/>
-              </a:rPr>
-              <a:t>    </a:t>
-            </a:r>
-            <a:r>
-              <a:rPr lang="it-IT" sz="1600" b="1" dirty="0" err="1">
-                <a:latin typeface="Courier New" panose="02070309020205020404" pitchFamily="49" charset="0"/>
-                <a:cs typeface="Courier New" panose="02070309020205020404" pitchFamily="49" charset="0"/>
-              </a:rPr>
-              <a:t>cout</a:t>
-            </a:r>
-            <a:r>
-              <a:rPr lang="it-IT" sz="1600" b="1" dirty="0">
-                <a:latin typeface="Courier New" panose="02070309020205020404" pitchFamily="49" charset="0"/>
-                <a:cs typeface="Courier New" panose="02070309020205020404" pitchFamily="49" charset="0"/>
-              </a:rPr>
-              <a:t> &lt;&lt; "la media aritmetica fra " &lt;&lt; val1 &lt;&lt; " e " &lt;&lt; val2 </a:t>
-            </a:r>
-          </a:p>
-          <a:p>
-            <a:pPr marL="0" indent="0">
-              <a:buNone/>
-            </a:pPr>
-            <a:r>
-              <a:rPr lang="it-IT" sz="1600" b="1" dirty="0">
-                <a:latin typeface="Courier New" panose="02070309020205020404" pitchFamily="49" charset="0"/>
-                <a:cs typeface="Courier New" panose="02070309020205020404" pitchFamily="49" charset="0"/>
-              </a:rPr>
-              <a:t>			&lt;&lt; " = " &lt;&lt; media(val1,val2) &lt;&lt; </a:t>
-            </a:r>
-            <a:r>
-              <a:rPr lang="it-IT" sz="1600" b="1" dirty="0" err="1">
-                <a:latin typeface="Courier New" panose="02070309020205020404" pitchFamily="49" charset="0"/>
-                <a:cs typeface="Courier New" panose="02070309020205020404" pitchFamily="49" charset="0"/>
-              </a:rPr>
-              <a:t>endl</a:t>
-            </a:r>
-            <a:r>
-              <a:rPr lang="it-IT" sz="1600" b="1" dirty="0">
-                <a:latin typeface="Courier New" panose="02070309020205020404" pitchFamily="49" charset="0"/>
-                <a:cs typeface="Courier New" panose="02070309020205020404" pitchFamily="49" charset="0"/>
-              </a:rPr>
-              <a:t>;</a:t>
-            </a:r>
-          </a:p>
-          <a:p>
-            <a:pPr marL="0" indent="0">
-              <a:buNone/>
-            </a:pPr>
-            <a:r>
-              <a:rPr lang="it-IT" sz="1600" b="1" dirty="0">
-                <a:latin typeface="Courier New" panose="02070309020205020404" pitchFamily="49" charset="0"/>
-                <a:cs typeface="Courier New" panose="02070309020205020404" pitchFamily="49" charset="0"/>
-              </a:rPr>
-              <a:t>    </a:t>
-            </a:r>
-            <a:r>
-              <a:rPr lang="it-IT" sz="1600" b="1" dirty="0" err="1">
-                <a:latin typeface="Courier New" panose="02070309020205020404" pitchFamily="49" charset="0"/>
-                <a:cs typeface="Courier New" panose="02070309020205020404" pitchFamily="49" charset="0"/>
-              </a:rPr>
-              <a:t>return</a:t>
-            </a:r>
-            <a:r>
-              <a:rPr lang="it-IT" sz="1600" b="1" dirty="0">
-                <a:latin typeface="Courier New" panose="02070309020205020404" pitchFamily="49" charset="0"/>
-                <a:cs typeface="Courier New" panose="02070309020205020404" pitchFamily="49" charset="0"/>
-              </a:rPr>
-              <a:t> 0;</a:t>
-            </a:r>
-          </a:p>
-          <a:p>
-            <a:pPr marL="0" indent="0">
-              <a:buNone/>
-            </a:pPr>
-            <a:r>
-              <a:rPr lang="it-IT" sz="1600" b="1" dirty="0">
-                <a:latin typeface="Courier New" panose="02070309020205020404" pitchFamily="49" charset="0"/>
-                <a:cs typeface="Courier New" panose="02070309020205020404" pitchFamily="49" charset="0"/>
-              </a:rPr>
-              <a:t>}</a:t>
-            </a:r>
-          </a:p>
-          <a:p>
-            <a:pPr marL="0" indent="0">
-              <a:buNone/>
-            </a:pPr>
-            <a:r>
-              <a:rPr lang="it-IT" sz="1600" b="1" dirty="0">
-                <a:latin typeface="Courier New" panose="02070309020205020404" pitchFamily="49" charset="0"/>
-                <a:cs typeface="Courier New" panose="02070309020205020404" pitchFamily="49" charset="0"/>
-              </a:rPr>
-              <a:t>double media(</a:t>
-            </a:r>
-            <a:r>
-              <a:rPr lang="it-IT" sz="1600" b="1" dirty="0" err="1">
-                <a:latin typeface="Courier New" panose="02070309020205020404" pitchFamily="49" charset="0"/>
-                <a:cs typeface="Courier New" panose="02070309020205020404" pitchFamily="49" charset="0"/>
-              </a:rPr>
-              <a:t>int</a:t>
-            </a:r>
-            <a:r>
-              <a:rPr lang="it-IT" sz="1600" b="1" dirty="0">
-                <a:latin typeface="Courier New" panose="02070309020205020404" pitchFamily="49" charset="0"/>
-                <a:cs typeface="Courier New" panose="02070309020205020404" pitchFamily="49" charset="0"/>
-              </a:rPr>
-              <a:t> v1, </a:t>
-            </a:r>
-            <a:r>
-              <a:rPr lang="it-IT" sz="1600" b="1" dirty="0" err="1">
-                <a:latin typeface="Courier New" panose="02070309020205020404" pitchFamily="49" charset="0"/>
-                <a:cs typeface="Courier New" panose="02070309020205020404" pitchFamily="49" charset="0"/>
-              </a:rPr>
-              <a:t>int</a:t>
-            </a:r>
-            <a:r>
-              <a:rPr lang="it-IT" sz="1600" b="1" dirty="0">
-                <a:latin typeface="Courier New" panose="02070309020205020404" pitchFamily="49" charset="0"/>
-                <a:cs typeface="Courier New" panose="02070309020205020404" pitchFamily="49" charset="0"/>
-              </a:rPr>
-              <a:t> v2) {</a:t>
-            </a:r>
-          </a:p>
-          <a:p>
-            <a:pPr marL="0" indent="0">
-              <a:buNone/>
-            </a:pPr>
-            <a:r>
-              <a:rPr lang="it-IT" sz="1600" b="1" dirty="0">
-                <a:latin typeface="Courier New" panose="02070309020205020404" pitchFamily="49" charset="0"/>
-                <a:cs typeface="Courier New" panose="02070309020205020404" pitchFamily="49" charset="0"/>
-              </a:rPr>
-              <a:t>    double </a:t>
-            </a:r>
-            <a:r>
-              <a:rPr lang="it-IT" sz="1600" b="1" dirty="0" err="1">
-                <a:latin typeface="Courier New" panose="02070309020205020404" pitchFamily="49" charset="0"/>
-                <a:cs typeface="Courier New" panose="02070309020205020404" pitchFamily="49" charset="0"/>
-              </a:rPr>
-              <a:t>med</a:t>
-            </a:r>
-            <a:r>
-              <a:rPr lang="it-IT" sz="1600" b="1" dirty="0">
-                <a:latin typeface="Courier New" panose="02070309020205020404" pitchFamily="49" charset="0"/>
-                <a:cs typeface="Courier New" panose="02070309020205020404" pitchFamily="49" charset="0"/>
-              </a:rPr>
-              <a:t>;</a:t>
-            </a:r>
-          </a:p>
-          <a:p>
-            <a:pPr marL="0" indent="0">
-              <a:buNone/>
-            </a:pPr>
-            <a:r>
-              <a:rPr lang="it-IT" sz="1600" b="1" dirty="0">
-                <a:latin typeface="Courier New" panose="02070309020205020404" pitchFamily="49" charset="0"/>
-                <a:cs typeface="Courier New" panose="02070309020205020404" pitchFamily="49" charset="0"/>
-              </a:rPr>
-              <a:t>    </a:t>
-            </a:r>
-            <a:r>
-              <a:rPr lang="it-IT" sz="1600" b="1" dirty="0" err="1">
-                <a:latin typeface="Courier New" panose="02070309020205020404" pitchFamily="49" charset="0"/>
-                <a:cs typeface="Courier New" panose="02070309020205020404" pitchFamily="49" charset="0"/>
-              </a:rPr>
-              <a:t>med</a:t>
-            </a:r>
-            <a:r>
-              <a:rPr lang="it-IT" sz="1600" b="1" dirty="0">
-                <a:latin typeface="Courier New" panose="02070309020205020404" pitchFamily="49" charset="0"/>
-                <a:cs typeface="Courier New" panose="02070309020205020404" pitchFamily="49" charset="0"/>
-              </a:rPr>
-              <a:t> = (v1 + v2) / 2.0;</a:t>
-            </a:r>
-          </a:p>
-          <a:p>
-            <a:pPr marL="0" indent="0">
-              <a:buNone/>
-            </a:pPr>
-            <a:r>
-              <a:rPr lang="it-IT" sz="1600" b="1" dirty="0">
-                <a:latin typeface="Courier New" panose="02070309020205020404" pitchFamily="49" charset="0"/>
-                <a:cs typeface="Courier New" panose="02070309020205020404" pitchFamily="49" charset="0"/>
-              </a:rPr>
-              <a:t>    </a:t>
-            </a:r>
-            <a:r>
-              <a:rPr lang="it-IT" sz="1600" b="1" dirty="0" err="1">
-                <a:latin typeface="Courier New" panose="02070309020205020404" pitchFamily="49" charset="0"/>
-                <a:cs typeface="Courier New" panose="02070309020205020404" pitchFamily="49" charset="0"/>
-              </a:rPr>
-              <a:t>return</a:t>
-            </a:r>
-            <a:r>
-              <a:rPr lang="it-IT" sz="1600" b="1" dirty="0">
-                <a:latin typeface="Courier New" panose="02070309020205020404" pitchFamily="49" charset="0"/>
-                <a:cs typeface="Courier New" panose="02070309020205020404" pitchFamily="49" charset="0"/>
-              </a:rPr>
-              <a:t> </a:t>
-            </a:r>
-            <a:r>
-              <a:rPr lang="it-IT" sz="1600" b="1" dirty="0" err="1">
-                <a:latin typeface="Courier New" panose="02070309020205020404" pitchFamily="49" charset="0"/>
-                <a:cs typeface="Courier New" panose="02070309020205020404" pitchFamily="49" charset="0"/>
-              </a:rPr>
-              <a:t>med</a:t>
-            </a:r>
-            <a:r>
-              <a:rPr lang="it-IT" sz="1600" b="1" dirty="0">
-                <a:latin typeface="Courier New" panose="02070309020205020404" pitchFamily="49" charset="0"/>
-                <a:cs typeface="Courier New" panose="02070309020205020404" pitchFamily="49" charset="0"/>
-              </a:rPr>
-              <a:t>;</a:t>
-            </a:r>
-          </a:p>
-          <a:p>
-            <a:pPr marL="0" indent="0">
-              <a:buNone/>
-            </a:pPr>
-            <a:r>
-              <a:rPr lang="it-IT" sz="1600" b="1" dirty="0">
-                <a:latin typeface="Courier New" panose="02070309020205020404" pitchFamily="49" charset="0"/>
-                <a:cs typeface="Courier New" panose="02070309020205020404" pitchFamily="49" charset="0"/>
-              </a:rPr>
-              <a:t>}</a:t>
-            </a:r>
+              <a:rPr lang="it-IT" sz="1800" i="1" dirty="0"/>
+              <a:t>(non necessario per funzioni </a:t>
+            </a:r>
+            <a:r>
+              <a:rPr lang="it-IT" sz="1800" i="1" dirty="0" err="1"/>
+              <a:t>void</a:t>
+            </a:r>
+            <a:r>
+              <a:rPr lang="it-IT" sz="1800" i="1" dirty="0"/>
+              <a:t>)</a:t>
+            </a:r>
+            <a:endParaRPr lang="it-IT" sz="2000" i="1" dirty="0"/>
+          </a:p>
+          <a:p>
+            <a:pPr lvl="1"/>
+            <a:endParaRPr lang="it-IT" sz="1800" dirty="0"/>
+          </a:p>
+          <a:p>
+            <a:pPr lvl="1"/>
+            <a:endParaRPr lang="it-IT" sz="1800" dirty="0"/>
           </a:p>
         </p:txBody>
       </p:sp>
@@ -7969,7 +9052,7 @@
           <p:cNvPr id="4" name="Segnaposto piè di pagina 3">
             <a:extLst>
               <a:ext uri="{FF2B5EF4-FFF2-40B4-BE49-F238E27FC236}">
-                <a16:creationId xmlns:a16="http://schemas.microsoft.com/office/drawing/2014/main" id="{7681E2FD-9822-48A4-A65F-1E8C18007633}"/>
+                <a16:creationId xmlns:a16="http://schemas.microsoft.com/office/drawing/2014/main" id="{845BED8C-BD54-4930-BC02-2C9982DA8B1A}"/>
               </a:ext>
             </a:extLst>
           </p:cNvPr>
@@ -7999,7 +9082,7 @@
     </p:spTree>
     <p:extLst>
       <p:ext uri="{BB962C8B-B14F-4D97-AF65-F5344CB8AC3E}">
-        <p14:creationId xmlns:p14="http://schemas.microsoft.com/office/powerpoint/2010/main" val="2016941452"/>
+        <p14:creationId xmlns:p14="http://schemas.microsoft.com/office/powerpoint/2010/main" val="3740771922"/>
       </p:ext>
     </p:extLst>
   </p:cSld>
@@ -8031,7 +9114,7 @@
           <p:cNvPr id="2" name="Titolo 1">
             <a:extLst>
               <a:ext uri="{FF2B5EF4-FFF2-40B4-BE49-F238E27FC236}">
-                <a16:creationId xmlns:a16="http://schemas.microsoft.com/office/drawing/2014/main" id="{79C660ED-C729-4FBA-B1DC-B3D008B55DE5}"/>
+                <a16:creationId xmlns:a16="http://schemas.microsoft.com/office/drawing/2014/main" id="{1BEA462F-1596-4FA8-ABA3-49CFFEBF7CEE}"/>
               </a:ext>
             </a:extLst>
           </p:cNvPr>
@@ -8049,7 +9132,7 @@
           <a:p>
             <a:r>
               <a:rPr lang="it-IT" dirty="0"/>
-              <a:t>passaggio dei parametri</a:t>
+              <a:t>funzioni: esecuzione</a:t>
             </a:r>
           </a:p>
         </p:txBody>
@@ -8059,7 +9142,7 @@
           <p:cNvPr id="3" name="Segnaposto contenuto 2">
             <a:extLst>
               <a:ext uri="{FF2B5EF4-FFF2-40B4-BE49-F238E27FC236}">
-                <a16:creationId xmlns:a16="http://schemas.microsoft.com/office/drawing/2014/main" id="{84FB5860-8AA7-4726-94DC-44C63B022497}"/>
+                <a16:creationId xmlns:a16="http://schemas.microsoft.com/office/drawing/2014/main" id="{855B0BA0-B539-4664-AE47-87B24F7EEF7D}"/>
               </a:ext>
             </a:extLst>
           </p:cNvPr>
@@ -8076,213 +9159,67 @@
           <a:lstStyle/>
           <a:p>
             <a:r>
+              <a:rPr lang="it-IT" b="1" i="1" dirty="0"/>
+              <a:t>chiamata</a:t>
+            </a:r>
+            <a:r>
               <a:rPr lang="it-IT" dirty="0"/>
-              <a:t>call-by-</a:t>
-            </a:r>
-            <a:r>
-              <a:rPr lang="it-IT" dirty="0" err="1"/>
-              <a:t>value</a:t>
-            </a:r>
-            <a:endParaRPr lang="it-IT" dirty="0"/>
-          </a:p>
-          <a:p>
-            <a:pPr lvl="1"/>
-            <a:r>
-              <a:rPr lang="it-IT" dirty="0"/>
-              <a:t>l’argomento può essere una variabile o un’espressione</a:t>
-            </a:r>
-          </a:p>
-          <a:p>
-            <a:pPr lvl="1"/>
-            <a:r>
-              <a:rPr lang="it-IT" dirty="0"/>
-              <a:t>il parametro formale viene inizializzato al valore dell’argomento</a:t>
-            </a:r>
-          </a:p>
-          <a:p>
-            <a:pPr lvl="1"/>
-            <a:r>
-              <a:rPr lang="it-IT" dirty="0"/>
-              <a:t>la funzione riceve una copia del valore dell’argomento</a:t>
-            </a:r>
-          </a:p>
-          <a:p>
-            <a:pPr lvl="1"/>
-            <a:r>
-              <a:rPr lang="en-US" dirty="0"/>
-              <a:t>le </a:t>
-            </a:r>
-            <a:r>
-              <a:rPr lang="en-US" dirty="0" err="1"/>
-              <a:t>azioni</a:t>
-            </a:r>
-            <a:r>
-              <a:rPr lang="en-US" dirty="0"/>
-              <a:t> sui </a:t>
-            </a:r>
-            <a:r>
-              <a:rPr lang="en-US" dirty="0" err="1"/>
-              <a:t>parametri</a:t>
-            </a:r>
-            <a:r>
-              <a:rPr lang="en-US" dirty="0"/>
-              <a:t> </a:t>
-            </a:r>
-            <a:r>
-              <a:rPr lang="en-US" dirty="0" err="1"/>
-              <a:t>formali</a:t>
-            </a:r>
-            <a:r>
-              <a:rPr lang="en-US" dirty="0"/>
-              <a:t> non </a:t>
-            </a:r>
-            <a:r>
-              <a:rPr lang="en-US" dirty="0" err="1"/>
-              <a:t>si</a:t>
-            </a:r>
-            <a:r>
-              <a:rPr lang="en-US" dirty="0"/>
-              <a:t> </a:t>
-            </a:r>
-            <a:r>
-              <a:rPr lang="en-US" dirty="0" err="1"/>
-              <a:t>ripercuotono</a:t>
-            </a:r>
-            <a:r>
-              <a:rPr lang="en-US" dirty="0"/>
-              <a:t> sui </a:t>
-            </a:r>
-            <a:r>
-              <a:rPr lang="en-US" dirty="0" err="1"/>
-              <a:t>parametri</a:t>
-            </a:r>
-            <a:r>
-              <a:rPr lang="en-US" dirty="0"/>
-              <a:t> </a:t>
-            </a:r>
-            <a:r>
-              <a:rPr lang="en-US" dirty="0" err="1"/>
-              <a:t>attuali</a:t>
-            </a:r>
-            <a:endParaRPr lang="it-IT" dirty="0"/>
-          </a:p>
-          <a:p>
-            <a:r>
-              <a:rPr lang="it-IT" dirty="0"/>
-              <a:t>call-by-</a:t>
-            </a:r>
-            <a:r>
-              <a:rPr lang="it-IT" dirty="0" err="1"/>
-              <a:t>reference</a:t>
-            </a:r>
-            <a:r>
-              <a:rPr lang="it-IT" dirty="0"/>
-              <a:t> </a:t>
-            </a:r>
-            <a:r>
-              <a:rPr lang="it-IT" i="1" dirty="0"/>
-              <a:t>(“&amp;” precede il tipo del parametro formale)</a:t>
-            </a:r>
-          </a:p>
-          <a:p>
-            <a:pPr lvl="1"/>
-            <a:r>
-              <a:rPr lang="it-IT" dirty="0"/>
-              <a:t>l’argomento deve essere una variabile</a:t>
-            </a:r>
-          </a:p>
-          <a:p>
-            <a:pPr lvl="1"/>
-            <a:r>
-              <a:rPr lang="it-IT" dirty="0"/>
-              <a:t>il parametro formale viene sostituito con la variabile argomento</a:t>
-            </a:r>
-          </a:p>
-          <a:p>
-            <a:pPr lvl="1"/>
-            <a:r>
-              <a:rPr lang="en-US" dirty="0"/>
-              <a:t>le </a:t>
-            </a:r>
-            <a:r>
-              <a:rPr lang="en-US" dirty="0" err="1"/>
-              <a:t>azioni</a:t>
-            </a:r>
-            <a:r>
-              <a:rPr lang="en-US" dirty="0"/>
-              <a:t> sui </a:t>
-            </a:r>
-            <a:r>
-              <a:rPr lang="en-US" dirty="0" err="1"/>
-              <a:t>parametri</a:t>
-            </a:r>
-            <a:r>
-              <a:rPr lang="en-US" dirty="0"/>
-              <a:t> </a:t>
-            </a:r>
-            <a:r>
-              <a:rPr lang="en-US" dirty="0" err="1"/>
-              <a:t>formali</a:t>
-            </a:r>
-            <a:r>
-              <a:rPr lang="en-US" dirty="0"/>
-              <a:t> </a:t>
-            </a:r>
-            <a:r>
-              <a:rPr lang="en-US" dirty="0" err="1"/>
-              <a:t>si</a:t>
-            </a:r>
-            <a:r>
-              <a:rPr lang="en-US" dirty="0"/>
-              <a:t> </a:t>
-            </a:r>
-            <a:r>
-              <a:rPr lang="en-US" dirty="0" err="1"/>
-              <a:t>ripercuotono</a:t>
-            </a:r>
-            <a:r>
-              <a:rPr lang="en-US" dirty="0"/>
-              <a:t> sui </a:t>
-            </a:r>
-            <a:r>
-              <a:rPr lang="en-US" dirty="0" err="1"/>
-              <a:t>parametri</a:t>
-            </a:r>
-            <a:r>
-              <a:rPr lang="en-US" dirty="0"/>
-              <a:t> </a:t>
-            </a:r>
-            <a:r>
-              <a:rPr lang="en-US" dirty="0" err="1"/>
-              <a:t>attuali</a:t>
-            </a:r>
-            <a:endParaRPr lang="en-US" dirty="0"/>
-          </a:p>
-          <a:p>
-            <a:pPr lvl="1"/>
-            <a:r>
-              <a:rPr lang="it-IT" dirty="0"/>
-              <a:t>vantaggio: migliori prestazioni</a:t>
-            </a:r>
-          </a:p>
-          <a:p>
-            <a:pPr lvl="1"/>
-            <a:r>
-              <a:rPr lang="it-IT" dirty="0"/>
-              <a:t>svantaggio: minore modularità, la funzione chiamata può corrompere i dati della chiamante (</a:t>
-            </a:r>
-            <a:r>
-              <a:rPr lang="it-IT" i="1" dirty="0"/>
-              <a:t>side </a:t>
-            </a:r>
-            <a:r>
-              <a:rPr lang="it-IT" i="1" dirty="0" err="1"/>
-              <a:t>effects</a:t>
+              <a:t> della funzione (provoca la sua </a:t>
+            </a:r>
+            <a:r>
+              <a:rPr lang="it-IT" b="1" i="1" dirty="0"/>
+              <a:t>esecuzione</a:t>
             </a:r>
             <a:r>
               <a:rPr lang="it-IT" dirty="0"/>
               <a:t>)</a:t>
             </a:r>
+          </a:p>
+          <a:p>
+            <a:pPr lvl="1"/>
+            <a:r>
+              <a:rPr lang="it-IT" sz="1800" b="1" i="1" dirty="0"/>
+              <a:t>nome</a:t>
+            </a:r>
+            <a:r>
+              <a:rPr lang="it-IT" sz="1800" dirty="0"/>
+              <a:t> della funzione e </a:t>
+            </a:r>
+            <a:r>
+              <a:rPr lang="it-IT" sz="1800" b="1" i="1" dirty="0"/>
+              <a:t>lista dei parametri attuali</a:t>
+            </a:r>
+          </a:p>
+          <a:p>
+            <a:pPr lvl="1"/>
+            <a:r>
+              <a:rPr lang="it-IT" sz="1800" dirty="0"/>
+              <a:t>è possibile inserire più istruzioni di chiamata funzione</a:t>
+            </a:r>
+          </a:p>
+          <a:p>
+            <a:pPr lvl="1"/>
+            <a:r>
+              <a:rPr lang="it-IT" sz="1800" dirty="0"/>
+              <a:t>specificare l’uso del valore di ritorno (per funzioni non </a:t>
+            </a:r>
+            <a:r>
+              <a:rPr lang="it-IT" sz="1800" dirty="0" err="1"/>
+              <a:t>void</a:t>
+            </a:r>
+            <a:r>
+              <a:rPr lang="it-IT" sz="1800" dirty="0"/>
+              <a:t>)</a:t>
+            </a:r>
+            <a:endParaRPr lang="it-IT" dirty="0"/>
+          </a:p>
+          <a:p>
+            <a:pPr lvl="1"/>
+            <a:endParaRPr lang="it-IT" dirty="0"/>
+          </a:p>
+          <a:p>
+            <a:pPr lvl="1"/>
+            <a:endParaRPr lang="it-IT" dirty="0"/>
           </a:p>
         </p:txBody>
       </p:sp>
@@ -8291,7 +9228,7 @@
           <p:cNvPr id="4" name="Segnaposto piè di pagina 3">
             <a:extLst>
               <a:ext uri="{FF2B5EF4-FFF2-40B4-BE49-F238E27FC236}">
-                <a16:creationId xmlns:a16="http://schemas.microsoft.com/office/drawing/2014/main" id="{73F09564-C14F-44A0-B6D6-0AD91D6007EB}"/>
+                <a16:creationId xmlns:a16="http://schemas.microsoft.com/office/drawing/2014/main" id="{845BED8C-BD54-4930-BC02-2C9982DA8B1A}"/>
               </a:ext>
             </a:extLst>
           </p:cNvPr>
@@ -8318,10 +9255,40 @@
           </a:p>
         </p:txBody>
       </p:sp>
+      <p:pic>
+        <p:nvPicPr>
+          <p:cNvPr id="5" name="Immagine 4">
+            <a:extLst>
+              <a:ext uri="{FF2B5EF4-FFF2-40B4-BE49-F238E27FC236}">
+                <a16:creationId xmlns:a16="http://schemas.microsoft.com/office/drawing/2014/main" id="{D73DC648-5ECD-43B1-B998-8CB3CA43B092}"/>
+              </a:ext>
+            </a:extLst>
+          </p:cNvPr>
+          <p:cNvPicPr>
+            <a:picLocks noChangeAspect="1"/>
+          </p:cNvPicPr>
+          <p:nvPr/>
+        </p:nvPicPr>
+        <p:blipFill>
+          <a:blip r:embed="rId2"/>
+          <a:stretch>
+            <a:fillRect/>
+          </a:stretch>
+        </p:blipFill>
+        <p:spPr>
+          <a:xfrm>
+            <a:off x="3863752" y="3604419"/>
+            <a:ext cx="3877392" cy="1749704"/>
+          </a:xfrm>
+          <a:prstGeom prst="rect">
+            <a:avLst/>
+          </a:prstGeom>
+        </p:spPr>
+      </p:pic>
     </p:spTree>
     <p:extLst>
       <p:ext uri="{BB962C8B-B14F-4D97-AF65-F5344CB8AC3E}">
-        <p14:creationId xmlns:p14="http://schemas.microsoft.com/office/powerpoint/2010/main" val="1235581442"/>
+        <p14:creationId xmlns:p14="http://schemas.microsoft.com/office/powerpoint/2010/main" val="3154146204"/>
       </p:ext>
     </p:extLst>
   </p:cSld>
@@ -8353,7 +9320,7 @@
           <p:cNvPr id="2" name="Titolo 1">
             <a:extLst>
               <a:ext uri="{FF2B5EF4-FFF2-40B4-BE49-F238E27FC236}">
-                <a16:creationId xmlns:a16="http://schemas.microsoft.com/office/drawing/2014/main" id="{79C660ED-C729-4FBA-B1DC-B3D008B55DE5}"/>
+                <a16:creationId xmlns:a16="http://schemas.microsoft.com/office/drawing/2014/main" id="{812657A7-C30B-4F2E-90B8-962780810D1A}"/>
               </a:ext>
             </a:extLst>
           </p:cNvPr>
@@ -8371,7 +9338,7 @@
           <a:p>
             <a:r>
               <a:rPr lang="it-IT" dirty="0"/>
-              <a:t>passaggio dei parametri</a:t>
+              <a:t>esempio: funzione utente</a:t>
             </a:r>
           </a:p>
         </p:txBody>
@@ -8381,7 +9348,7 @@
           <p:cNvPr id="3" name="Segnaposto contenuto 2">
             <a:extLst>
               <a:ext uri="{FF2B5EF4-FFF2-40B4-BE49-F238E27FC236}">
-                <a16:creationId xmlns:a16="http://schemas.microsoft.com/office/drawing/2014/main" id="{84FB5860-8AA7-4726-94DC-44C63B022497}"/>
+                <a16:creationId xmlns:a16="http://schemas.microsoft.com/office/drawing/2014/main" id="{063E6E3B-6033-4176-84DD-BA9F99C7CA72}"/>
               </a:ext>
             </a:extLst>
           </p:cNvPr>
@@ -8397,318 +9364,448 @@
           <a:bodyPr/>
           <a:lstStyle/>
           <a:p>
-            <a:r>
-              <a:rPr lang="it-IT" dirty="0"/>
-              <a:t>call-by-pointer</a:t>
-            </a:r>
-          </a:p>
-          <a:p>
-            <a:pPr lvl="1"/>
-            <a:r>
-              <a:rPr lang="en-US" dirty="0" err="1"/>
-              <a:t>l’indirizzo</a:t>
-            </a:r>
-            <a:r>
-              <a:rPr lang="en-US" dirty="0"/>
-              <a:t> del </a:t>
-            </a:r>
-            <a:r>
-              <a:rPr lang="en-US" dirty="0" err="1"/>
-              <a:t>parametro</a:t>
-            </a:r>
-            <a:r>
-              <a:rPr lang="en-US" dirty="0"/>
+            <a:pPr marL="0" indent="0">
+              <a:buNone/>
+            </a:pPr>
+            <a:r>
+              <a:rPr lang="it-IT" sz="1600" b="1" dirty="0">
+                <a:latin typeface="Courier New" panose="02070309020205020404" pitchFamily="49" charset="0"/>
+                <a:cs typeface="Courier New" panose="02070309020205020404" pitchFamily="49" charset="0"/>
+              </a:rPr>
+              <a:t>#include &lt;</a:t>
+            </a:r>
+            <a:r>
+              <a:rPr lang="it-IT" sz="1600" b="1" dirty="0" err="1">
+                <a:latin typeface="Courier New" panose="02070309020205020404" pitchFamily="49" charset="0"/>
+                <a:cs typeface="Courier New" panose="02070309020205020404" pitchFamily="49" charset="0"/>
+              </a:rPr>
+              <a:t>iostream</a:t>
+            </a:r>
+            <a:r>
+              <a:rPr lang="it-IT" sz="1600" b="1" dirty="0">
+                <a:latin typeface="Courier New" panose="02070309020205020404" pitchFamily="49" charset="0"/>
+                <a:cs typeface="Courier New" panose="02070309020205020404" pitchFamily="49" charset="0"/>
+              </a:rPr>
+              <a:t>&gt;</a:t>
+            </a:r>
+          </a:p>
+          <a:p>
+            <a:pPr marL="0" indent="0">
+              <a:buNone/>
+            </a:pPr>
+            <a:r>
+              <a:rPr lang="it-IT" sz="1600" b="1" dirty="0" err="1">
+                <a:latin typeface="Courier New" panose="02070309020205020404" pitchFamily="49" charset="0"/>
+                <a:cs typeface="Courier New" panose="02070309020205020404" pitchFamily="49" charset="0"/>
+              </a:rPr>
+              <a:t>using</a:t>
+            </a:r>
+            <a:r>
+              <a:rPr lang="it-IT" sz="1600" b="1" dirty="0">
+                <a:latin typeface="Courier New" panose="02070309020205020404" pitchFamily="49" charset="0"/>
+                <a:cs typeface="Courier New" panose="02070309020205020404" pitchFamily="49" charset="0"/>
+              </a:rPr>
               <a:t> </a:t>
             </a:r>
             <a:r>
-              <a:rPr lang="en-US" dirty="0" err="1"/>
-              <a:t>attuale</a:t>
-            </a:r>
-            <a:r>
-              <a:rPr lang="en-US" dirty="0"/>
+              <a:rPr lang="it-IT" sz="1600" b="1" dirty="0" err="1">
+                <a:latin typeface="Courier New" panose="02070309020205020404" pitchFamily="49" charset="0"/>
+                <a:cs typeface="Courier New" panose="02070309020205020404" pitchFamily="49" charset="0"/>
+              </a:rPr>
+              <a:t>namespace</a:t>
+            </a:r>
+            <a:r>
+              <a:rPr lang="it-IT" sz="1600" b="1" dirty="0">
+                <a:latin typeface="Courier New" panose="02070309020205020404" pitchFamily="49" charset="0"/>
+                <a:cs typeface="Courier New" panose="02070309020205020404" pitchFamily="49" charset="0"/>
+              </a:rPr>
               <a:t> </a:t>
             </a:r>
             <a:r>
-              <a:rPr lang="en-US" dirty="0" err="1"/>
-              <a:t>viene</a:t>
-            </a:r>
-            <a:r>
-              <a:rPr lang="en-US" dirty="0"/>
+              <a:rPr lang="it-IT" sz="1600" b="1" dirty="0" err="1">
+                <a:latin typeface="Courier New" panose="02070309020205020404" pitchFamily="49" charset="0"/>
+                <a:cs typeface="Courier New" panose="02070309020205020404" pitchFamily="49" charset="0"/>
+              </a:rPr>
+              <a:t>std</a:t>
+            </a:r>
+            <a:r>
+              <a:rPr lang="it-IT" sz="1600" b="1" dirty="0">
+                <a:latin typeface="Courier New" panose="02070309020205020404" pitchFamily="49" charset="0"/>
+                <a:cs typeface="Courier New" panose="02070309020205020404" pitchFamily="49" charset="0"/>
+              </a:rPr>
+              <a:t>;</a:t>
+            </a:r>
+          </a:p>
+          <a:p>
+            <a:pPr marL="0" indent="0">
+              <a:buNone/>
+            </a:pPr>
+            <a:r>
+              <a:rPr lang="it-IT" sz="1600" b="1" dirty="0">
+                <a:latin typeface="Courier New" panose="02070309020205020404" pitchFamily="49" charset="0"/>
+                <a:cs typeface="Courier New" panose="02070309020205020404" pitchFamily="49" charset="0"/>
+              </a:rPr>
+              <a:t>double media(</a:t>
+            </a:r>
+            <a:r>
+              <a:rPr lang="it-IT" sz="1600" b="1" dirty="0" err="1">
+                <a:latin typeface="Courier New" panose="02070309020205020404" pitchFamily="49" charset="0"/>
+                <a:cs typeface="Courier New" panose="02070309020205020404" pitchFamily="49" charset="0"/>
+              </a:rPr>
+              <a:t>int</a:t>
+            </a:r>
+            <a:r>
+              <a:rPr lang="it-IT" sz="1600" b="1" dirty="0">
+                <a:latin typeface="Courier New" panose="02070309020205020404" pitchFamily="49" charset="0"/>
+                <a:cs typeface="Courier New" panose="02070309020205020404" pitchFamily="49" charset="0"/>
+              </a:rPr>
+              <a:t> v1, </a:t>
+            </a:r>
+            <a:r>
+              <a:rPr lang="it-IT" sz="1600" b="1" dirty="0" err="1">
+                <a:latin typeface="Courier New" panose="02070309020205020404" pitchFamily="49" charset="0"/>
+                <a:cs typeface="Courier New" panose="02070309020205020404" pitchFamily="49" charset="0"/>
+              </a:rPr>
+              <a:t>int</a:t>
+            </a:r>
+            <a:r>
+              <a:rPr lang="it-IT" sz="1600" b="1" dirty="0">
+                <a:latin typeface="Courier New" panose="02070309020205020404" pitchFamily="49" charset="0"/>
+                <a:cs typeface="Courier New" panose="02070309020205020404" pitchFamily="49" charset="0"/>
+              </a:rPr>
+              <a:t> v2);</a:t>
+            </a:r>
+          </a:p>
+          <a:p>
+            <a:pPr marL="0" indent="0">
+              <a:buNone/>
+            </a:pPr>
+            <a:r>
+              <a:rPr lang="it-IT" sz="1600" b="1" dirty="0" err="1">
+                <a:latin typeface="Courier New" panose="02070309020205020404" pitchFamily="49" charset="0"/>
+                <a:cs typeface="Courier New" panose="02070309020205020404" pitchFamily="49" charset="0"/>
+              </a:rPr>
+              <a:t>int</a:t>
+            </a:r>
+            <a:r>
+              <a:rPr lang="it-IT" sz="1600" b="1" dirty="0">
+                <a:latin typeface="Courier New" panose="02070309020205020404" pitchFamily="49" charset="0"/>
+                <a:cs typeface="Courier New" panose="02070309020205020404" pitchFamily="49" charset="0"/>
+              </a:rPr>
               <a:t> </a:t>
             </a:r>
             <a:r>
-              <a:rPr lang="en-US" dirty="0" err="1"/>
-              <a:t>copiato</a:t>
-            </a:r>
-            <a:r>
-              <a:rPr lang="en-US" dirty="0"/>
+              <a:rPr lang="it-IT" sz="1600" b="1" dirty="0" err="1">
+                <a:latin typeface="Courier New" panose="02070309020205020404" pitchFamily="49" charset="0"/>
+                <a:cs typeface="Courier New" panose="02070309020205020404" pitchFamily="49" charset="0"/>
+              </a:rPr>
+              <a:t>main</a:t>
+            </a:r>
+            <a:r>
+              <a:rPr lang="it-IT" sz="1600" b="1" dirty="0">
+                <a:latin typeface="Courier New" panose="02070309020205020404" pitchFamily="49" charset="0"/>
+                <a:cs typeface="Courier New" panose="02070309020205020404" pitchFamily="49" charset="0"/>
+              </a:rPr>
+              <a:t>() {</a:t>
+            </a:r>
+          </a:p>
+          <a:p>
+            <a:pPr marL="0" indent="0">
+              <a:buNone/>
+            </a:pPr>
+            <a:r>
+              <a:rPr lang="it-IT" sz="1600" b="1" dirty="0">
+                <a:latin typeface="Courier New" panose="02070309020205020404" pitchFamily="49" charset="0"/>
+                <a:cs typeface="Courier New" panose="02070309020205020404" pitchFamily="49" charset="0"/>
+              </a:rPr>
+              <a:t>    </a:t>
+            </a:r>
+            <a:r>
+              <a:rPr lang="it-IT" sz="1600" b="1" dirty="0" err="1">
+                <a:latin typeface="Courier New" panose="02070309020205020404" pitchFamily="49" charset="0"/>
+                <a:cs typeface="Courier New" panose="02070309020205020404" pitchFamily="49" charset="0"/>
+              </a:rPr>
+              <a:t>int</a:t>
+            </a:r>
+            <a:r>
+              <a:rPr lang="it-IT" sz="1600" b="1" dirty="0">
+                <a:latin typeface="Courier New" panose="02070309020205020404" pitchFamily="49" charset="0"/>
+                <a:cs typeface="Courier New" panose="02070309020205020404" pitchFamily="49" charset="0"/>
+              </a:rPr>
+              <a:t> val1, val2;</a:t>
+            </a:r>
+          </a:p>
+          <a:p>
+            <a:pPr marL="0" indent="0">
+              <a:buNone/>
+            </a:pPr>
+            <a:r>
+              <a:rPr lang="it-IT" sz="1600" b="1" dirty="0">
+                <a:latin typeface="Courier New" panose="02070309020205020404" pitchFamily="49" charset="0"/>
+                <a:cs typeface="Courier New" panose="02070309020205020404" pitchFamily="49" charset="0"/>
+              </a:rPr>
+              <a:t>    </a:t>
+            </a:r>
+            <a:r>
+              <a:rPr lang="it-IT" sz="1600" b="1" dirty="0" err="1">
+                <a:latin typeface="Courier New" panose="02070309020205020404" pitchFamily="49" charset="0"/>
+                <a:cs typeface="Courier New" panose="02070309020205020404" pitchFamily="49" charset="0"/>
+              </a:rPr>
+              <a:t>cout</a:t>
+            </a:r>
+            <a:r>
+              <a:rPr lang="it-IT" sz="1600" b="1" dirty="0">
+                <a:latin typeface="Courier New" panose="02070309020205020404" pitchFamily="49" charset="0"/>
+                <a:cs typeface="Courier New" panose="02070309020205020404" pitchFamily="49" charset="0"/>
+              </a:rPr>
+              <a:t> &lt;&lt; "Inserire due valori interi separati da spazio ";</a:t>
+            </a:r>
+          </a:p>
+          <a:p>
+            <a:pPr marL="0" indent="0">
+              <a:buNone/>
+            </a:pPr>
+            <a:r>
+              <a:rPr lang="it-IT" sz="1600" b="1" dirty="0">
+                <a:latin typeface="Courier New" panose="02070309020205020404" pitchFamily="49" charset="0"/>
+                <a:cs typeface="Courier New" panose="02070309020205020404" pitchFamily="49" charset="0"/>
+              </a:rPr>
+              <a:t>    cin &gt;&gt; val1 &gt;&gt; val2;</a:t>
+            </a:r>
+          </a:p>
+          <a:p>
+            <a:pPr marL="0" indent="0">
+              <a:buNone/>
+            </a:pPr>
+            <a:r>
+              <a:rPr lang="it-IT" sz="1600" b="1" dirty="0">
+                <a:latin typeface="Courier New" panose="02070309020205020404" pitchFamily="49" charset="0"/>
+                <a:cs typeface="Courier New" panose="02070309020205020404" pitchFamily="49" charset="0"/>
+              </a:rPr>
+              <a:t>    </a:t>
+            </a:r>
+            <a:r>
+              <a:rPr lang="it-IT" sz="1600" b="1" dirty="0" err="1">
+                <a:latin typeface="Courier New" panose="02070309020205020404" pitchFamily="49" charset="0"/>
+                <a:cs typeface="Courier New" panose="02070309020205020404" pitchFamily="49" charset="0"/>
+              </a:rPr>
+              <a:t>cout</a:t>
+            </a:r>
+            <a:r>
+              <a:rPr lang="it-IT" sz="1600" b="1" dirty="0">
+                <a:latin typeface="Courier New" panose="02070309020205020404" pitchFamily="49" charset="0"/>
+                <a:cs typeface="Courier New" panose="02070309020205020404" pitchFamily="49" charset="0"/>
+              </a:rPr>
+              <a:t> &lt;&lt; "la media aritmetica fra " &lt;&lt; val1 &lt;&lt; " e " &lt;&lt; val2 </a:t>
+            </a:r>
+          </a:p>
+          <a:p>
+            <a:pPr marL="0" indent="0">
+              <a:buNone/>
+            </a:pPr>
+            <a:r>
+              <a:rPr lang="it-IT" sz="1600" b="1" dirty="0">
+                <a:latin typeface="Courier New" panose="02070309020205020404" pitchFamily="49" charset="0"/>
+                <a:cs typeface="Courier New" panose="02070309020205020404" pitchFamily="49" charset="0"/>
+              </a:rPr>
+              <a:t>			&lt;&lt; " = " &lt;&lt; media(val1,val2) &lt;&lt; </a:t>
+            </a:r>
+            <a:r>
+              <a:rPr lang="it-IT" sz="1600" b="1" dirty="0" err="1">
+                <a:latin typeface="Courier New" panose="02070309020205020404" pitchFamily="49" charset="0"/>
+                <a:cs typeface="Courier New" panose="02070309020205020404" pitchFamily="49" charset="0"/>
+              </a:rPr>
+              <a:t>endl</a:t>
+            </a:r>
+            <a:r>
+              <a:rPr lang="it-IT" sz="1600" b="1" dirty="0">
+                <a:latin typeface="Courier New" panose="02070309020205020404" pitchFamily="49" charset="0"/>
+                <a:cs typeface="Courier New" panose="02070309020205020404" pitchFamily="49" charset="0"/>
+              </a:rPr>
+              <a:t>;</a:t>
+            </a:r>
+          </a:p>
+          <a:p>
+            <a:pPr marL="0" indent="0">
+              <a:buNone/>
+            </a:pPr>
+            <a:r>
+              <a:rPr lang="it-IT" sz="1600" b="1" dirty="0">
+                <a:latin typeface="Courier New" panose="02070309020205020404" pitchFamily="49" charset="0"/>
+                <a:cs typeface="Courier New" panose="02070309020205020404" pitchFamily="49" charset="0"/>
+              </a:rPr>
+              <a:t>    </a:t>
+            </a:r>
+            <a:r>
+              <a:rPr lang="it-IT" sz="1600" b="1" dirty="0" err="1">
+                <a:latin typeface="Courier New" panose="02070309020205020404" pitchFamily="49" charset="0"/>
+                <a:cs typeface="Courier New" panose="02070309020205020404" pitchFamily="49" charset="0"/>
+              </a:rPr>
+              <a:t>return</a:t>
+            </a:r>
+            <a:r>
+              <a:rPr lang="it-IT" sz="1600" b="1" dirty="0">
+                <a:latin typeface="Courier New" panose="02070309020205020404" pitchFamily="49" charset="0"/>
+                <a:cs typeface="Courier New" panose="02070309020205020404" pitchFamily="49" charset="0"/>
+              </a:rPr>
+              <a:t> 0;</a:t>
+            </a:r>
+          </a:p>
+          <a:p>
+            <a:pPr marL="0" indent="0">
+              <a:buNone/>
+            </a:pPr>
+            <a:r>
+              <a:rPr lang="it-IT" sz="1600" b="1" dirty="0">
+                <a:latin typeface="Courier New" panose="02070309020205020404" pitchFamily="49" charset="0"/>
+                <a:cs typeface="Courier New" panose="02070309020205020404" pitchFamily="49" charset="0"/>
+              </a:rPr>
+              <a:t>}</a:t>
+            </a:r>
+          </a:p>
+          <a:p>
+            <a:pPr marL="0" indent="0">
+              <a:buNone/>
+            </a:pPr>
+            <a:r>
+              <a:rPr lang="it-IT" sz="1600" b="1" dirty="0">
+                <a:latin typeface="Courier New" panose="02070309020205020404" pitchFamily="49" charset="0"/>
+                <a:cs typeface="Courier New" panose="02070309020205020404" pitchFamily="49" charset="0"/>
+              </a:rPr>
+              <a:t>double media(</a:t>
+            </a:r>
+            <a:r>
+              <a:rPr lang="it-IT" sz="1600" b="1" dirty="0" err="1">
+                <a:latin typeface="Courier New" panose="02070309020205020404" pitchFamily="49" charset="0"/>
+                <a:cs typeface="Courier New" panose="02070309020205020404" pitchFamily="49" charset="0"/>
+              </a:rPr>
+              <a:t>int</a:t>
+            </a:r>
+            <a:r>
+              <a:rPr lang="it-IT" sz="1600" b="1" dirty="0">
+                <a:latin typeface="Courier New" panose="02070309020205020404" pitchFamily="49" charset="0"/>
+                <a:cs typeface="Courier New" panose="02070309020205020404" pitchFamily="49" charset="0"/>
+              </a:rPr>
+              <a:t> v1, </a:t>
+            </a:r>
+            <a:r>
+              <a:rPr lang="it-IT" sz="1600" b="1" dirty="0" err="1">
+                <a:latin typeface="Courier New" panose="02070309020205020404" pitchFamily="49" charset="0"/>
+                <a:cs typeface="Courier New" panose="02070309020205020404" pitchFamily="49" charset="0"/>
+              </a:rPr>
+              <a:t>int</a:t>
+            </a:r>
+            <a:r>
+              <a:rPr lang="it-IT" sz="1600" b="1" dirty="0">
+                <a:latin typeface="Courier New" panose="02070309020205020404" pitchFamily="49" charset="0"/>
+                <a:cs typeface="Courier New" panose="02070309020205020404" pitchFamily="49" charset="0"/>
+              </a:rPr>
+              <a:t> v2) {</a:t>
+            </a:r>
+          </a:p>
+          <a:p>
+            <a:pPr marL="0" indent="0">
+              <a:buNone/>
+            </a:pPr>
+            <a:r>
+              <a:rPr lang="it-IT" sz="1600" b="1" dirty="0">
+                <a:latin typeface="Courier New" panose="02070309020205020404" pitchFamily="49" charset="0"/>
+                <a:cs typeface="Courier New" panose="02070309020205020404" pitchFamily="49" charset="0"/>
+              </a:rPr>
+              <a:t>    double </a:t>
+            </a:r>
+            <a:r>
+              <a:rPr lang="it-IT" sz="1600" b="1" dirty="0" err="1">
+                <a:latin typeface="Courier New" panose="02070309020205020404" pitchFamily="49" charset="0"/>
+                <a:cs typeface="Courier New" panose="02070309020205020404" pitchFamily="49" charset="0"/>
+              </a:rPr>
+              <a:t>med</a:t>
+            </a:r>
+            <a:r>
+              <a:rPr lang="it-IT" sz="1600" b="1" dirty="0">
+                <a:latin typeface="Courier New" panose="02070309020205020404" pitchFamily="49" charset="0"/>
+                <a:cs typeface="Courier New" panose="02070309020205020404" pitchFamily="49" charset="0"/>
+              </a:rPr>
+              <a:t>;</a:t>
+            </a:r>
+          </a:p>
+          <a:p>
+            <a:pPr marL="0" indent="0">
+              <a:buNone/>
+            </a:pPr>
+            <a:r>
+              <a:rPr lang="it-IT" sz="1600" b="1" dirty="0">
+                <a:latin typeface="Courier New" panose="02070309020205020404" pitchFamily="49" charset="0"/>
+                <a:cs typeface="Courier New" panose="02070309020205020404" pitchFamily="49" charset="0"/>
+              </a:rPr>
+              <a:t>    </a:t>
+            </a:r>
+            <a:r>
+              <a:rPr lang="it-IT" sz="1600" b="1" dirty="0" err="1">
+                <a:latin typeface="Courier New" panose="02070309020205020404" pitchFamily="49" charset="0"/>
+                <a:cs typeface="Courier New" panose="02070309020205020404" pitchFamily="49" charset="0"/>
+              </a:rPr>
+              <a:t>med</a:t>
+            </a:r>
+            <a:r>
+              <a:rPr lang="it-IT" sz="1600" b="1" dirty="0">
+                <a:latin typeface="Courier New" panose="02070309020205020404" pitchFamily="49" charset="0"/>
+                <a:cs typeface="Courier New" panose="02070309020205020404" pitchFamily="49" charset="0"/>
+              </a:rPr>
+              <a:t> = (v1 + v2) / 2.0;</a:t>
+            </a:r>
+          </a:p>
+          <a:p>
+            <a:pPr marL="0" indent="0">
+              <a:buNone/>
+            </a:pPr>
+            <a:r>
+              <a:rPr lang="it-IT" sz="1600" b="1" dirty="0">
+                <a:latin typeface="Courier New" panose="02070309020205020404" pitchFamily="49" charset="0"/>
+                <a:cs typeface="Courier New" panose="02070309020205020404" pitchFamily="49" charset="0"/>
+              </a:rPr>
+              <a:t>    </a:t>
+            </a:r>
+            <a:r>
+              <a:rPr lang="it-IT" sz="1600" b="1" dirty="0" err="1">
+                <a:latin typeface="Courier New" panose="02070309020205020404" pitchFamily="49" charset="0"/>
+                <a:cs typeface="Courier New" panose="02070309020205020404" pitchFamily="49" charset="0"/>
+              </a:rPr>
+              <a:t>return</a:t>
+            </a:r>
+            <a:r>
+              <a:rPr lang="it-IT" sz="1600" b="1" dirty="0">
+                <a:latin typeface="Courier New" panose="02070309020205020404" pitchFamily="49" charset="0"/>
+                <a:cs typeface="Courier New" panose="02070309020205020404" pitchFamily="49" charset="0"/>
+              </a:rPr>
               <a:t> </a:t>
             </a:r>
             <a:r>
-              <a:rPr lang="en-US" dirty="0" err="1"/>
-              <a:t>nel</a:t>
-            </a:r>
-            <a:r>
-              <a:rPr lang="en-US" dirty="0"/>
-              <a:t> parametron </a:t>
-            </a:r>
-            <a:r>
-              <a:rPr lang="en-US" dirty="0" err="1"/>
-              <a:t>formale</a:t>
-            </a:r>
-            <a:endParaRPr lang="en-US" dirty="0"/>
-          </a:p>
-          <a:p>
-            <a:pPr lvl="1"/>
-            <a:r>
-              <a:rPr lang="en-US" dirty="0" err="1"/>
-              <a:t>all’interno</a:t>
-            </a:r>
-            <a:r>
-              <a:rPr lang="en-US" dirty="0"/>
-              <a:t> </a:t>
-            </a:r>
-            <a:r>
-              <a:rPr lang="en-US" dirty="0" err="1"/>
-              <a:t>della</a:t>
-            </a:r>
-            <a:r>
-              <a:rPr lang="en-US" dirty="0"/>
-              <a:t> </a:t>
-            </a:r>
-            <a:r>
-              <a:rPr lang="en-US" dirty="0" err="1"/>
-              <a:t>funzione</a:t>
-            </a:r>
-            <a:r>
-              <a:rPr lang="en-US" dirty="0"/>
-              <a:t> </a:t>
-            </a:r>
-            <a:r>
-              <a:rPr lang="en-US" dirty="0" err="1"/>
-              <a:t>l’indirizzo</a:t>
-            </a:r>
-            <a:r>
-              <a:rPr lang="en-US" dirty="0"/>
-              <a:t> è </a:t>
-            </a:r>
-            <a:r>
-              <a:rPr lang="en-US" dirty="0" err="1"/>
-              <a:t>utilizzato</a:t>
-            </a:r>
-            <a:r>
-              <a:rPr lang="en-US" dirty="0"/>
-              <a:t> per </a:t>
-            </a:r>
-            <a:r>
-              <a:rPr lang="en-US" dirty="0" err="1"/>
-              <a:t>accedere</a:t>
-            </a:r>
-            <a:r>
-              <a:rPr lang="en-US" dirty="0"/>
-              <a:t> al </a:t>
-            </a:r>
-            <a:r>
-              <a:rPr lang="en-US" dirty="0" err="1"/>
-              <a:t>dato</a:t>
-            </a:r>
-            <a:r>
-              <a:rPr lang="en-US" dirty="0"/>
-              <a:t> “</a:t>
-            </a:r>
-            <a:r>
-              <a:rPr lang="en-US" dirty="0" err="1"/>
-              <a:t>puntato</a:t>
-            </a:r>
-            <a:r>
-              <a:rPr lang="en-US" dirty="0"/>
-              <a:t>” dal parametron </a:t>
-            </a:r>
-            <a:r>
-              <a:rPr lang="en-US" dirty="0" err="1"/>
-              <a:t>attuale</a:t>
-            </a:r>
-            <a:endParaRPr lang="en-US" dirty="0"/>
-          </a:p>
-          <a:p>
-            <a:pPr lvl="1"/>
-            <a:r>
-              <a:rPr lang="en-US" dirty="0" err="1"/>
-              <a:t>i</a:t>
-            </a:r>
-            <a:r>
-              <a:rPr lang="en-US" dirty="0"/>
-              <a:t> </a:t>
-            </a:r>
-            <a:r>
-              <a:rPr lang="en-US" dirty="0" err="1"/>
-              <a:t>parametri</a:t>
-            </a:r>
-            <a:r>
-              <a:rPr lang="en-US" dirty="0"/>
-              <a:t> </a:t>
-            </a:r>
-            <a:r>
-              <a:rPr lang="en-US" dirty="0" err="1"/>
-              <a:t>formali</a:t>
-            </a:r>
-            <a:r>
-              <a:rPr lang="en-US" dirty="0"/>
-              <a:t> </a:t>
-            </a:r>
-            <a:r>
-              <a:rPr lang="en-US" dirty="0" err="1"/>
-              <a:t>devono</a:t>
-            </a:r>
-            <a:r>
-              <a:rPr lang="en-US" dirty="0"/>
-              <a:t> </a:t>
-            </a:r>
-            <a:r>
-              <a:rPr lang="en-US" dirty="0" err="1"/>
-              <a:t>essere</a:t>
-            </a:r>
-            <a:r>
-              <a:rPr lang="en-US" dirty="0"/>
-              <a:t> </a:t>
-            </a:r>
-            <a:r>
-              <a:rPr lang="en-US" dirty="0" err="1"/>
-              <a:t>definiti</a:t>
-            </a:r>
-            <a:r>
-              <a:rPr lang="en-US" dirty="0"/>
-              <a:t> come </a:t>
-            </a:r>
-            <a:r>
-              <a:rPr lang="en-US" dirty="0" err="1"/>
-              <a:t>puntatori</a:t>
-            </a:r>
-            <a:r>
-              <a:rPr lang="en-US" dirty="0"/>
-              <a:t> </a:t>
-            </a:r>
-            <a:r>
-              <a:rPr lang="en-US" dirty="0" err="1"/>
-              <a:t>ai</a:t>
-            </a:r>
-            <a:r>
-              <a:rPr lang="en-US" dirty="0"/>
-              <a:t> </a:t>
-            </a:r>
-            <a:r>
-              <a:rPr lang="en-US" dirty="0" err="1"/>
-              <a:t>quali</a:t>
-            </a:r>
-            <a:r>
-              <a:rPr lang="en-US" dirty="0"/>
-              <a:t> </a:t>
-            </a:r>
-            <a:r>
-              <a:rPr lang="en-US" dirty="0" err="1"/>
-              <a:t>assegnare</a:t>
-            </a:r>
-            <a:r>
-              <a:rPr lang="en-US" dirty="0"/>
-              <a:t> </a:t>
-            </a:r>
-            <a:r>
-              <a:rPr lang="en-US" dirty="0" err="1"/>
-              <a:t>gli</a:t>
-            </a:r>
-            <a:r>
-              <a:rPr lang="en-US" dirty="0"/>
-              <a:t> </a:t>
-            </a:r>
-            <a:r>
-              <a:rPr lang="en-US" dirty="0" err="1"/>
-              <a:t>indirizzi</a:t>
-            </a:r>
-            <a:r>
-              <a:rPr lang="en-US" dirty="0"/>
-              <a:t> </a:t>
-            </a:r>
-            <a:r>
-              <a:rPr lang="en-US" dirty="0" err="1"/>
-              <a:t>dei</a:t>
-            </a:r>
-            <a:r>
-              <a:rPr lang="en-US" dirty="0"/>
-              <a:t> </a:t>
-            </a:r>
-            <a:r>
-              <a:rPr lang="en-US" dirty="0" err="1"/>
-              <a:t>parametri</a:t>
-            </a:r>
-            <a:r>
-              <a:rPr lang="en-US" dirty="0"/>
-              <a:t> </a:t>
-            </a:r>
-            <a:r>
-              <a:rPr lang="en-US" dirty="0" err="1"/>
-              <a:t>attuali</a:t>
-            </a:r>
-            <a:endParaRPr lang="en-US" dirty="0"/>
-          </a:p>
-          <a:p>
-            <a:pPr lvl="1"/>
-            <a:r>
-              <a:rPr lang="en-US" dirty="0"/>
-              <a:t>le </a:t>
-            </a:r>
-            <a:r>
-              <a:rPr lang="en-US" dirty="0" err="1"/>
-              <a:t>azioni</a:t>
-            </a:r>
-            <a:r>
-              <a:rPr lang="en-US" dirty="0"/>
-              <a:t> sui </a:t>
-            </a:r>
-            <a:r>
-              <a:rPr lang="en-US" dirty="0" err="1"/>
-              <a:t>parametri</a:t>
-            </a:r>
-            <a:r>
-              <a:rPr lang="en-US" dirty="0"/>
-              <a:t> </a:t>
-            </a:r>
-            <a:r>
-              <a:rPr lang="en-US" dirty="0" err="1"/>
-              <a:t>formali</a:t>
-            </a:r>
-            <a:r>
-              <a:rPr lang="en-US" dirty="0"/>
-              <a:t> </a:t>
-            </a:r>
-            <a:r>
-              <a:rPr lang="en-US" dirty="0" err="1"/>
-              <a:t>si</a:t>
-            </a:r>
-            <a:r>
-              <a:rPr lang="en-US" dirty="0"/>
-              <a:t> </a:t>
-            </a:r>
-            <a:r>
-              <a:rPr lang="en-US" dirty="0" err="1"/>
-              <a:t>ripercuotono</a:t>
-            </a:r>
-            <a:r>
-              <a:rPr lang="en-US" dirty="0"/>
-              <a:t> sui </a:t>
-            </a:r>
-            <a:r>
-              <a:rPr lang="en-US" dirty="0" err="1"/>
-              <a:t>parametri</a:t>
-            </a:r>
-            <a:r>
-              <a:rPr lang="en-US" dirty="0"/>
-              <a:t> </a:t>
-            </a:r>
-            <a:r>
-              <a:rPr lang="en-US" dirty="0" err="1"/>
-              <a:t>attuali</a:t>
-            </a:r>
-            <a:endParaRPr lang="en-US" dirty="0"/>
+              <a:rPr lang="it-IT" sz="1600" b="1" dirty="0" err="1">
+                <a:latin typeface="Courier New" panose="02070309020205020404" pitchFamily="49" charset="0"/>
+                <a:cs typeface="Courier New" panose="02070309020205020404" pitchFamily="49" charset="0"/>
+              </a:rPr>
+              <a:t>med</a:t>
+            </a:r>
+            <a:r>
+              <a:rPr lang="it-IT" sz="1600" b="1" dirty="0">
+                <a:latin typeface="Courier New" panose="02070309020205020404" pitchFamily="49" charset="0"/>
+                <a:cs typeface="Courier New" panose="02070309020205020404" pitchFamily="49" charset="0"/>
+              </a:rPr>
+              <a:t>;</a:t>
+            </a:r>
+          </a:p>
+          <a:p>
+            <a:pPr marL="0" indent="0">
+              <a:buNone/>
+            </a:pPr>
+            <a:r>
+              <a:rPr lang="it-IT" sz="1600" b="1" dirty="0">
+                <a:latin typeface="Courier New" panose="02070309020205020404" pitchFamily="49" charset="0"/>
+                <a:cs typeface="Courier New" panose="02070309020205020404" pitchFamily="49" charset="0"/>
+              </a:rPr>
+              <a:t>}</a:t>
+            </a:r>
           </a:p>
         </p:txBody>
       </p:sp>
@@ -8717,7 +9814,7 @@
           <p:cNvPr id="4" name="Segnaposto piè di pagina 3">
             <a:extLst>
               <a:ext uri="{FF2B5EF4-FFF2-40B4-BE49-F238E27FC236}">
-                <a16:creationId xmlns:a16="http://schemas.microsoft.com/office/drawing/2014/main" id="{73F09564-C14F-44A0-B6D6-0AD91D6007EB}"/>
+                <a16:creationId xmlns:a16="http://schemas.microsoft.com/office/drawing/2014/main" id="{7681E2FD-9822-48A4-A65F-1E8C18007633}"/>
               </a:ext>
             </a:extLst>
           </p:cNvPr>
@@ -8747,7 +9844,7 @@
     </p:spTree>
     <p:extLst>
       <p:ext uri="{BB962C8B-B14F-4D97-AF65-F5344CB8AC3E}">
-        <p14:creationId xmlns:p14="http://schemas.microsoft.com/office/powerpoint/2010/main" val="2090098336"/>
+        <p14:creationId xmlns:p14="http://schemas.microsoft.com/office/powerpoint/2010/main" val="2016941452"/>
       </p:ext>
     </p:extLst>
   </p:cSld>
@@ -8779,7 +9876,7 @@
           <p:cNvPr id="2" name="Titolo 1">
             <a:extLst>
               <a:ext uri="{FF2B5EF4-FFF2-40B4-BE49-F238E27FC236}">
-                <a16:creationId xmlns:a16="http://schemas.microsoft.com/office/drawing/2014/main" id="{9BDEFDCD-0917-4A5B-B4AA-34A8FC389E57}"/>
+                <a16:creationId xmlns:a16="http://schemas.microsoft.com/office/drawing/2014/main" id="{79C660ED-C729-4FBA-B1DC-B3D008B55DE5}"/>
               </a:ext>
             </a:extLst>
           </p:cNvPr>
@@ -8797,13 +9894,8 @@
           <a:p>
             <a:r>
               <a:rPr lang="it-IT" dirty="0"/>
-              <a:t>call by </a:t>
-            </a:r>
-            <a:r>
-              <a:rPr lang="it-IT" dirty="0" err="1"/>
-              <a:t>value</a:t>
-            </a:r>
-            <a:endParaRPr lang="it-IT" dirty="0"/>
+              <a:t>passaggio dei parametri</a:t>
+            </a:r>
           </a:p>
         </p:txBody>
       </p:sp>
@@ -8812,7 +9904,7 @@
           <p:cNvPr id="3" name="Segnaposto contenuto 2">
             <a:extLst>
               <a:ext uri="{FF2B5EF4-FFF2-40B4-BE49-F238E27FC236}">
-                <a16:creationId xmlns:a16="http://schemas.microsoft.com/office/drawing/2014/main" id="{A20D3106-169C-4B2C-9D8C-A154EEC3CA7F}"/>
+                <a16:creationId xmlns:a16="http://schemas.microsoft.com/office/drawing/2014/main" id="{84FB5860-8AA7-4726-94DC-44C63B022497}"/>
               </a:ext>
             </a:extLst>
           </p:cNvPr>
@@ -8828,481 +9920,270 @@
           <a:bodyPr/>
           <a:lstStyle/>
           <a:p>
-            <a:pPr marL="0" indent="0">
-              <a:buNone/>
-            </a:pPr>
-            <a:r>
-              <a:rPr lang="en-US" sz="1600" b="1" dirty="0">
-                <a:latin typeface="Courier New" panose="02070309020205020404" pitchFamily="49" charset="0"/>
-                <a:cs typeface="Courier New" panose="02070309020205020404" pitchFamily="49" charset="0"/>
-              </a:rPr>
-              <a:t>void </a:t>
-            </a:r>
-            <a:r>
-              <a:rPr lang="en-US" sz="1600" b="1" dirty="0" err="1">
-                <a:latin typeface="Courier New" panose="02070309020205020404" pitchFamily="49" charset="0"/>
-                <a:cs typeface="Courier New" panose="02070309020205020404" pitchFamily="49" charset="0"/>
-              </a:rPr>
-              <a:t>scambiaVal</a:t>
-            </a:r>
-            <a:r>
-              <a:rPr lang="en-US" sz="1600" b="1" dirty="0">
-                <a:latin typeface="Courier New" panose="02070309020205020404" pitchFamily="49" charset="0"/>
-                <a:cs typeface="Courier New" panose="02070309020205020404" pitchFamily="49" charset="0"/>
-              </a:rPr>
-              <a:t>(</a:t>
-            </a:r>
-            <a:r>
-              <a:rPr lang="en-US" sz="1600" b="1" dirty="0" err="1">
-                <a:solidFill>
-                  <a:srgbClr val="FF0000"/>
-                </a:solidFill>
-                <a:latin typeface="Courier New" panose="02070309020205020404" pitchFamily="49" charset="0"/>
-                <a:cs typeface="Courier New" panose="02070309020205020404" pitchFamily="49" charset="0"/>
-              </a:rPr>
-              <a:t>int</a:t>
-            </a:r>
-            <a:r>
-              <a:rPr lang="en-US" sz="1600" b="1" dirty="0">
-                <a:solidFill>
-                  <a:srgbClr val="FF0000"/>
-                </a:solidFill>
-                <a:latin typeface="Courier New" panose="02070309020205020404" pitchFamily="49" charset="0"/>
-                <a:cs typeface="Courier New" panose="02070309020205020404" pitchFamily="49" charset="0"/>
-              </a:rPr>
-              <a:t> a</a:t>
-            </a:r>
-            <a:r>
-              <a:rPr lang="en-US" sz="1600" b="1" dirty="0">
-                <a:latin typeface="Courier New" panose="02070309020205020404" pitchFamily="49" charset="0"/>
-                <a:cs typeface="Courier New" panose="02070309020205020404" pitchFamily="49" charset="0"/>
-              </a:rPr>
-              <a:t>, </a:t>
-            </a:r>
-            <a:r>
-              <a:rPr lang="en-US" sz="1600" b="1" dirty="0" err="1">
-                <a:solidFill>
-                  <a:srgbClr val="FF0000"/>
-                </a:solidFill>
-                <a:latin typeface="Courier New" panose="02070309020205020404" pitchFamily="49" charset="0"/>
-                <a:cs typeface="Courier New" panose="02070309020205020404" pitchFamily="49" charset="0"/>
-              </a:rPr>
-              <a:t>int</a:t>
-            </a:r>
-            <a:r>
-              <a:rPr lang="en-US" sz="1600" b="1" dirty="0">
-                <a:solidFill>
-                  <a:srgbClr val="FF0000"/>
-                </a:solidFill>
-                <a:latin typeface="Courier New" panose="02070309020205020404" pitchFamily="49" charset="0"/>
-                <a:cs typeface="Courier New" panose="02070309020205020404" pitchFamily="49" charset="0"/>
-              </a:rPr>
-              <a:t> b</a:t>
-            </a:r>
-            <a:r>
-              <a:rPr lang="en-US" sz="1600" b="1" dirty="0">
-                <a:latin typeface="Courier New" panose="02070309020205020404" pitchFamily="49" charset="0"/>
-                <a:cs typeface="Courier New" panose="02070309020205020404" pitchFamily="49" charset="0"/>
-              </a:rPr>
-              <a:t>) {</a:t>
-            </a:r>
-          </a:p>
-          <a:p>
-            <a:pPr marL="0" indent="0">
-              <a:buNone/>
-            </a:pPr>
-            <a:r>
-              <a:rPr lang="en-US" sz="1600" b="1" dirty="0">
-                <a:latin typeface="Courier New" panose="02070309020205020404" pitchFamily="49" charset="0"/>
-                <a:cs typeface="Courier New" panose="02070309020205020404" pitchFamily="49" charset="0"/>
-              </a:rPr>
-              <a:t>	</a:t>
-            </a:r>
-            <a:r>
-              <a:rPr lang="en-US" sz="1600" b="1" dirty="0" err="1">
-                <a:latin typeface="Courier New" panose="02070309020205020404" pitchFamily="49" charset="0"/>
-                <a:cs typeface="Courier New" panose="02070309020205020404" pitchFamily="49" charset="0"/>
-              </a:rPr>
-              <a:t>int</a:t>
-            </a:r>
-            <a:r>
-              <a:rPr lang="en-US" sz="1600" b="1" dirty="0">
-                <a:latin typeface="Courier New" panose="02070309020205020404" pitchFamily="49" charset="0"/>
-                <a:cs typeface="Courier New" panose="02070309020205020404" pitchFamily="49" charset="0"/>
-              </a:rPr>
-              <a:t> temp;</a:t>
-            </a:r>
-          </a:p>
-          <a:p>
-            <a:pPr marL="0" indent="0">
-              <a:buNone/>
-            </a:pPr>
-            <a:r>
-              <a:rPr lang="en-US" sz="1600" b="1" dirty="0">
-                <a:latin typeface="Courier New" panose="02070309020205020404" pitchFamily="49" charset="0"/>
-                <a:cs typeface="Courier New" panose="02070309020205020404" pitchFamily="49" charset="0"/>
-              </a:rPr>
-              <a:t>	temp = a;</a:t>
-            </a:r>
-          </a:p>
-          <a:p>
-            <a:pPr marL="0" indent="0">
-              <a:buNone/>
-            </a:pPr>
-            <a:r>
-              <a:rPr lang="en-US" sz="1600" b="1" dirty="0">
-                <a:latin typeface="Courier New" panose="02070309020205020404" pitchFamily="49" charset="0"/>
-                <a:cs typeface="Courier New" panose="02070309020205020404" pitchFamily="49" charset="0"/>
-              </a:rPr>
-              <a:t>	a = b;</a:t>
-            </a:r>
-          </a:p>
-          <a:p>
-            <a:pPr marL="0" indent="0">
-              <a:buNone/>
-            </a:pPr>
-            <a:r>
-              <a:rPr lang="en-US" sz="1600" b="1" dirty="0">
-                <a:latin typeface="Courier New" panose="02070309020205020404" pitchFamily="49" charset="0"/>
-                <a:cs typeface="Courier New" panose="02070309020205020404" pitchFamily="49" charset="0"/>
-              </a:rPr>
-              <a:t>	b= temp;</a:t>
-            </a:r>
-          </a:p>
-          <a:p>
-            <a:pPr marL="0" indent="0">
-              <a:buNone/>
-            </a:pPr>
-            <a:r>
-              <a:rPr lang="en-US" sz="1600" b="1" dirty="0">
-                <a:latin typeface="Courier New" panose="02070309020205020404" pitchFamily="49" charset="0"/>
-                <a:cs typeface="Courier New" panose="02070309020205020404" pitchFamily="49" charset="0"/>
-              </a:rPr>
-              <a:t>}</a:t>
-            </a:r>
-          </a:p>
-          <a:p>
-            <a:pPr marL="0" indent="0">
-              <a:buNone/>
-            </a:pPr>
-            <a:r>
-              <a:rPr lang="en-US" sz="1600" b="1" dirty="0" err="1">
-                <a:latin typeface="Courier New" panose="02070309020205020404" pitchFamily="49" charset="0"/>
-                <a:cs typeface="Courier New" panose="02070309020205020404" pitchFamily="49" charset="0"/>
-              </a:rPr>
-              <a:t>int</a:t>
-            </a:r>
-            <a:r>
-              <a:rPr lang="en-US" sz="1600" b="1" dirty="0">
-                <a:latin typeface="Courier New" panose="02070309020205020404" pitchFamily="49" charset="0"/>
-                <a:cs typeface="Courier New" panose="02070309020205020404" pitchFamily="49" charset="0"/>
-              </a:rPr>
-              <a:t> main() {</a:t>
-            </a:r>
-          </a:p>
-          <a:p>
-            <a:pPr marL="0" indent="0">
-              <a:buNone/>
-            </a:pPr>
-            <a:r>
-              <a:rPr lang="en-US" sz="1600" b="1" dirty="0">
-                <a:latin typeface="Courier New" panose="02070309020205020404" pitchFamily="49" charset="0"/>
-                <a:cs typeface="Courier New" panose="02070309020205020404" pitchFamily="49" charset="0"/>
-              </a:rPr>
-              <a:t>	…</a:t>
-            </a:r>
-          </a:p>
-          <a:p>
-            <a:pPr marL="0" indent="0">
-              <a:buNone/>
-            </a:pPr>
-            <a:r>
-              <a:rPr lang="en-US" sz="1600" b="1" dirty="0">
-                <a:latin typeface="Courier New" panose="02070309020205020404" pitchFamily="49" charset="0"/>
-                <a:cs typeface="Courier New" panose="02070309020205020404" pitchFamily="49" charset="0"/>
-              </a:rPr>
-              <a:t>	</a:t>
-            </a:r>
-            <a:r>
-              <a:rPr lang="en-US" sz="1600" b="1" dirty="0" err="1">
-                <a:latin typeface="Courier New" panose="02070309020205020404" pitchFamily="49" charset="0"/>
-                <a:cs typeface="Courier New" panose="02070309020205020404" pitchFamily="49" charset="0"/>
-              </a:rPr>
-              <a:t>int</a:t>
-            </a:r>
-            <a:r>
-              <a:rPr lang="en-US" sz="1600" b="1" dirty="0">
-                <a:latin typeface="Courier New" panose="02070309020205020404" pitchFamily="49" charset="0"/>
-                <a:cs typeface="Courier New" panose="02070309020205020404" pitchFamily="49" charset="0"/>
-              </a:rPr>
+            <a:r>
+              <a:rPr lang="it-IT" sz="2000" b="1" i="1" dirty="0"/>
+              <a:t>call-by-</a:t>
+            </a:r>
+            <a:r>
+              <a:rPr lang="it-IT" sz="2000" b="1" i="1" dirty="0" err="1"/>
+              <a:t>value</a:t>
+            </a:r>
+            <a:endParaRPr lang="it-IT" sz="2000" b="1" i="1" dirty="0"/>
+          </a:p>
+          <a:p>
+            <a:pPr lvl="1"/>
+            <a:r>
+              <a:rPr lang="it-IT" sz="1800" dirty="0"/>
+              <a:t>il parametro attuale può essere una </a:t>
+            </a:r>
+            <a:r>
+              <a:rPr lang="it-IT" sz="1800" b="1" i="1" dirty="0"/>
+              <a:t>variabile o un’espressione</a:t>
+            </a:r>
+          </a:p>
+          <a:p>
+            <a:pPr lvl="1"/>
+            <a:r>
+              <a:rPr lang="it-IT" sz="1800" dirty="0"/>
+              <a:t>il parametro formale viene inizializzato al </a:t>
+            </a:r>
+            <a:r>
+              <a:rPr lang="it-IT" sz="1800" b="1" i="1" dirty="0"/>
+              <a:t>valore</a:t>
+            </a:r>
+            <a:r>
+              <a:rPr lang="it-IT" sz="1800" dirty="0"/>
+              <a:t> del corrispondente parametro attuale</a:t>
+            </a:r>
+          </a:p>
+          <a:p>
+            <a:pPr lvl="1"/>
+            <a:r>
+              <a:rPr lang="it-IT" sz="1800" dirty="0"/>
+              <a:t>la funzione riceve una </a:t>
+            </a:r>
+            <a:r>
+              <a:rPr lang="it-IT" sz="1800" b="1" i="1" dirty="0"/>
+              <a:t>copia del valore </a:t>
+            </a:r>
+            <a:r>
+              <a:rPr lang="it-IT" sz="1800" dirty="0"/>
+              <a:t>del parametro</a:t>
+            </a:r>
+          </a:p>
+          <a:p>
+            <a:pPr lvl="1"/>
+            <a:r>
+              <a:rPr lang="en-US" sz="1800" dirty="0"/>
+              <a:t>le </a:t>
+            </a:r>
+            <a:r>
+              <a:rPr lang="en-US" sz="1800" dirty="0" err="1"/>
+              <a:t>azioni</a:t>
+            </a:r>
+            <a:r>
+              <a:rPr lang="en-US" sz="1800" dirty="0"/>
+              <a:t> sui </a:t>
+            </a:r>
+            <a:r>
+              <a:rPr lang="en-US" sz="1800" dirty="0" err="1"/>
+              <a:t>parametri</a:t>
+            </a:r>
+            <a:r>
+              <a:rPr lang="en-US" sz="1800" dirty="0"/>
               <a:t> </a:t>
             </a:r>
             <a:r>
-              <a:rPr lang="en-US" sz="1600" b="1" dirty="0" err="1">
-                <a:latin typeface="Courier New" panose="02070309020205020404" pitchFamily="49" charset="0"/>
-                <a:cs typeface="Courier New" panose="02070309020205020404" pitchFamily="49" charset="0"/>
-              </a:rPr>
-              <a:t>x,y</a:t>
-            </a:r>
-            <a:r>
-              <a:rPr lang="en-US" sz="1600" b="1" dirty="0">
-                <a:latin typeface="Courier New" panose="02070309020205020404" pitchFamily="49" charset="0"/>
-                <a:cs typeface="Courier New" panose="02070309020205020404" pitchFamily="49" charset="0"/>
-              </a:rPr>
-              <a:t>; x = 7; y = 5;</a:t>
-            </a:r>
-          </a:p>
-          <a:p>
-            <a:pPr marL="0" indent="0">
-              <a:buNone/>
-            </a:pPr>
-            <a:r>
-              <a:rPr lang="en-US" sz="1600" b="1" dirty="0">
-                <a:latin typeface="Courier New" panose="02070309020205020404" pitchFamily="49" charset="0"/>
-                <a:cs typeface="Courier New" panose="02070309020205020404" pitchFamily="49" charset="0"/>
-              </a:rPr>
-              <a:t>	</a:t>
-            </a:r>
-            <a:r>
-              <a:rPr lang="en-US" sz="1600" b="1" dirty="0" err="1">
-                <a:latin typeface="Courier New" panose="02070309020205020404" pitchFamily="49" charset="0"/>
-                <a:cs typeface="Courier New" panose="02070309020205020404" pitchFamily="49" charset="0"/>
-              </a:rPr>
-              <a:t>cout</a:t>
-            </a:r>
-            <a:r>
-              <a:rPr lang="en-US" sz="1600" b="1" dirty="0">
-                <a:latin typeface="Courier New" panose="02070309020205020404" pitchFamily="49" charset="0"/>
-                <a:cs typeface="Courier New" panose="02070309020205020404" pitchFamily="49" charset="0"/>
-              </a:rPr>
-              <a:t> &lt;&lt; "</a:t>
-            </a:r>
-            <a:r>
-              <a:rPr lang="en-US" sz="1600" b="1" dirty="0" err="1">
-                <a:latin typeface="Courier New" panose="02070309020205020404" pitchFamily="49" charset="0"/>
-                <a:cs typeface="Courier New" panose="02070309020205020404" pitchFamily="49" charset="0"/>
-              </a:rPr>
-              <a:t>scambio</a:t>
-            </a:r>
-            <a:r>
-              <a:rPr lang="en-US" sz="1600" b="1" dirty="0">
-                <a:latin typeface="Courier New" panose="02070309020205020404" pitchFamily="49" charset="0"/>
-                <a:cs typeface="Courier New" panose="02070309020205020404" pitchFamily="49" charset="0"/>
-              </a:rPr>
+              <a:rPr lang="en-US" sz="1800" dirty="0" err="1"/>
+              <a:t>formali</a:t>
+            </a:r>
+            <a:r>
+              <a:rPr lang="en-US" sz="1800" dirty="0"/>
               <a:t> </a:t>
             </a:r>
             <a:r>
-              <a:rPr lang="en-US" sz="1600" b="1" dirty="0" err="1">
-                <a:latin typeface="Courier New" panose="02070309020205020404" pitchFamily="49" charset="0"/>
-                <a:cs typeface="Courier New" panose="02070309020205020404" pitchFamily="49" charset="0"/>
-              </a:rPr>
-              <a:t>i</a:t>
-            </a:r>
-            <a:r>
-              <a:rPr lang="en-US" sz="1600" b="1" dirty="0">
-                <a:latin typeface="Courier New" panose="02070309020205020404" pitchFamily="49" charset="0"/>
-                <a:cs typeface="Courier New" panose="02070309020205020404" pitchFamily="49" charset="0"/>
-              </a:rPr>
+              <a:rPr lang="en-US" sz="1800" b="1" i="1" dirty="0"/>
+              <a:t>non </a:t>
+            </a:r>
+            <a:r>
+              <a:rPr lang="en-US" sz="1800" b="1" i="1" dirty="0" err="1"/>
+              <a:t>si</a:t>
+            </a:r>
+            <a:r>
+              <a:rPr lang="en-US" sz="1800" b="1" i="1" dirty="0"/>
               <a:t> </a:t>
             </a:r>
             <a:r>
-              <a:rPr lang="en-US" sz="1600" b="1" dirty="0" err="1">
-                <a:latin typeface="Courier New" panose="02070309020205020404" pitchFamily="49" charset="0"/>
-                <a:cs typeface="Courier New" panose="02070309020205020404" pitchFamily="49" charset="0"/>
-              </a:rPr>
-              <a:t>valori</a:t>
-            </a:r>
-            <a:r>
-              <a:rPr lang="en-US" sz="1600" b="1" dirty="0">
-                <a:latin typeface="Courier New" panose="02070309020205020404" pitchFamily="49" charset="0"/>
-                <a:cs typeface="Courier New" panose="02070309020205020404" pitchFamily="49" charset="0"/>
-              </a:rPr>
-              <a:t> x = " &lt;&lt; x &lt;&lt; " y = " &lt;&lt; y &lt;&lt; </a:t>
-            </a:r>
-            <a:r>
-              <a:rPr lang="en-US" sz="1600" b="1" dirty="0" err="1">
-                <a:latin typeface="Courier New" panose="02070309020205020404" pitchFamily="49" charset="0"/>
-                <a:cs typeface="Courier New" panose="02070309020205020404" pitchFamily="49" charset="0"/>
-              </a:rPr>
-              <a:t>endl</a:t>
-            </a:r>
-            <a:r>
-              <a:rPr lang="en-US" sz="1600" b="1" dirty="0">
-                <a:latin typeface="Courier New" panose="02070309020205020404" pitchFamily="49" charset="0"/>
-                <a:cs typeface="Courier New" panose="02070309020205020404" pitchFamily="49" charset="0"/>
-              </a:rPr>
-              <a:t>;</a:t>
-            </a:r>
-          </a:p>
-          <a:p>
-            <a:pPr marL="0" indent="0">
-              <a:buNone/>
-            </a:pPr>
-            <a:r>
-              <a:rPr lang="en-US" sz="1600" b="1" dirty="0">
-                <a:latin typeface="Courier New" panose="02070309020205020404" pitchFamily="49" charset="0"/>
-                <a:cs typeface="Courier New" panose="02070309020205020404" pitchFamily="49" charset="0"/>
-              </a:rPr>
-              <a:t>	</a:t>
-            </a:r>
-            <a:r>
-              <a:rPr lang="en-US" sz="1600" b="1" dirty="0" err="1">
-                <a:latin typeface="Courier New" panose="02070309020205020404" pitchFamily="49" charset="0"/>
-                <a:cs typeface="Courier New" panose="02070309020205020404" pitchFamily="49" charset="0"/>
-              </a:rPr>
-              <a:t>cout</a:t>
-            </a:r>
-            <a:r>
-              <a:rPr lang="en-US" sz="1600" b="1" dirty="0">
-                <a:latin typeface="Courier New" panose="02070309020205020404" pitchFamily="49" charset="0"/>
-                <a:cs typeface="Courier New" panose="02070309020205020404" pitchFamily="49" charset="0"/>
-              </a:rPr>
-              <a:t> &lt;&lt; "</a:t>
-            </a:r>
-            <a:r>
-              <a:rPr lang="en-US" sz="1600" b="1" dirty="0" err="1">
-                <a:latin typeface="Courier New" panose="02070309020205020404" pitchFamily="49" charset="0"/>
-                <a:cs typeface="Courier New" panose="02070309020205020404" pitchFamily="49" charset="0"/>
-              </a:rPr>
-              <a:t>passaggio</a:t>
-            </a:r>
-            <a:r>
-              <a:rPr lang="en-US" sz="1600" b="1" dirty="0">
-                <a:latin typeface="Courier New" panose="02070309020205020404" pitchFamily="49" charset="0"/>
-                <a:cs typeface="Courier New" panose="02070309020205020404" pitchFamily="49" charset="0"/>
-              </a:rPr>
-              <a:t> per </a:t>
-            </a:r>
-            <a:r>
-              <a:rPr lang="en-US" sz="1600" b="1" dirty="0" err="1">
-                <a:latin typeface="Courier New" panose="02070309020205020404" pitchFamily="49" charset="0"/>
-                <a:cs typeface="Courier New" panose="02070309020205020404" pitchFamily="49" charset="0"/>
-              </a:rPr>
-              <a:t>valore</a:t>
-            </a:r>
-            <a:r>
-              <a:rPr lang="en-US" sz="1600" b="1" dirty="0">
-                <a:latin typeface="Courier New" panose="02070309020205020404" pitchFamily="49" charset="0"/>
-                <a:cs typeface="Courier New" panose="02070309020205020404" pitchFamily="49" charset="0"/>
-              </a:rPr>
-              <a:t> : ";</a:t>
-            </a:r>
-          </a:p>
-          <a:p>
-            <a:pPr marL="0" indent="0">
-              <a:buNone/>
-            </a:pPr>
-            <a:r>
-              <a:rPr lang="en-US" sz="1600" b="1" dirty="0">
-                <a:latin typeface="Courier New" panose="02070309020205020404" pitchFamily="49" charset="0"/>
-                <a:cs typeface="Courier New" panose="02070309020205020404" pitchFamily="49" charset="0"/>
-              </a:rPr>
-              <a:t>	</a:t>
-            </a:r>
-            <a:r>
-              <a:rPr lang="en-US" sz="1600" b="1" dirty="0" err="1">
-                <a:latin typeface="Courier New" panose="02070309020205020404" pitchFamily="49" charset="0"/>
-                <a:cs typeface="Courier New" panose="02070309020205020404" pitchFamily="49" charset="0"/>
-              </a:rPr>
-              <a:t>scambiaVal</a:t>
-            </a:r>
-            <a:r>
-              <a:rPr lang="en-US" sz="1600" b="1" dirty="0">
-                <a:latin typeface="Courier New" panose="02070309020205020404" pitchFamily="49" charset="0"/>
-                <a:cs typeface="Courier New" panose="02070309020205020404" pitchFamily="49" charset="0"/>
-              </a:rPr>
-              <a:t>(</a:t>
-            </a:r>
-            <a:r>
-              <a:rPr lang="en-US" sz="1600" b="1" dirty="0" err="1">
-                <a:solidFill>
-                  <a:srgbClr val="FF0000"/>
-                </a:solidFill>
-                <a:latin typeface="Courier New" panose="02070309020205020404" pitchFamily="49" charset="0"/>
-                <a:cs typeface="Courier New" panose="02070309020205020404" pitchFamily="49" charset="0"/>
-              </a:rPr>
-              <a:t>x,y</a:t>
-            </a:r>
-            <a:r>
-              <a:rPr lang="en-US" sz="1600" b="1" dirty="0">
-                <a:latin typeface="Courier New" panose="02070309020205020404" pitchFamily="49" charset="0"/>
-                <a:cs typeface="Courier New" panose="02070309020205020404" pitchFamily="49" charset="0"/>
-              </a:rPr>
-              <a:t>);</a:t>
-            </a:r>
-          </a:p>
-          <a:p>
-            <a:pPr marL="0" indent="0">
-              <a:buNone/>
-            </a:pPr>
-            <a:r>
-              <a:rPr lang="en-US" sz="1600" b="1" dirty="0">
-                <a:latin typeface="Courier New" panose="02070309020205020404" pitchFamily="49" charset="0"/>
-                <a:cs typeface="Courier New" panose="02070309020205020404" pitchFamily="49" charset="0"/>
-              </a:rPr>
-              <a:t>	</a:t>
-            </a:r>
-            <a:r>
-              <a:rPr lang="en-US" sz="1600" b="1" dirty="0" err="1">
-                <a:latin typeface="Courier New" panose="02070309020205020404" pitchFamily="49" charset="0"/>
-                <a:cs typeface="Courier New" panose="02070309020205020404" pitchFamily="49" charset="0"/>
-              </a:rPr>
-              <a:t>cout</a:t>
-            </a:r>
-            <a:r>
-              <a:rPr lang="en-US" sz="1600" b="1" dirty="0">
-                <a:latin typeface="Courier New" panose="02070309020205020404" pitchFamily="49" charset="0"/>
-                <a:cs typeface="Courier New" panose="02070309020205020404" pitchFamily="49" charset="0"/>
-              </a:rPr>
-              <a:t> &lt;&lt; "x = " &lt;&lt; x &lt;&lt; " y = " &lt;&lt; y &lt;&lt; </a:t>
-            </a:r>
-            <a:r>
-              <a:rPr lang="en-US" sz="1600" b="1" dirty="0" err="1">
-                <a:latin typeface="Courier New" panose="02070309020205020404" pitchFamily="49" charset="0"/>
-                <a:cs typeface="Courier New" panose="02070309020205020404" pitchFamily="49" charset="0"/>
-              </a:rPr>
-              <a:t>endl</a:t>
-            </a:r>
-            <a:r>
-              <a:rPr lang="en-US" sz="1600" b="1" dirty="0">
-                <a:latin typeface="Courier New" panose="02070309020205020404" pitchFamily="49" charset="0"/>
-                <a:cs typeface="Courier New" panose="02070309020205020404" pitchFamily="49" charset="0"/>
-              </a:rPr>
-              <a:t>;</a:t>
-            </a:r>
-          </a:p>
-          <a:p>
-            <a:pPr marL="0" indent="0">
-              <a:buNone/>
-            </a:pPr>
-            <a:r>
-              <a:rPr lang="en-US" sz="1600" b="1" dirty="0">
-                <a:latin typeface="Courier New" panose="02070309020205020404" pitchFamily="49" charset="0"/>
-                <a:cs typeface="Courier New" panose="02070309020205020404" pitchFamily="49" charset="0"/>
-              </a:rPr>
-              <a:t>	…</a:t>
-            </a:r>
-          </a:p>
-          <a:p>
-            <a:pPr marL="0" indent="0">
-              <a:buNone/>
-            </a:pPr>
-            <a:r>
-              <a:rPr lang="en-US" sz="1600" b="1" dirty="0">
-                <a:latin typeface="Courier New" panose="02070309020205020404" pitchFamily="49" charset="0"/>
-                <a:cs typeface="Courier New" panose="02070309020205020404" pitchFamily="49" charset="0"/>
-              </a:rPr>
-              <a:t>}</a:t>
-            </a:r>
-          </a:p>
-          <a:p>
-            <a:pPr marL="0" indent="0">
-              <a:buNone/>
-            </a:pPr>
-            <a:endParaRPr lang="it-IT" sz="1600" b="1" dirty="0">
-              <a:latin typeface="Courier New" panose="02070309020205020404" pitchFamily="49" charset="0"/>
-              <a:cs typeface="Courier New" panose="02070309020205020404" pitchFamily="49" charset="0"/>
-            </a:endParaRPr>
+              <a:rPr lang="en-US" sz="1800" b="1" i="1" dirty="0" err="1"/>
+              <a:t>ripercuotono</a:t>
+            </a:r>
+            <a:r>
+              <a:rPr lang="en-US" sz="1800" b="1" i="1" dirty="0"/>
+              <a:t> </a:t>
+            </a:r>
+            <a:r>
+              <a:rPr lang="en-US" sz="1800" dirty="0"/>
+              <a:t>sui </a:t>
+            </a:r>
+            <a:r>
+              <a:rPr lang="en-US" sz="1800" dirty="0" err="1"/>
+              <a:t>parametri</a:t>
+            </a:r>
+            <a:r>
+              <a:rPr lang="en-US" sz="1800" dirty="0"/>
+              <a:t> </a:t>
+            </a:r>
+            <a:r>
+              <a:rPr lang="en-US" sz="1800" dirty="0" err="1"/>
+              <a:t>attuali</a:t>
+            </a:r>
+            <a:endParaRPr lang="it-IT" sz="1800" dirty="0"/>
+          </a:p>
+          <a:p>
+            <a:r>
+              <a:rPr lang="it-IT" sz="2000" b="1" i="1" dirty="0"/>
+              <a:t>call-by-</a:t>
+            </a:r>
+            <a:r>
+              <a:rPr lang="it-IT" sz="2000" b="1" i="1" dirty="0" err="1"/>
+              <a:t>reference</a:t>
+            </a:r>
+            <a:r>
+              <a:rPr lang="it-IT" sz="2000" dirty="0"/>
+              <a:t> </a:t>
+            </a:r>
+            <a:r>
+              <a:rPr lang="it-IT" sz="2000" i="1" dirty="0"/>
+              <a:t>(“</a:t>
+            </a:r>
+            <a:r>
+              <a:rPr lang="it-IT" sz="2000" b="1" i="1" dirty="0"/>
+              <a:t>&amp;</a:t>
+            </a:r>
+            <a:r>
+              <a:rPr lang="it-IT" sz="2000" i="1" dirty="0"/>
+              <a:t>” precede il tipo del parametro formale)</a:t>
+            </a:r>
+          </a:p>
+          <a:p>
+            <a:pPr lvl="1"/>
+            <a:r>
+              <a:rPr lang="it-IT" sz="1800" dirty="0"/>
+              <a:t>il parametro attuale deve essere una </a:t>
+            </a:r>
+            <a:r>
+              <a:rPr lang="it-IT" sz="1800" b="1" i="1" dirty="0"/>
+              <a:t>variabile</a:t>
+            </a:r>
+          </a:p>
+          <a:p>
+            <a:pPr lvl="1"/>
+            <a:r>
+              <a:rPr lang="it-IT" sz="1800" dirty="0"/>
+              <a:t>il parametro formale viene associato al parametro attuale (si riferisco alla stessa zona di memoria)</a:t>
+            </a:r>
+          </a:p>
+          <a:p>
+            <a:pPr lvl="1"/>
+            <a:r>
+              <a:rPr lang="en-US" sz="1800" dirty="0"/>
+              <a:t>le </a:t>
+            </a:r>
+            <a:r>
+              <a:rPr lang="en-US" sz="1800" dirty="0" err="1"/>
+              <a:t>azioni</a:t>
+            </a:r>
+            <a:r>
+              <a:rPr lang="en-US" sz="1800" dirty="0"/>
+              <a:t> sui </a:t>
+            </a:r>
+            <a:r>
+              <a:rPr lang="en-US" sz="1800" dirty="0" err="1"/>
+              <a:t>parametri</a:t>
+            </a:r>
+            <a:r>
+              <a:rPr lang="en-US" sz="1800" dirty="0"/>
+              <a:t> </a:t>
+            </a:r>
+            <a:r>
+              <a:rPr lang="en-US" sz="1800" b="1" i="1" dirty="0" err="1"/>
+              <a:t>formali</a:t>
+            </a:r>
+            <a:r>
+              <a:rPr lang="en-US" sz="1800" b="1" i="1" dirty="0"/>
+              <a:t> </a:t>
+            </a:r>
+            <a:r>
+              <a:rPr lang="en-US" sz="1800" b="1" i="1" dirty="0" err="1"/>
+              <a:t>si</a:t>
+            </a:r>
+            <a:r>
+              <a:rPr lang="en-US" sz="1800" b="1" i="1" dirty="0"/>
+              <a:t> </a:t>
+            </a:r>
+            <a:r>
+              <a:rPr lang="en-US" sz="1800" b="1" i="1" dirty="0" err="1"/>
+              <a:t>ripercuotono</a:t>
+            </a:r>
+            <a:r>
+              <a:rPr lang="en-US" sz="1800" b="1" i="1" dirty="0"/>
+              <a:t> </a:t>
+            </a:r>
+            <a:r>
+              <a:rPr lang="en-US" sz="1800" dirty="0"/>
+              <a:t>sui </a:t>
+            </a:r>
+            <a:r>
+              <a:rPr lang="en-US" sz="1800" dirty="0" err="1"/>
+              <a:t>parametri</a:t>
+            </a:r>
+            <a:r>
+              <a:rPr lang="en-US" sz="1800" dirty="0"/>
+              <a:t> </a:t>
+            </a:r>
+            <a:r>
+              <a:rPr lang="en-US" sz="1800" dirty="0" err="1"/>
+              <a:t>attuali</a:t>
+            </a:r>
+            <a:endParaRPr lang="en-US" sz="1800" dirty="0"/>
+          </a:p>
+          <a:p>
+            <a:pPr lvl="1"/>
+            <a:r>
+              <a:rPr lang="it-IT" sz="1800" b="1" i="1" dirty="0"/>
+              <a:t>vantaggio</a:t>
+            </a:r>
+            <a:r>
+              <a:rPr lang="it-IT" sz="1800" dirty="0"/>
+              <a:t>: migliori </a:t>
+            </a:r>
+            <a:r>
+              <a:rPr lang="it-IT" sz="1800" b="1" i="1" dirty="0"/>
+              <a:t>prestazioni</a:t>
+            </a:r>
+          </a:p>
+          <a:p>
+            <a:pPr lvl="1"/>
+            <a:r>
+              <a:rPr lang="it-IT" sz="1800" b="1" i="1" dirty="0"/>
+              <a:t>svantaggio</a:t>
+            </a:r>
+            <a:r>
+              <a:rPr lang="it-IT" sz="1800" dirty="0"/>
+              <a:t>: minore modularità, la funzione chiamata può corrompere i dati della chiamante (</a:t>
+            </a:r>
+            <a:r>
+              <a:rPr lang="it-IT" sz="1800" b="1" i="1" dirty="0"/>
+              <a:t>side </a:t>
+            </a:r>
+            <a:r>
+              <a:rPr lang="it-IT" sz="1800" b="1" i="1" dirty="0" err="1"/>
+              <a:t>effects</a:t>
+            </a:r>
+            <a:r>
+              <a:rPr lang="it-IT" sz="1800" dirty="0"/>
+              <a:t>)</a:t>
+            </a:r>
           </a:p>
         </p:txBody>
       </p:sp>
@@ -9311,7 +10192,7 @@
           <p:cNvPr id="4" name="Segnaposto piè di pagina 3">
             <a:extLst>
               <a:ext uri="{FF2B5EF4-FFF2-40B4-BE49-F238E27FC236}">
-                <a16:creationId xmlns:a16="http://schemas.microsoft.com/office/drawing/2014/main" id="{DDD48873-0DC3-439B-93DA-CFBA1B4F57B3}"/>
+                <a16:creationId xmlns:a16="http://schemas.microsoft.com/office/drawing/2014/main" id="{73F09564-C14F-44A0-B6D6-0AD91D6007EB}"/>
               </a:ext>
             </a:extLst>
           </p:cNvPr>
@@ -9338,50 +10219,10 @@
           </a:p>
         </p:txBody>
       </p:sp>
-      <p:pic>
-        <p:nvPicPr>
-          <p:cNvPr id="6" name="Immagine 5">
-            <a:extLst>
-              <a:ext uri="{FF2B5EF4-FFF2-40B4-BE49-F238E27FC236}">
-                <a16:creationId xmlns:a16="http://schemas.microsoft.com/office/drawing/2014/main" id="{BD1CE5FC-9E01-451D-B0EF-63F3039EBE8B}"/>
-              </a:ext>
-            </a:extLst>
-          </p:cNvPr>
-          <p:cNvPicPr>
-            <a:picLocks noChangeAspect="1"/>
-          </p:cNvPicPr>
-          <p:nvPr/>
-        </p:nvPicPr>
-        <p:blipFill>
-          <a:blip r:embed="rId2"/>
-          <a:stretch>
-            <a:fillRect/>
-          </a:stretch>
-        </p:blipFill>
-        <p:spPr>
-          <a:xfrm>
-            <a:off x="7176120" y="1772816"/>
-            <a:ext cx="3724275" cy="504825"/>
-          </a:xfrm>
-          <a:prstGeom prst="rect">
-            <a:avLst/>
-          </a:prstGeom>
-          <a:ln>
-            <a:noFill/>
-          </a:ln>
-          <a:effectLst>
-            <a:outerShdw blurRad="292100" dist="139700" dir="2700000" algn="tl" rotWithShape="0">
-              <a:srgbClr val="333333">
-                <a:alpha val="65000"/>
-              </a:srgbClr>
-            </a:outerShdw>
-          </a:effectLst>
-        </p:spPr>
-      </p:pic>
     </p:spTree>
     <p:extLst>
       <p:ext uri="{BB962C8B-B14F-4D97-AF65-F5344CB8AC3E}">
-        <p14:creationId xmlns:p14="http://schemas.microsoft.com/office/powerpoint/2010/main" val="1526847974"/>
+        <p14:creationId xmlns:p14="http://schemas.microsoft.com/office/powerpoint/2010/main" val="1235581442"/>
       </p:ext>
     </p:extLst>
   </p:cSld>

--- a/lezioni/PASW03d - C++ funzioni.pptx
+++ b/lezioni/PASW03d - C++ funzioni.pptx
@@ -5,7 +5,7 @@
     <p:sldMasterId id="2147483649" r:id="rId1"/>
   </p:sldMasterIdLst>
   <p:notesMasterIdLst>
-    <p:notesMasterId r:id="rId16"/>
+    <p:notesMasterId r:id="rId18"/>
   </p:notesMasterIdLst>
   <p:sldIdLst>
     <p:sldId id="258" r:id="rId2"/>
@@ -22,6 +22,8 @@
     <p:sldId id="261" r:id="rId13"/>
     <p:sldId id="260" r:id="rId14"/>
     <p:sldId id="271" r:id="rId15"/>
+    <p:sldId id="272" r:id="rId16"/>
+    <p:sldId id="273" r:id="rId17"/>
   </p:sldIdLst>
   <p:sldSz cx="12192000" cy="6858000"/>
   <p:notesSz cx="6858000" cy="9144000"/>
@@ -251,7 +253,7 @@
           <a:p>
             <a:fld id="{537EE30C-6FCC-4D68-889C-61DBBB4BBB87}" type="datetimeFigureOut">
               <a:rPr lang="it-IT" smtClean="0"/>
-              <a:t>04/03/2018</a:t>
+              <a:t>10/03/2018</a:t>
             </a:fld>
             <a:endParaRPr lang="it-IT"/>
           </a:p>
@@ -7603,6 +7605,847 @@
     <p:extLst>
       <p:ext uri="{BB962C8B-B14F-4D97-AF65-F5344CB8AC3E}">
         <p14:creationId xmlns:p14="http://schemas.microsoft.com/office/powerpoint/2010/main" val="3180313879"/>
+      </p:ext>
+    </p:extLst>
+  </p:cSld>
+  <p:clrMapOvr>
+    <a:masterClrMapping/>
+  </p:clrMapOvr>
+</p:sld>
+</file>
+
+<file path=ppt/slides/slide15.xml><?xml version="1.0" encoding="utf-8"?>
+<p:sld xmlns:a="http://schemas.openxmlformats.org/drawingml/2006/main" xmlns:r="http://schemas.openxmlformats.org/officeDocument/2006/relationships" xmlns:p="http://schemas.openxmlformats.org/presentationml/2006/main">
+  <p:cSld>
+    <p:spTree>
+      <p:nvGrpSpPr>
+        <p:cNvPr id="1" name=""/>
+        <p:cNvGrpSpPr/>
+        <p:nvPr/>
+      </p:nvGrpSpPr>
+      <p:grpSpPr>
+        <a:xfrm>
+          <a:off x="0" y="0"/>
+          <a:ext cx="0" cy="0"/>
+          <a:chOff x="0" y="0"/>
+          <a:chExt cx="0" cy="0"/>
+        </a:xfrm>
+      </p:grpSpPr>
+      <p:sp>
+        <p:nvSpPr>
+          <p:cNvPr id="2" name="Titolo 1">
+            <a:extLst>
+              <a:ext uri="{FF2B5EF4-FFF2-40B4-BE49-F238E27FC236}">
+                <a16:creationId xmlns:a16="http://schemas.microsoft.com/office/drawing/2014/main" id="{28A90B0B-F13E-4843-905C-B0D5CA8898CA}"/>
+              </a:ext>
+            </a:extLst>
+          </p:cNvPr>
+          <p:cNvSpPr>
+            <a:spLocks noGrp="1"/>
+          </p:cNvSpPr>
+          <p:nvPr>
+            <p:ph type="title"/>
+          </p:nvPr>
+        </p:nvSpPr>
+        <p:spPr/>
+        <p:txBody>
+          <a:bodyPr/>
+          <a:lstStyle/>
+          <a:p>
+            <a:r>
+              <a:rPr lang="it-IT" dirty="0"/>
+              <a:t>parametri con valori di default</a:t>
+            </a:r>
+          </a:p>
+        </p:txBody>
+      </p:sp>
+      <p:sp>
+        <p:nvSpPr>
+          <p:cNvPr id="3" name="Segnaposto contenuto 2">
+            <a:extLst>
+              <a:ext uri="{FF2B5EF4-FFF2-40B4-BE49-F238E27FC236}">
+                <a16:creationId xmlns:a16="http://schemas.microsoft.com/office/drawing/2014/main" id="{47FADC6E-9670-4468-A055-E472AD9047F1}"/>
+              </a:ext>
+            </a:extLst>
+          </p:cNvPr>
+          <p:cNvSpPr>
+            <a:spLocks noGrp="1"/>
+          </p:cNvSpPr>
+          <p:nvPr>
+            <p:ph idx="1"/>
+          </p:nvPr>
+        </p:nvSpPr>
+        <p:spPr/>
+        <p:txBody>
+          <a:bodyPr/>
+          <a:lstStyle/>
+          <a:p>
+            <a:r>
+              <a:rPr lang="it-IT" dirty="0"/>
+              <a:t>per i parametri </a:t>
+            </a:r>
+            <a:r>
+              <a:rPr lang="it-IT" b="1" i="1" dirty="0"/>
+              <a:t>call-by-</a:t>
+            </a:r>
+            <a:r>
+              <a:rPr lang="it-IT" b="1" i="1" dirty="0" err="1"/>
+              <a:t>value</a:t>
+            </a:r>
+            <a:r>
+              <a:rPr lang="it-IT" dirty="0"/>
+              <a:t> si può specificare un </a:t>
+            </a:r>
+            <a:r>
+              <a:rPr lang="it-IT" b="1" i="1" dirty="0"/>
+              <a:t>valore di default</a:t>
+            </a:r>
+          </a:p>
+          <a:p>
+            <a:r>
+              <a:rPr lang="it-IT" dirty="0"/>
+              <a:t>se il corrispondente argomento </a:t>
+            </a:r>
+            <a:r>
+              <a:rPr lang="it-IT" b="1" i="1" dirty="0"/>
+              <a:t>manca</a:t>
+            </a:r>
+            <a:r>
+              <a:rPr lang="it-IT" dirty="0"/>
+              <a:t>, il parametro assume il valore di default</a:t>
+            </a:r>
+          </a:p>
+          <a:p>
+            <a:r>
+              <a:rPr lang="it-IT" dirty="0"/>
+              <a:t>il valore di default va inserito nella prima tra dichiarazione e definizione</a:t>
+            </a:r>
+          </a:p>
+          <a:p>
+            <a:r>
+              <a:rPr lang="it-IT" dirty="0"/>
+              <a:t>i parametri con valore di default devono stare nelle posizioni </a:t>
+            </a:r>
+            <a:r>
+              <a:rPr lang="it-IT" b="1" i="1" dirty="0"/>
+              <a:t>più a destra</a:t>
+            </a:r>
+          </a:p>
+          <a:p>
+            <a:r>
+              <a:rPr lang="it-IT" dirty="0"/>
+              <a:t>nella </a:t>
+            </a:r>
+            <a:r>
+              <a:rPr lang="it-IT" b="1" i="1" dirty="0"/>
+              <a:t>chiamata</a:t>
+            </a:r>
+            <a:r>
+              <a:rPr lang="it-IT" dirty="0"/>
+              <a:t> gli argomenti vanno </a:t>
+            </a:r>
+            <a:r>
+              <a:rPr lang="it-IT" b="1" i="1" dirty="0"/>
+              <a:t>omessi</a:t>
+            </a:r>
+            <a:r>
+              <a:rPr lang="it-IT" dirty="0"/>
+              <a:t> a partire da </a:t>
+            </a:r>
+            <a:r>
+              <a:rPr lang="it-IT" b="1" i="1" dirty="0"/>
+              <a:t>destra</a:t>
+            </a:r>
+          </a:p>
+          <a:p>
+            <a:endParaRPr lang="it-IT" dirty="0"/>
+          </a:p>
+          <a:p>
+            <a:endParaRPr lang="it-IT" dirty="0"/>
+          </a:p>
+        </p:txBody>
+      </p:sp>
+      <p:sp>
+        <p:nvSpPr>
+          <p:cNvPr id="4" name="Segnaposto piè di pagina 3">
+            <a:extLst>
+              <a:ext uri="{FF2B5EF4-FFF2-40B4-BE49-F238E27FC236}">
+                <a16:creationId xmlns:a16="http://schemas.microsoft.com/office/drawing/2014/main" id="{492F1424-64AE-4758-B3D2-DAC494AFE0FF}"/>
+              </a:ext>
+            </a:extLst>
+          </p:cNvPr>
+          <p:cNvSpPr>
+            <a:spLocks noGrp="1"/>
+          </p:cNvSpPr>
+          <p:nvPr>
+            <p:ph type="ftr" sz="quarter" idx="11"/>
+          </p:nvPr>
+        </p:nvSpPr>
+        <p:spPr/>
+        <p:txBody>
+          <a:bodyPr/>
+          <a:lstStyle/>
+          <a:p>
+            <a:pPr>
+              <a:defRPr/>
+            </a:pPr>
+            <a:r>
+              <a:rPr lang="it-IT"/>
+              <a:t>Alberto Ferrari – Programmazione di applicazioni SW</a:t>
+            </a:r>
+            <a:endParaRPr lang="it-IT" dirty="0"/>
+          </a:p>
+        </p:txBody>
+      </p:sp>
+    </p:spTree>
+    <p:extLst>
+      <p:ext uri="{BB962C8B-B14F-4D97-AF65-F5344CB8AC3E}">
+        <p14:creationId xmlns:p14="http://schemas.microsoft.com/office/powerpoint/2010/main" val="964581047"/>
+      </p:ext>
+    </p:extLst>
+  </p:cSld>
+  <p:clrMapOvr>
+    <a:masterClrMapping/>
+  </p:clrMapOvr>
+</p:sld>
+</file>
+
+<file path=ppt/slides/slide16.xml><?xml version="1.0" encoding="utf-8"?>
+<p:sld xmlns:a="http://schemas.openxmlformats.org/drawingml/2006/main" xmlns:r="http://schemas.openxmlformats.org/officeDocument/2006/relationships" xmlns:p="http://schemas.openxmlformats.org/presentationml/2006/main">
+  <p:cSld>
+    <p:spTree>
+      <p:nvGrpSpPr>
+        <p:cNvPr id="1" name=""/>
+        <p:cNvGrpSpPr/>
+        <p:nvPr/>
+      </p:nvGrpSpPr>
+      <p:grpSpPr>
+        <a:xfrm>
+          <a:off x="0" y="0"/>
+          <a:ext cx="0" cy="0"/>
+          <a:chOff x="0" y="0"/>
+          <a:chExt cx="0" cy="0"/>
+        </a:xfrm>
+      </p:grpSpPr>
+      <p:sp>
+        <p:nvSpPr>
+          <p:cNvPr id="2" name="Titolo 1">
+            <a:extLst>
+              <a:ext uri="{FF2B5EF4-FFF2-40B4-BE49-F238E27FC236}">
+                <a16:creationId xmlns:a16="http://schemas.microsoft.com/office/drawing/2014/main" id="{92872747-D152-494B-9E24-8D9D3DDD0F03}"/>
+              </a:ext>
+            </a:extLst>
+          </p:cNvPr>
+          <p:cNvSpPr>
+            <a:spLocks noGrp="1"/>
+          </p:cNvSpPr>
+          <p:nvPr>
+            <p:ph type="title"/>
+          </p:nvPr>
+        </p:nvSpPr>
+        <p:spPr/>
+        <p:txBody>
+          <a:bodyPr/>
+          <a:lstStyle/>
+          <a:p>
+            <a:r>
+              <a:rPr lang="it-IT" dirty="0"/>
+              <a:t>esempio</a:t>
+            </a:r>
+          </a:p>
+        </p:txBody>
+      </p:sp>
+      <p:sp>
+        <p:nvSpPr>
+          <p:cNvPr id="3" name="Segnaposto contenuto 2">
+            <a:extLst>
+              <a:ext uri="{FF2B5EF4-FFF2-40B4-BE49-F238E27FC236}">
+                <a16:creationId xmlns:a16="http://schemas.microsoft.com/office/drawing/2014/main" id="{773AF4F6-413F-4E6B-90D8-16EBF81E9BCD}"/>
+              </a:ext>
+            </a:extLst>
+          </p:cNvPr>
+          <p:cNvSpPr>
+            <a:spLocks noGrp="1"/>
+          </p:cNvSpPr>
+          <p:nvPr>
+            <p:ph idx="1"/>
+          </p:nvPr>
+        </p:nvSpPr>
+        <p:spPr/>
+        <p:txBody>
+          <a:bodyPr/>
+          <a:lstStyle/>
+          <a:p>
+            <a:pPr marL="0" indent="0">
+              <a:buNone/>
+            </a:pPr>
+            <a:r>
+              <a:rPr lang="en-US" sz="1200" b="1" dirty="0">
+                <a:latin typeface="Courier New" panose="02070309020205020404" pitchFamily="49" charset="0"/>
+                <a:cs typeface="Courier New" panose="02070309020205020404" pitchFamily="49" charset="0"/>
+              </a:rPr>
+              <a:t>#include &lt;iostream&gt;</a:t>
+            </a:r>
+          </a:p>
+          <a:p>
+            <a:pPr marL="0" indent="0">
+              <a:buNone/>
+            </a:pPr>
+            <a:r>
+              <a:rPr lang="en-US" sz="1200" b="1" dirty="0">
+                <a:latin typeface="Courier New" panose="02070309020205020404" pitchFamily="49" charset="0"/>
+                <a:cs typeface="Courier New" panose="02070309020205020404" pitchFamily="49" charset="0"/>
+              </a:rPr>
+              <a:t>using namespace </a:t>
+            </a:r>
+            <a:r>
+              <a:rPr lang="en-US" sz="1200" b="1" dirty="0" err="1">
+                <a:latin typeface="Courier New" panose="02070309020205020404" pitchFamily="49" charset="0"/>
+                <a:cs typeface="Courier New" panose="02070309020205020404" pitchFamily="49" charset="0"/>
+              </a:rPr>
+              <a:t>std</a:t>
+            </a:r>
+            <a:r>
+              <a:rPr lang="en-US" sz="1200" b="1" dirty="0">
+                <a:latin typeface="Courier New" panose="02070309020205020404" pitchFamily="49" charset="0"/>
+                <a:cs typeface="Courier New" panose="02070309020205020404" pitchFamily="49" charset="0"/>
+              </a:rPr>
+              <a:t>;</a:t>
+            </a:r>
+          </a:p>
+          <a:p>
+            <a:pPr marL="0" indent="0">
+              <a:buNone/>
+            </a:pPr>
+            <a:r>
+              <a:rPr lang="en-US" sz="1200" b="1" dirty="0">
+                <a:latin typeface="Courier New" panose="02070309020205020404" pitchFamily="49" charset="0"/>
+                <a:cs typeface="Courier New" panose="02070309020205020404" pitchFamily="49" charset="0"/>
+              </a:rPr>
+              <a:t>void </a:t>
+            </a:r>
+            <a:r>
+              <a:rPr lang="en-US" sz="1200" b="1" dirty="0" err="1">
+                <a:latin typeface="Courier New" panose="02070309020205020404" pitchFamily="49" charset="0"/>
+                <a:cs typeface="Courier New" panose="02070309020205020404" pitchFamily="49" charset="0"/>
+              </a:rPr>
+              <a:t>showVolume</a:t>
+            </a:r>
+            <a:r>
+              <a:rPr lang="en-US" sz="1200" b="1" dirty="0">
+                <a:latin typeface="Courier New" panose="02070309020205020404" pitchFamily="49" charset="0"/>
+                <a:cs typeface="Courier New" panose="02070309020205020404" pitchFamily="49" charset="0"/>
+              </a:rPr>
+              <a:t>(</a:t>
+            </a:r>
+            <a:r>
+              <a:rPr lang="en-US" sz="1200" b="1" dirty="0" err="1">
+                <a:solidFill>
+                  <a:srgbClr val="FF0000"/>
+                </a:solidFill>
+                <a:latin typeface="Courier New" panose="02070309020205020404" pitchFamily="49" charset="0"/>
+                <a:cs typeface="Courier New" panose="02070309020205020404" pitchFamily="49" charset="0"/>
+              </a:rPr>
+              <a:t>int</a:t>
+            </a:r>
+            <a:r>
+              <a:rPr lang="en-US" sz="1200" b="1" dirty="0">
+                <a:solidFill>
+                  <a:srgbClr val="FF0000"/>
+                </a:solidFill>
+                <a:latin typeface="Courier New" panose="02070309020205020404" pitchFamily="49" charset="0"/>
+                <a:cs typeface="Courier New" panose="02070309020205020404" pitchFamily="49" charset="0"/>
+              </a:rPr>
+              <a:t> length, </a:t>
+            </a:r>
+            <a:r>
+              <a:rPr lang="en-US" sz="1200" b="1" dirty="0" err="1">
+                <a:solidFill>
+                  <a:srgbClr val="FF0000"/>
+                </a:solidFill>
+                <a:latin typeface="Courier New" panose="02070309020205020404" pitchFamily="49" charset="0"/>
+                <a:cs typeface="Courier New" panose="02070309020205020404" pitchFamily="49" charset="0"/>
+              </a:rPr>
+              <a:t>int</a:t>
+            </a:r>
+            <a:r>
+              <a:rPr lang="en-US" sz="1200" b="1" dirty="0">
+                <a:solidFill>
+                  <a:srgbClr val="FF0000"/>
+                </a:solidFill>
+                <a:latin typeface="Courier New" panose="02070309020205020404" pitchFamily="49" charset="0"/>
+                <a:cs typeface="Courier New" panose="02070309020205020404" pitchFamily="49" charset="0"/>
+              </a:rPr>
+              <a:t> width = 1, </a:t>
+            </a:r>
+            <a:r>
+              <a:rPr lang="en-US" sz="1200" b="1" dirty="0" err="1">
+                <a:solidFill>
+                  <a:srgbClr val="FF0000"/>
+                </a:solidFill>
+                <a:latin typeface="Courier New" panose="02070309020205020404" pitchFamily="49" charset="0"/>
+                <a:cs typeface="Courier New" panose="02070309020205020404" pitchFamily="49" charset="0"/>
+              </a:rPr>
+              <a:t>int</a:t>
+            </a:r>
+            <a:r>
+              <a:rPr lang="en-US" sz="1200" b="1" dirty="0">
+                <a:solidFill>
+                  <a:srgbClr val="FF0000"/>
+                </a:solidFill>
+                <a:latin typeface="Courier New" panose="02070309020205020404" pitchFamily="49" charset="0"/>
+                <a:cs typeface="Courier New" panose="02070309020205020404" pitchFamily="49" charset="0"/>
+              </a:rPr>
+              <a:t> height = 1</a:t>
+            </a:r>
+            <a:r>
+              <a:rPr lang="en-US" sz="1200" b="1" dirty="0">
+                <a:latin typeface="Courier New" panose="02070309020205020404" pitchFamily="49" charset="0"/>
+                <a:cs typeface="Courier New" panose="02070309020205020404" pitchFamily="49" charset="0"/>
+              </a:rPr>
+              <a:t>);</a:t>
+            </a:r>
+          </a:p>
+          <a:p>
+            <a:pPr marL="0" indent="0">
+              <a:buNone/>
+            </a:pPr>
+            <a:r>
+              <a:rPr lang="en-US" sz="1200" b="1" dirty="0">
+                <a:latin typeface="Courier New" panose="02070309020205020404" pitchFamily="49" charset="0"/>
+                <a:cs typeface="Courier New" panose="02070309020205020404" pitchFamily="49" charset="0"/>
+              </a:rPr>
+              <a:t>//Returns the volume of a box. </a:t>
+            </a:r>
+          </a:p>
+          <a:p>
+            <a:pPr marL="0" indent="0">
+              <a:buNone/>
+            </a:pPr>
+            <a:r>
+              <a:rPr lang="en-US" sz="1200" b="1" dirty="0">
+                <a:latin typeface="Courier New" panose="02070309020205020404" pitchFamily="49" charset="0"/>
+                <a:cs typeface="Courier New" panose="02070309020205020404" pitchFamily="49" charset="0"/>
+              </a:rPr>
+              <a:t>//If no height is given, the height is assumed to be 1.</a:t>
+            </a:r>
+          </a:p>
+          <a:p>
+            <a:pPr marL="0" indent="0">
+              <a:buNone/>
+            </a:pPr>
+            <a:r>
+              <a:rPr lang="en-US" sz="1200" b="1" dirty="0">
+                <a:latin typeface="Courier New" panose="02070309020205020404" pitchFamily="49" charset="0"/>
+                <a:cs typeface="Courier New" panose="02070309020205020404" pitchFamily="49" charset="0"/>
+              </a:rPr>
+              <a:t>//If neither height nor width are given, both are assumed to be 1.</a:t>
+            </a:r>
+          </a:p>
+          <a:p>
+            <a:pPr marL="0" indent="0">
+              <a:buNone/>
+            </a:pPr>
+            <a:endParaRPr lang="en-US" sz="1200" b="1" dirty="0">
+              <a:latin typeface="Courier New" panose="02070309020205020404" pitchFamily="49" charset="0"/>
+              <a:cs typeface="Courier New" panose="02070309020205020404" pitchFamily="49" charset="0"/>
+            </a:endParaRPr>
+          </a:p>
+          <a:p>
+            <a:pPr marL="0" indent="0">
+              <a:buNone/>
+            </a:pPr>
+            <a:r>
+              <a:rPr lang="en-US" sz="1200" b="1" dirty="0" err="1">
+                <a:latin typeface="Courier New" panose="02070309020205020404" pitchFamily="49" charset="0"/>
+                <a:cs typeface="Courier New" panose="02070309020205020404" pitchFamily="49" charset="0"/>
+              </a:rPr>
+              <a:t>int</a:t>
+            </a:r>
+            <a:r>
+              <a:rPr lang="en-US" sz="1200" b="1" dirty="0">
+                <a:latin typeface="Courier New" panose="02070309020205020404" pitchFamily="49" charset="0"/>
+                <a:cs typeface="Courier New" panose="02070309020205020404" pitchFamily="49" charset="0"/>
+              </a:rPr>
+              <a:t> main( ) {</a:t>
+            </a:r>
+          </a:p>
+          <a:p>
+            <a:pPr marL="0" indent="0">
+              <a:buNone/>
+            </a:pPr>
+            <a:r>
+              <a:rPr lang="en-US" sz="1200" b="1" dirty="0">
+                <a:latin typeface="Courier New" panose="02070309020205020404" pitchFamily="49" charset="0"/>
+                <a:cs typeface="Courier New" panose="02070309020205020404" pitchFamily="49" charset="0"/>
+              </a:rPr>
+              <a:t>    </a:t>
+            </a:r>
+            <a:r>
+              <a:rPr lang="en-US" sz="1200" b="1" dirty="0" err="1">
+                <a:latin typeface="Courier New" panose="02070309020205020404" pitchFamily="49" charset="0"/>
+                <a:cs typeface="Courier New" panose="02070309020205020404" pitchFamily="49" charset="0"/>
+              </a:rPr>
+              <a:t>showVolume</a:t>
+            </a:r>
+            <a:r>
+              <a:rPr lang="en-US" sz="1200" b="1" dirty="0">
+                <a:latin typeface="Courier New" panose="02070309020205020404" pitchFamily="49" charset="0"/>
+                <a:cs typeface="Courier New" panose="02070309020205020404" pitchFamily="49" charset="0"/>
+              </a:rPr>
+              <a:t>(</a:t>
+            </a:r>
+            <a:r>
+              <a:rPr lang="en-US" sz="1200" b="1" dirty="0">
+                <a:solidFill>
+                  <a:srgbClr val="FF0000"/>
+                </a:solidFill>
+                <a:latin typeface="Courier New" panose="02070309020205020404" pitchFamily="49" charset="0"/>
+                <a:cs typeface="Courier New" panose="02070309020205020404" pitchFamily="49" charset="0"/>
+              </a:rPr>
+              <a:t>4, 6, 2</a:t>
+            </a:r>
+            <a:r>
+              <a:rPr lang="en-US" sz="1200" b="1" dirty="0">
+                <a:latin typeface="Courier New" panose="02070309020205020404" pitchFamily="49" charset="0"/>
+                <a:cs typeface="Courier New" panose="02070309020205020404" pitchFamily="49" charset="0"/>
+              </a:rPr>
+              <a:t>);</a:t>
+            </a:r>
+          </a:p>
+          <a:p>
+            <a:pPr marL="0" indent="0">
+              <a:buNone/>
+            </a:pPr>
+            <a:r>
+              <a:rPr lang="en-US" sz="1200" b="1" dirty="0">
+                <a:latin typeface="Courier New" panose="02070309020205020404" pitchFamily="49" charset="0"/>
+                <a:cs typeface="Courier New" panose="02070309020205020404" pitchFamily="49" charset="0"/>
+              </a:rPr>
+              <a:t>    </a:t>
+            </a:r>
+            <a:r>
+              <a:rPr lang="en-US" sz="1200" b="1" dirty="0" err="1">
+                <a:latin typeface="Courier New" panose="02070309020205020404" pitchFamily="49" charset="0"/>
+                <a:cs typeface="Courier New" panose="02070309020205020404" pitchFamily="49" charset="0"/>
+              </a:rPr>
+              <a:t>showVolume</a:t>
+            </a:r>
+            <a:r>
+              <a:rPr lang="en-US" sz="1200" b="1" dirty="0">
+                <a:latin typeface="Courier New" panose="02070309020205020404" pitchFamily="49" charset="0"/>
+                <a:cs typeface="Courier New" panose="02070309020205020404" pitchFamily="49" charset="0"/>
+              </a:rPr>
+              <a:t>(</a:t>
+            </a:r>
+            <a:r>
+              <a:rPr lang="en-US" sz="1200" b="1" dirty="0">
+                <a:solidFill>
+                  <a:srgbClr val="FF0000"/>
+                </a:solidFill>
+                <a:latin typeface="Courier New" panose="02070309020205020404" pitchFamily="49" charset="0"/>
+                <a:cs typeface="Courier New" panose="02070309020205020404" pitchFamily="49" charset="0"/>
+              </a:rPr>
+              <a:t>4, 6</a:t>
+            </a:r>
+            <a:r>
+              <a:rPr lang="en-US" sz="1200" b="1" dirty="0">
+                <a:latin typeface="Courier New" panose="02070309020205020404" pitchFamily="49" charset="0"/>
+                <a:cs typeface="Courier New" panose="02070309020205020404" pitchFamily="49" charset="0"/>
+              </a:rPr>
+              <a:t>);</a:t>
+            </a:r>
+          </a:p>
+          <a:p>
+            <a:pPr marL="0" indent="0">
+              <a:buNone/>
+            </a:pPr>
+            <a:r>
+              <a:rPr lang="en-US" sz="1200" b="1" dirty="0">
+                <a:latin typeface="Courier New" panose="02070309020205020404" pitchFamily="49" charset="0"/>
+                <a:cs typeface="Courier New" panose="02070309020205020404" pitchFamily="49" charset="0"/>
+              </a:rPr>
+              <a:t>    </a:t>
+            </a:r>
+            <a:r>
+              <a:rPr lang="en-US" sz="1200" b="1" dirty="0" err="1">
+                <a:latin typeface="Courier New" panose="02070309020205020404" pitchFamily="49" charset="0"/>
+                <a:cs typeface="Courier New" panose="02070309020205020404" pitchFamily="49" charset="0"/>
+              </a:rPr>
+              <a:t>showVolume</a:t>
+            </a:r>
+            <a:r>
+              <a:rPr lang="en-US" sz="1200" b="1" dirty="0">
+                <a:latin typeface="Courier New" panose="02070309020205020404" pitchFamily="49" charset="0"/>
+                <a:cs typeface="Courier New" panose="02070309020205020404" pitchFamily="49" charset="0"/>
+              </a:rPr>
+              <a:t>(</a:t>
+            </a:r>
+            <a:r>
+              <a:rPr lang="en-US" sz="1200" b="1" dirty="0">
+                <a:solidFill>
+                  <a:srgbClr val="FF0000"/>
+                </a:solidFill>
+                <a:latin typeface="Courier New" panose="02070309020205020404" pitchFamily="49" charset="0"/>
+                <a:cs typeface="Courier New" panose="02070309020205020404" pitchFamily="49" charset="0"/>
+              </a:rPr>
+              <a:t>4</a:t>
+            </a:r>
+            <a:r>
+              <a:rPr lang="en-US" sz="1200" b="1" dirty="0">
+                <a:latin typeface="Courier New" panose="02070309020205020404" pitchFamily="49" charset="0"/>
+                <a:cs typeface="Courier New" panose="02070309020205020404" pitchFamily="49" charset="0"/>
+              </a:rPr>
+              <a:t>);</a:t>
+            </a:r>
+          </a:p>
+          <a:p>
+            <a:pPr marL="0" indent="0">
+              <a:buNone/>
+            </a:pPr>
+            <a:r>
+              <a:rPr lang="en-US" sz="1200" b="1" dirty="0">
+                <a:latin typeface="Courier New" panose="02070309020205020404" pitchFamily="49" charset="0"/>
+                <a:cs typeface="Courier New" panose="02070309020205020404" pitchFamily="49" charset="0"/>
+              </a:rPr>
+              <a:t>    return 0;</a:t>
+            </a:r>
+          </a:p>
+          <a:p>
+            <a:pPr marL="0" indent="0">
+              <a:buNone/>
+            </a:pPr>
+            <a:r>
+              <a:rPr lang="en-US" sz="1200" b="1" dirty="0">
+                <a:latin typeface="Courier New" panose="02070309020205020404" pitchFamily="49" charset="0"/>
+                <a:cs typeface="Courier New" panose="02070309020205020404" pitchFamily="49" charset="0"/>
+              </a:rPr>
+              <a:t>}</a:t>
+            </a:r>
+          </a:p>
+          <a:p>
+            <a:pPr marL="0" indent="0">
+              <a:buNone/>
+            </a:pPr>
+            <a:endParaRPr lang="en-US" sz="1200" b="1" dirty="0">
+              <a:latin typeface="Courier New" panose="02070309020205020404" pitchFamily="49" charset="0"/>
+              <a:cs typeface="Courier New" panose="02070309020205020404" pitchFamily="49" charset="0"/>
+            </a:endParaRPr>
+          </a:p>
+          <a:p>
+            <a:pPr marL="0" indent="0">
+              <a:buNone/>
+            </a:pPr>
+            <a:r>
+              <a:rPr lang="en-US" sz="1200" b="1" dirty="0">
+                <a:latin typeface="Courier New" panose="02070309020205020404" pitchFamily="49" charset="0"/>
+                <a:cs typeface="Courier New" panose="02070309020205020404" pitchFamily="49" charset="0"/>
+              </a:rPr>
+              <a:t>void </a:t>
+            </a:r>
+            <a:r>
+              <a:rPr lang="en-US" sz="1200" b="1" dirty="0" err="1">
+                <a:latin typeface="Courier New" panose="02070309020205020404" pitchFamily="49" charset="0"/>
+                <a:cs typeface="Courier New" panose="02070309020205020404" pitchFamily="49" charset="0"/>
+              </a:rPr>
+              <a:t>showVolume</a:t>
+            </a:r>
+            <a:r>
+              <a:rPr lang="en-US" sz="1200" b="1" dirty="0">
+                <a:latin typeface="Courier New" panose="02070309020205020404" pitchFamily="49" charset="0"/>
+                <a:cs typeface="Courier New" panose="02070309020205020404" pitchFamily="49" charset="0"/>
+              </a:rPr>
+              <a:t>(</a:t>
+            </a:r>
+            <a:r>
+              <a:rPr lang="en-US" sz="1200" b="1" dirty="0" err="1">
+                <a:latin typeface="Courier New" panose="02070309020205020404" pitchFamily="49" charset="0"/>
+                <a:cs typeface="Courier New" panose="02070309020205020404" pitchFamily="49" charset="0"/>
+              </a:rPr>
+              <a:t>int</a:t>
+            </a:r>
+            <a:r>
+              <a:rPr lang="en-US" sz="1200" b="1" dirty="0">
+                <a:latin typeface="Courier New" panose="02070309020205020404" pitchFamily="49" charset="0"/>
+                <a:cs typeface="Courier New" panose="02070309020205020404" pitchFamily="49" charset="0"/>
+              </a:rPr>
+              <a:t> length, </a:t>
+            </a:r>
+            <a:r>
+              <a:rPr lang="en-US" sz="1200" b="1" dirty="0" err="1">
+                <a:latin typeface="Courier New" panose="02070309020205020404" pitchFamily="49" charset="0"/>
+                <a:cs typeface="Courier New" panose="02070309020205020404" pitchFamily="49" charset="0"/>
+              </a:rPr>
+              <a:t>int</a:t>
+            </a:r>
+            <a:r>
+              <a:rPr lang="en-US" sz="1200" b="1" dirty="0">
+                <a:latin typeface="Courier New" panose="02070309020205020404" pitchFamily="49" charset="0"/>
+                <a:cs typeface="Courier New" panose="02070309020205020404" pitchFamily="49" charset="0"/>
+              </a:rPr>
+              <a:t> width, </a:t>
+            </a:r>
+            <a:r>
+              <a:rPr lang="en-US" sz="1200" b="1" dirty="0" err="1">
+                <a:latin typeface="Courier New" panose="02070309020205020404" pitchFamily="49" charset="0"/>
+                <a:cs typeface="Courier New" panose="02070309020205020404" pitchFamily="49" charset="0"/>
+              </a:rPr>
+              <a:t>int</a:t>
+            </a:r>
+            <a:r>
+              <a:rPr lang="en-US" sz="1200" b="1" dirty="0">
+                <a:latin typeface="Courier New" panose="02070309020205020404" pitchFamily="49" charset="0"/>
+                <a:cs typeface="Courier New" panose="02070309020205020404" pitchFamily="49" charset="0"/>
+              </a:rPr>
+              <a:t> height) {</a:t>
+            </a:r>
+          </a:p>
+          <a:p>
+            <a:pPr marL="0" indent="0">
+              <a:buNone/>
+            </a:pPr>
+            <a:r>
+              <a:rPr lang="en-US" sz="1200" b="1" dirty="0">
+                <a:latin typeface="Courier New" panose="02070309020205020404" pitchFamily="49" charset="0"/>
+                <a:cs typeface="Courier New" panose="02070309020205020404" pitchFamily="49" charset="0"/>
+              </a:rPr>
+              <a:t>    </a:t>
+            </a:r>
+            <a:r>
+              <a:rPr lang="en-US" sz="1200" b="1" dirty="0" err="1">
+                <a:latin typeface="Courier New" panose="02070309020205020404" pitchFamily="49" charset="0"/>
+                <a:cs typeface="Courier New" panose="02070309020205020404" pitchFamily="49" charset="0"/>
+              </a:rPr>
+              <a:t>cout</a:t>
+            </a:r>
+            <a:r>
+              <a:rPr lang="en-US" sz="1200" b="1" dirty="0">
+                <a:latin typeface="Courier New" panose="02070309020205020404" pitchFamily="49" charset="0"/>
+                <a:cs typeface="Courier New" panose="02070309020205020404" pitchFamily="49" charset="0"/>
+              </a:rPr>
+              <a:t> &lt;&lt; "Volume of a box with \n" </a:t>
+            </a:r>
+          </a:p>
+          <a:p>
+            <a:pPr marL="0" indent="0">
+              <a:buNone/>
+            </a:pPr>
+            <a:r>
+              <a:rPr lang="en-US" sz="1200" b="1" dirty="0">
+                <a:latin typeface="Courier New" panose="02070309020205020404" pitchFamily="49" charset="0"/>
+                <a:cs typeface="Courier New" panose="02070309020205020404" pitchFamily="49" charset="0"/>
+              </a:rPr>
+              <a:t>         &lt;&lt; "Length = " &lt;&lt; length &lt;&lt; ", Width = " &lt;&lt; width &lt;&lt; </a:t>
+            </a:r>
+            <a:r>
+              <a:rPr lang="en-US" sz="1200" b="1" dirty="0" err="1">
+                <a:latin typeface="Courier New" panose="02070309020205020404" pitchFamily="49" charset="0"/>
+                <a:cs typeface="Courier New" panose="02070309020205020404" pitchFamily="49" charset="0"/>
+              </a:rPr>
+              <a:t>endl</a:t>
+            </a:r>
+            <a:endParaRPr lang="en-US" sz="1200" b="1" dirty="0">
+              <a:latin typeface="Courier New" panose="02070309020205020404" pitchFamily="49" charset="0"/>
+              <a:cs typeface="Courier New" panose="02070309020205020404" pitchFamily="49" charset="0"/>
+            </a:endParaRPr>
+          </a:p>
+          <a:p>
+            <a:pPr marL="0" indent="0">
+              <a:buNone/>
+            </a:pPr>
+            <a:r>
+              <a:rPr lang="en-US" sz="1200" b="1" dirty="0">
+                <a:latin typeface="Courier New" panose="02070309020205020404" pitchFamily="49" charset="0"/>
+                <a:cs typeface="Courier New" panose="02070309020205020404" pitchFamily="49" charset="0"/>
+              </a:rPr>
+              <a:t>         &lt;&lt; "and Height = " &lt;&lt; height </a:t>
+            </a:r>
+          </a:p>
+          <a:p>
+            <a:pPr marL="0" indent="0">
+              <a:buNone/>
+            </a:pPr>
+            <a:r>
+              <a:rPr lang="en-US" sz="1200" b="1" dirty="0">
+                <a:latin typeface="Courier New" panose="02070309020205020404" pitchFamily="49" charset="0"/>
+                <a:cs typeface="Courier New" panose="02070309020205020404" pitchFamily="49" charset="0"/>
+              </a:rPr>
+              <a:t>         &lt;&lt; " is " &lt;&lt; length*width*height &lt;&lt; </a:t>
+            </a:r>
+            <a:r>
+              <a:rPr lang="en-US" sz="1200" b="1" dirty="0" err="1">
+                <a:latin typeface="Courier New" panose="02070309020205020404" pitchFamily="49" charset="0"/>
+                <a:cs typeface="Courier New" panose="02070309020205020404" pitchFamily="49" charset="0"/>
+              </a:rPr>
+              <a:t>endl</a:t>
+            </a:r>
+            <a:r>
+              <a:rPr lang="en-US" sz="1200" b="1" dirty="0">
+                <a:latin typeface="Courier New" panose="02070309020205020404" pitchFamily="49" charset="0"/>
+                <a:cs typeface="Courier New" panose="02070309020205020404" pitchFamily="49" charset="0"/>
+              </a:rPr>
+              <a:t>;</a:t>
+            </a:r>
+          </a:p>
+          <a:p>
+            <a:pPr marL="0" indent="0">
+              <a:buNone/>
+            </a:pPr>
+            <a:r>
+              <a:rPr lang="en-US" sz="1200" b="1" dirty="0">
+                <a:latin typeface="Courier New" panose="02070309020205020404" pitchFamily="49" charset="0"/>
+                <a:cs typeface="Courier New" panose="02070309020205020404" pitchFamily="49" charset="0"/>
+              </a:rPr>
+              <a:t>}</a:t>
+            </a:r>
+          </a:p>
+          <a:p>
+            <a:pPr marL="0" indent="0">
+              <a:buNone/>
+            </a:pPr>
+            <a:endParaRPr lang="it-IT" sz="1100" b="1" dirty="0">
+              <a:latin typeface="Courier New" panose="02070309020205020404" pitchFamily="49" charset="0"/>
+              <a:cs typeface="Courier New" panose="02070309020205020404" pitchFamily="49" charset="0"/>
+            </a:endParaRPr>
+          </a:p>
+        </p:txBody>
+      </p:sp>
+      <p:sp>
+        <p:nvSpPr>
+          <p:cNvPr id="4" name="Segnaposto piè di pagina 3">
+            <a:extLst>
+              <a:ext uri="{FF2B5EF4-FFF2-40B4-BE49-F238E27FC236}">
+                <a16:creationId xmlns:a16="http://schemas.microsoft.com/office/drawing/2014/main" id="{0F467175-E8B6-4396-873E-FEC75903D68B}"/>
+              </a:ext>
+            </a:extLst>
+          </p:cNvPr>
+          <p:cNvSpPr>
+            <a:spLocks noGrp="1"/>
+          </p:cNvSpPr>
+          <p:nvPr>
+            <p:ph type="ftr" sz="quarter" idx="11"/>
+          </p:nvPr>
+        </p:nvSpPr>
+        <p:spPr/>
+        <p:txBody>
+          <a:bodyPr/>
+          <a:lstStyle/>
+          <a:p>
+            <a:pPr>
+              <a:defRPr/>
+            </a:pPr>
+            <a:r>
+              <a:rPr lang="it-IT"/>
+              <a:t>Alberto Ferrari – Programmazione di applicazioni SW</a:t>
+            </a:r>
+            <a:endParaRPr lang="it-IT" dirty="0"/>
+          </a:p>
+        </p:txBody>
+      </p:sp>
+    </p:spTree>
+    <p:extLst>
+      <p:ext uri="{BB962C8B-B14F-4D97-AF65-F5344CB8AC3E}">
+        <p14:creationId xmlns:p14="http://schemas.microsoft.com/office/powerpoint/2010/main" val="2787932669"/>
       </p:ext>
     </p:extLst>
   </p:cSld>

--- a/lezioni/PASW03d - C++ funzioni.pptx
+++ b/lezioni/PASW03d - C++ funzioni.pptx
@@ -5,7 +5,7 @@
     <p:sldMasterId id="2147483649" r:id="rId1"/>
   </p:sldMasterIdLst>
   <p:notesMasterIdLst>
-    <p:notesMasterId r:id="rId18"/>
+    <p:notesMasterId r:id="rId19"/>
   </p:notesMasterIdLst>
   <p:sldIdLst>
     <p:sldId id="258" r:id="rId2"/>
@@ -21,9 +21,10 @@
     <p:sldId id="259" r:id="rId12"/>
     <p:sldId id="261" r:id="rId13"/>
     <p:sldId id="260" r:id="rId14"/>
-    <p:sldId id="271" r:id="rId15"/>
-    <p:sldId id="272" r:id="rId16"/>
-    <p:sldId id="273" r:id="rId17"/>
+    <p:sldId id="274" r:id="rId15"/>
+    <p:sldId id="271" r:id="rId16"/>
+    <p:sldId id="272" r:id="rId17"/>
+    <p:sldId id="273" r:id="rId18"/>
   </p:sldIdLst>
   <p:sldSz cx="12192000" cy="6858000"/>
   <p:notesSz cx="6858000" cy="9144000"/>
@@ -253,7 +254,7 @@
           <a:p>
             <a:fld id="{537EE30C-6FCC-4D68-889C-61DBBB4BBB87}" type="datetimeFigureOut">
               <a:rPr lang="it-IT" smtClean="0"/>
-              <a:t>10/03/2018</a:t>
+              <a:t>11/03/2018</a:t>
             </a:fld>
             <a:endParaRPr lang="it-IT"/>
           </a:p>
@@ -7382,6 +7383,236 @@
           <p:cNvPr id="2" name="Titolo 1">
             <a:extLst>
               <a:ext uri="{FF2B5EF4-FFF2-40B4-BE49-F238E27FC236}">
+                <a16:creationId xmlns:a16="http://schemas.microsoft.com/office/drawing/2014/main" id="{DD20C535-F679-4409-B43D-A21691665B01}"/>
+              </a:ext>
+            </a:extLst>
+          </p:cNvPr>
+          <p:cNvSpPr>
+            <a:spLocks noGrp="1"/>
+          </p:cNvSpPr>
+          <p:nvPr>
+            <p:ph type="title"/>
+          </p:nvPr>
+        </p:nvSpPr>
+        <p:spPr/>
+        <p:txBody>
+          <a:bodyPr/>
+          <a:lstStyle/>
+          <a:p>
+            <a:r>
+              <a:rPr lang="it-IT" dirty="0"/>
+              <a:t>call by?</a:t>
+            </a:r>
+          </a:p>
+        </p:txBody>
+      </p:sp>
+      <p:sp>
+        <p:nvSpPr>
+          <p:cNvPr id="3" name="Segnaposto contenuto 2">
+            <a:extLst>
+              <a:ext uri="{FF2B5EF4-FFF2-40B4-BE49-F238E27FC236}">
+                <a16:creationId xmlns:a16="http://schemas.microsoft.com/office/drawing/2014/main" id="{E248336C-7845-421C-B967-B9A5B0091602}"/>
+              </a:ext>
+            </a:extLst>
+          </p:cNvPr>
+          <p:cNvSpPr>
+            <a:spLocks noGrp="1"/>
+          </p:cNvSpPr>
+          <p:nvPr>
+            <p:ph idx="1"/>
+          </p:nvPr>
+        </p:nvSpPr>
+        <p:spPr/>
+        <p:txBody>
+          <a:bodyPr/>
+          <a:lstStyle/>
+          <a:p>
+            <a:r>
+              <a:rPr lang="it-IT" dirty="0"/>
+              <a:t>suggerimenti:</a:t>
+            </a:r>
+          </a:p>
+          <a:p>
+            <a:pPr lvl="1"/>
+            <a:r>
+              <a:rPr lang="it-IT" dirty="0"/>
+              <a:t>parametri che devono essere </a:t>
+            </a:r>
+            <a:r>
+              <a:rPr lang="it-IT" b="1" i="1" dirty="0"/>
+              <a:t>modificati</a:t>
+            </a:r>
+            <a:r>
+              <a:rPr lang="it-IT" dirty="0"/>
+              <a:t> dalla funzione e ritornare modificati al chiamante: </a:t>
+            </a:r>
+            <a:r>
+              <a:rPr lang="it-IT" b="1" i="1" dirty="0"/>
+              <a:t>call by </a:t>
+            </a:r>
+            <a:r>
+              <a:rPr lang="it-IT" b="1" i="1" dirty="0" err="1"/>
+              <a:t>reference</a:t>
+            </a:r>
+            <a:endParaRPr lang="it-IT" b="1" i="1" dirty="0"/>
+          </a:p>
+          <a:p>
+            <a:pPr lvl="1"/>
+            <a:r>
+              <a:rPr lang="it-IT" dirty="0"/>
+              <a:t>parametri di </a:t>
+            </a:r>
+            <a:r>
+              <a:rPr lang="it-IT" b="1" i="1" dirty="0"/>
+              <a:t>piccole</a:t>
+            </a:r>
+            <a:r>
+              <a:rPr lang="it-IT" dirty="0"/>
+              <a:t> dimensioni (memoria) che </a:t>
+            </a:r>
+            <a:r>
+              <a:rPr lang="it-IT" b="1" i="1" dirty="0"/>
+              <a:t>non</a:t>
+            </a:r>
+            <a:r>
+              <a:rPr lang="it-IT" dirty="0"/>
+              <a:t> devono tornare </a:t>
+            </a:r>
+            <a:r>
+              <a:rPr lang="it-IT" b="1" i="1" dirty="0"/>
+              <a:t>modificati</a:t>
+            </a:r>
+            <a:r>
+              <a:rPr lang="it-IT" dirty="0"/>
+              <a:t> al chiamante: </a:t>
+            </a:r>
+            <a:r>
+              <a:rPr lang="it-IT" b="1" i="1" dirty="0"/>
+              <a:t>call by </a:t>
+            </a:r>
+            <a:r>
+              <a:rPr lang="it-IT" b="1" i="1" dirty="0" err="1"/>
+              <a:t>value</a:t>
+            </a:r>
+            <a:endParaRPr lang="it-IT" b="1" i="1" dirty="0"/>
+          </a:p>
+          <a:p>
+            <a:pPr lvl="1"/>
+            <a:r>
+              <a:rPr lang="it-IT" dirty="0"/>
+              <a:t>parametri di grandi dimensioni che </a:t>
+            </a:r>
+            <a:r>
+              <a:rPr lang="it-IT" b="1" i="1" dirty="0"/>
+              <a:t>non</a:t>
+            </a:r>
+            <a:r>
+              <a:rPr lang="it-IT" dirty="0"/>
+              <a:t> devono tornare </a:t>
+            </a:r>
+            <a:r>
+              <a:rPr lang="it-IT" b="1" i="1" dirty="0"/>
+              <a:t>modificati</a:t>
+            </a:r>
+            <a:r>
+              <a:rPr lang="it-IT" dirty="0"/>
+              <a:t> al chiamante: </a:t>
+            </a:r>
+            <a:r>
+              <a:rPr lang="it-IT" b="1" i="1" dirty="0"/>
+              <a:t>call by </a:t>
+            </a:r>
+            <a:r>
+              <a:rPr lang="it-IT" b="1" i="1" dirty="0" err="1"/>
+              <a:t>reference</a:t>
+            </a:r>
+            <a:r>
+              <a:rPr lang="it-IT" b="1" i="1" dirty="0"/>
+              <a:t> </a:t>
+            </a:r>
+            <a:r>
+              <a:rPr lang="it-IT" dirty="0"/>
+              <a:t>con specifica </a:t>
+            </a:r>
+            <a:r>
+              <a:rPr lang="it-IT" b="1" i="1" dirty="0" err="1"/>
+              <a:t>const</a:t>
+            </a:r>
+            <a:endParaRPr lang="it-IT" b="1" i="1" dirty="0"/>
+          </a:p>
+          <a:p>
+            <a:pPr lvl="1"/>
+            <a:endParaRPr lang="it-IT" dirty="0"/>
+          </a:p>
+        </p:txBody>
+      </p:sp>
+      <p:sp>
+        <p:nvSpPr>
+          <p:cNvPr id="4" name="Segnaposto piè di pagina 3">
+            <a:extLst>
+              <a:ext uri="{FF2B5EF4-FFF2-40B4-BE49-F238E27FC236}">
+                <a16:creationId xmlns:a16="http://schemas.microsoft.com/office/drawing/2014/main" id="{8948EF4E-7A6E-44AC-80B3-7866341F2C5C}"/>
+              </a:ext>
+            </a:extLst>
+          </p:cNvPr>
+          <p:cNvSpPr>
+            <a:spLocks noGrp="1"/>
+          </p:cNvSpPr>
+          <p:nvPr>
+            <p:ph type="ftr" sz="quarter" idx="11"/>
+          </p:nvPr>
+        </p:nvSpPr>
+        <p:spPr/>
+        <p:txBody>
+          <a:bodyPr/>
+          <a:lstStyle/>
+          <a:p>
+            <a:pPr>
+              <a:defRPr/>
+            </a:pPr>
+            <a:r>
+              <a:rPr lang="it-IT"/>
+              <a:t>Alberto Ferrari – Programmazione di applicazioni SW</a:t>
+            </a:r>
+            <a:endParaRPr lang="it-IT" dirty="0"/>
+          </a:p>
+        </p:txBody>
+      </p:sp>
+    </p:spTree>
+    <p:extLst>
+      <p:ext uri="{BB962C8B-B14F-4D97-AF65-F5344CB8AC3E}">
+        <p14:creationId xmlns:p14="http://schemas.microsoft.com/office/powerpoint/2010/main" val="45262197"/>
+      </p:ext>
+    </p:extLst>
+  </p:cSld>
+  <p:clrMapOvr>
+    <a:masterClrMapping/>
+  </p:clrMapOvr>
+</p:sld>
+</file>
+
+<file path=ppt/slides/slide15.xml><?xml version="1.0" encoding="utf-8"?>
+<p:sld xmlns:a="http://schemas.openxmlformats.org/drawingml/2006/main" xmlns:r="http://schemas.openxmlformats.org/officeDocument/2006/relationships" xmlns:p="http://schemas.openxmlformats.org/presentationml/2006/main">
+  <p:cSld>
+    <p:spTree>
+      <p:nvGrpSpPr>
+        <p:cNvPr id="1" name=""/>
+        <p:cNvGrpSpPr/>
+        <p:nvPr/>
+      </p:nvGrpSpPr>
+      <p:grpSpPr>
+        <a:xfrm>
+          <a:off x="0" y="0"/>
+          <a:ext cx="0" cy="0"/>
+          <a:chOff x="0" y="0"/>
+          <a:chExt cx="0" cy="0"/>
+        </a:xfrm>
+      </p:grpSpPr>
+      <p:sp>
+        <p:nvSpPr>
+          <p:cNvPr id="2" name="Titolo 1">
+            <a:extLst>
+              <a:ext uri="{FF2B5EF4-FFF2-40B4-BE49-F238E27FC236}">
                 <a16:creationId xmlns:a16="http://schemas.microsoft.com/office/drawing/2014/main" id="{176405F7-5544-4743-BC81-A394B247B4E1}"/>
               </a:ext>
             </a:extLst>
@@ -7614,7 +7845,7 @@
 </p:sld>
 </file>
 
-<file path=ppt/slides/slide15.xml><?xml version="1.0" encoding="utf-8"?>
+<file path=ppt/slides/slide16.xml><?xml version="1.0" encoding="utf-8"?>
 <p:sld xmlns:a="http://schemas.openxmlformats.org/drawingml/2006/main" xmlns:r="http://schemas.openxmlformats.org/officeDocument/2006/relationships" xmlns:p="http://schemas.openxmlformats.org/presentationml/2006/main">
   <p:cSld>
     <p:spTree>
@@ -7810,7 +8041,7 @@
 </p:sld>
 </file>
 
-<file path=ppt/slides/slide16.xml><?xml version="1.0" encoding="utf-8"?>
+<file path=ppt/slides/slide17.xml><?xml version="1.0" encoding="utf-8"?>
 <p:sld xmlns:a="http://schemas.openxmlformats.org/drawingml/2006/main" xmlns:r="http://schemas.openxmlformats.org/officeDocument/2006/relationships" xmlns:p="http://schemas.openxmlformats.org/presentationml/2006/main">
   <p:cSld>
     <p:spTree>
